--- a/docs/slides/Lecture15.pptx
+++ b/docs/slides/Lecture15.pptx
@@ -21,6 +21,8 @@
     <p:sldId id="266" r:id="rId18"/>
     <p:sldId id="267" r:id="rId19"/>
     <p:sldId id="268" r:id="rId20"/>
+    <p:sldId id="269" r:id="rId21"/>
+    <p:sldId id="270" r:id="rId22"/>
   </p:sldIdLst>
   <p:sldSz cx="9144000" cy="5143500"/>
   <p:notesSz cx="6858000" cy="9144000"/>
@@ -9125,7 +9127,7 @@
       </p:grpSpPr>
       <p:sp>
         <p:nvSpPr>
-          <p:cNvPr id="395" name="Slide Number Placeholder 3"/>
+          <p:cNvPr id="397" name="Slide Number Placeholder 3"/>
           <p:cNvSpPr txBox="1"/>
           <p:nvPr>
             <p:ph type="sldNum" sz="quarter" idx="2"/>
@@ -9156,14 +9158,14 @@
       </p:sp>
       <p:sp>
         <p:nvSpPr>
-          <p:cNvPr id="396" name="Extra Features for Breakout"/>
+          <p:cNvPr id="398" name="Breaking a loop in Breakout"/>
           <p:cNvSpPr txBox="1"/>
           <p:nvPr/>
         </p:nvSpPr>
         <p:spPr>
           <a:xfrm>
-            <a:off x="2257979" y="160656"/>
-            <a:ext cx="4628042" cy="535939"/>
+            <a:off x="2257529" y="160656"/>
+            <a:ext cx="4628942" cy="535939"/>
           </a:xfrm>
           <a:prstGeom prst="rect">
             <a:avLst/>
@@ -9193,241 +9195,21 @@
           <a:p>
             <a:pPr/>
             <a:r>
-              <a:t>Extra Features for Breakout</a:t>
-            </a:r>
-          </a:p>
-        </p:txBody>
-      </p:sp>
-      <p:pic>
-        <p:nvPicPr>
-          <p:cNvPr id="397" name="Brick Breaker Heart Collector" descr="Brick Breaker Heart Collector"/>
-          <p:cNvPicPr>
-            <a:picLocks noChangeAspect="0"/>
-          </p:cNvPicPr>
-          <p:nvPr>
-            <a:videoFile xmlns:mc="http://schemas.openxmlformats.org/markup-compatibility/2006" xmlns:aiw="http://developer.apple.com/namespaces/iwork" r:link="rId2" mc:Ignorable="aiw" aiw:title="Brick Breaker Heart Collector" aiw:author="Jesus Hinojosa"/>
-          </p:nvPr>
-        </p:nvPicPr>
-        <p:blipFill>
-          <a:blip r:embed="rId3">
-            <a:extLst/>
-          </a:blip>
-          <a:stretch>
-            <a:fillRect/>
-          </a:stretch>
-        </p:blipFill>
-        <p:spPr>
-          <a:xfrm>
-            <a:off x="1927948" y="952633"/>
-            <a:ext cx="5288104" cy="3966077"/>
-          </a:xfrm>
-          <a:prstGeom prst="rect">
-            <a:avLst/>
-          </a:prstGeom>
-        </p:spPr>
-      </p:pic>
-    </p:spTree>
-  </p:cSld>
-  <p:clrMapOvr>
-    <a:masterClrMapping/>
-  </p:clrMapOvr>
-  <p:transition xmlns:p14="http://schemas.microsoft.com/office/powerpoint/2010/main" spd="med" advClick="1"/>
-  <p:timing>
-    <p:tnLst>
-      <p:par>
-        <p:cTn id="1" nodeType="tmRoot" restart="never" dur="indefinite" fill="hold">
-          <p:childTnLst>
-            <p:seq concurrent="1" prevAc="none" nextAc="seek">
-              <p:cTn id="2" nodeType="mainSeq" dur="indefinite" fill="hold">
-                <p:childTnLst>
-                  <p:par>
-                    <p:cTn id="3" fill="hold">
-                      <p:stCondLst>
-                        <p:cond delay="indefinite"/>
-                      </p:stCondLst>
-                      <p:childTnLst>
-                        <p:par>
-                          <p:cTn id="4" fill="hold">
-                            <p:stCondLst>
-                              <p:cond delay="0"/>
-                            </p:stCondLst>
-                            <p:childTnLst>
-                              <p:par>
-                                <p:cTn id="5" presetClass="mediacall" nodeType="clickEffect" presetSubtype="0" presetID="1" grpId="1" fill="hold">
-                                  <p:stCondLst>
-                                    <p:cond delay="0"/>
-                                  </p:stCondLst>
-                                  <p:childTnLst>
-                                    <p:cmd type="call" cmd="playFrom(0.0)">
-                                      <p:cBhvr>
-                                        <p:cTn id="6" dur="1" fill="hold"/>
-                                        <p:tgtEl>
-                                          <p:spTgt spid="397"/>
-                                        </p:tgtEl>
-                                      </p:cBhvr>
-                                    </p:cmd>
-                                  </p:childTnLst>
-                                </p:cTn>
-                              </p:par>
-                            </p:childTnLst>
-                          </p:cTn>
-                        </p:par>
-                      </p:childTnLst>
-                    </p:cTn>
-                  </p:par>
-                </p:childTnLst>
-              </p:cTn>
-              <p:prevCondLst>
-                <p:cond evt="onPrev">
-                  <p:tgtEl>
-                    <p:sldTgt/>
-                  </p:tgtEl>
-                </p:cond>
-              </p:prevCondLst>
-              <p:nextCondLst>
-                <p:cond evt="onNext">
-                  <p:tgtEl>
-                    <p:sldTgt/>
-                  </p:tgtEl>
-                </p:cond>
-              </p:nextCondLst>
-            </p:seq>
-            <p:video fullScrn="0">
-              <p:cMediaNode mute="0" showWhenStopped="1" numSld="1" vol="80000">
-                <p:cTn id="7" fill="hold" display="0">
-                  <p:stCondLst>
-                    <p:cond delay="indefinite"/>
-                  </p:stCondLst>
-                </p:cTn>
-                <p:tgtEl>
-                  <p:spTgt spid="397"/>
-                </p:tgtEl>
-              </p:cMediaNode>
-            </p:video>
-            <p:seq concurrent="1" prevAc="none" nextAc="seek">
-              <p:cTn id="8" evtFilter="cancelBubble" nodeType="interactiveSeq" restart="whenNotActive" fill="hold">
-                <p:stCondLst>
-                  <p:cond delay="0" evt="onClick">
-                    <p:tgtEl>
-                      <p:spTgt spid="397"/>
-                    </p:tgtEl>
-                  </p:cond>
-                </p:stCondLst>
-                <p:endSync delay="0" evt="end">
-                  <p:rtn val="all"/>
-                </p:endSync>
-                <p:childTnLst>
-                  <p:par>
-                    <p:cTn id="9" fill="hold">
-                      <p:stCondLst>
-                        <p:cond delay="0"/>
-                      </p:stCondLst>
-                      <p:childTnLst>
-                        <p:par>
-                          <p:cTn id="10" fill="hold">
-                            <p:stCondLst>
-                              <p:cond delay="0"/>
-                            </p:stCondLst>
-                            <p:childTnLst>
-                              <p:par>
-                                <p:cTn id="11" presetClass="mediacall" nodeType="clickEffect" presetSubtype="0" presetID="2" fill="hold">
-                                  <p:stCondLst>
-                                    <p:cond delay="0"/>
-                                  </p:stCondLst>
-                                  <p:childTnLst>
-                                    <p:cmd type="call" cmd="togglePause">
-                                      <p:cBhvr>
-                                        <p:cTn id="12" dur="1" fill="hold"/>
-                                        <p:tgtEl>
-                                          <p:spTgt spid="397"/>
-                                        </p:tgtEl>
-                                      </p:cBhvr>
-                                    </p:cmd>
-                                  </p:childTnLst>
-                                </p:cTn>
-                              </p:par>
-                            </p:childTnLst>
-                          </p:cTn>
-                        </p:par>
-                      </p:childTnLst>
-                    </p:cTn>
-                  </p:par>
-                </p:childTnLst>
-              </p:cTn>
-              <p:nextCondLst>
-                <p:cond delay="0" evt="onClick">
-                  <p:tgtEl>
-                    <p:spTgt spid="397"/>
-                  </p:tgtEl>
-                </p:cond>
-              </p:nextCondLst>
-            </p:seq>
-          </p:childTnLst>
-        </p:cTn>
-      </p:par>
-    </p:tnLst>
-  </p:timing>
-</p:sld>
-</file>
-
-<file path=ppt/slides/slide11.xml><?xml version="1.0" encoding="utf-8"?>
-<p:sld xmlns:a="http://schemas.openxmlformats.org/drawingml/2006/main" xmlns:r="http://schemas.openxmlformats.org/officeDocument/2006/relationships" xmlns:p="http://schemas.openxmlformats.org/presentationml/2006/main" xmlns:m="http://schemas.openxmlformats.org/officeDocument/2006/math" xmlns:a14="http://schemas.microsoft.com/office/drawing/2010/main" showMasterSp="1" showMasterPhAnim="1">
-  <p:cSld>
-    <p:spTree>
-      <p:nvGrpSpPr>
-        <p:cNvPr id="1" name=""/>
-        <p:cNvGrpSpPr/>
-        <p:nvPr/>
-      </p:nvGrpSpPr>
-      <p:grpSpPr>
-        <a:xfrm>
-          <a:off x="0" y="0"/>
-          <a:ext cx="0" cy="0"/>
-          <a:chOff x="0" y="0"/>
-          <a:chExt cx="0" cy="0"/>
-        </a:xfrm>
-      </p:grpSpPr>
-      <p:sp>
-        <p:nvSpPr>
-          <p:cNvPr id="399" name="Slide Number Placeholder 3"/>
-          <p:cNvSpPr txBox="1"/>
-          <p:nvPr>
-            <p:ph type="sldNum" sz="quarter" idx="2"/>
-          </p:nvPr>
-        </p:nvSpPr>
-        <p:spPr>
-          <a:xfrm>
-            <a:off x="8833569" y="4787109"/>
-            <a:ext cx="158032" cy="139701"/>
-          </a:xfrm>
-          <a:prstGeom prst="rect">
-            <a:avLst/>
-          </a:prstGeom>
-          <a:extLst>
-            <a:ext uri="{C572A759-6A51-4108-AA02-DFA0A04FC94B}">
-              <ma14:wrappingTextBoxFlag xmlns:ma14="http://schemas.microsoft.com/office/mac/drawingml/2011/main" val="1"/>
-            </a:ext>
-          </a:extLst>
-        </p:spPr>
-        <p:txBody>
-          <a:bodyPr/>
-          <a:lstStyle/>
-          <a:p>
-            <a:pPr/>
-            <a:fld id="{86CB4B4D-7CA3-9044-876B-883B54F8677D}" type="slidenum"/>
+              <a:t>Breaking a loop in Breakout</a:t>
+            </a:r>
           </a:p>
         </p:txBody>
       </p:sp>
       <p:sp>
         <p:nvSpPr>
-          <p:cNvPr id="400" name="Collecting objects with paddle"/>
+          <p:cNvPr id="399" name="&lt;list of colliding objects&gt; = canvas.find_overlapping(&lt;paddle coordinates&gt;)"/>
           <p:cNvSpPr txBox="1"/>
           <p:nvPr/>
         </p:nvSpPr>
         <p:spPr>
           <a:xfrm>
-            <a:off x="2257979" y="160656"/>
-            <a:ext cx="4956239" cy="535939"/>
+            <a:off x="1063939" y="2586990"/>
+            <a:ext cx="6697176" cy="548639"/>
           </a:xfrm>
           <a:prstGeom prst="rect">
             <a:avLst/>
@@ -9442,65 +9224,45 @@
           </a:extLst>
         </p:spPr>
         <p:txBody>
-          <a:bodyPr wrap="none" lIns="45718" tIns="45718" rIns="45718" bIns="45718">
+          <a:bodyPr lIns="45718" tIns="45718" rIns="45718" bIns="45718">
             <a:spAutoFit/>
           </a:bodyPr>
-          <a:lstStyle>
-            <a:lvl1pPr>
-              <a:defRPr sz="2900">
-                <a:solidFill>
-                  <a:srgbClr val="FFFFFF"/>
-                </a:solidFill>
-              </a:defRPr>
-            </a:lvl1pPr>
-          </a:lstStyle>
-          <a:p>
-            <a:pPr/>
-            <a:r>
-              <a:t>Collecting objects with paddle</a:t>
+          <a:lstStyle/>
+          <a:p>
+            <a:pPr defTabSz="457200">
+              <a:defRPr sz="1500">
+                <a:solidFill>
+                  <a:srgbClr val="080808"/>
+                </a:solidFill>
+              </a:defRPr>
+            </a:pPr>
+            <a:r>
+              <a:rPr i="1"/>
+              <a:t>&lt;list of colliding objects&gt;</a:t>
+            </a:r>
+            <a:r>
+              <a:t> = canvas.find_overlapping(</a:t>
+            </a:r>
+            <a:r>
+              <a:rPr i="1"/>
+              <a:t>&lt;paddle coordinates&gt;</a:t>
+            </a:r>
+            <a:r>
+              <a:t>)</a:t>
             </a:r>
           </a:p>
         </p:txBody>
       </p:sp>
-      <p:pic>
-        <p:nvPicPr>
-          <p:cNvPr id="401" name="Screenshot 2021-08-11 at 22.29.22.png" descr="Screenshot 2021-08-11 at 22.29.22.png"/>
-          <p:cNvPicPr>
-            <a:picLocks noChangeAspect="1"/>
-          </p:cNvPicPr>
-          <p:nvPr/>
-        </p:nvPicPr>
-        <p:blipFill>
-          <a:blip r:embed="rId2">
-            <a:extLst/>
-          </a:blip>
-          <a:stretch>
-            <a:fillRect/>
-          </a:stretch>
-        </p:blipFill>
-        <p:spPr>
-          <a:xfrm>
-            <a:off x="3391900" y="1175713"/>
-            <a:ext cx="2360200" cy="3512067"/>
-          </a:xfrm>
-          <a:prstGeom prst="rect">
-            <a:avLst/>
-          </a:prstGeom>
-          <a:ln w="12700">
-            <a:miter lim="400000"/>
-          </a:ln>
-        </p:spPr>
-      </p:pic>
       <p:sp>
         <p:nvSpPr>
-          <p:cNvPr id="402" name="def get_key_press(canvas):…"/>
+          <p:cNvPr id="400" name="for collider in &lt;list of colliding objects&gt;:…"/>
           <p:cNvSpPr txBox="1"/>
           <p:nvPr/>
         </p:nvSpPr>
         <p:spPr>
           <a:xfrm>
-            <a:off x="29207" y="2186942"/>
-            <a:ext cx="3375666" cy="1310639"/>
+            <a:off x="1031545" y="3064510"/>
+            <a:ext cx="5254689" cy="1234439"/>
           </a:xfrm>
           <a:prstGeom prst="rect">
             <a:avLst/>
@@ -9515,66 +9277,18 @@
           </a:extLst>
         </p:spPr>
         <p:txBody>
-          <a:bodyPr wrap="none" lIns="45718" tIns="45718" rIns="45718" bIns="45718">
+          <a:bodyPr lIns="45718" tIns="45718" rIns="45718" bIns="45718">
             <a:spAutoFit/>
           </a:bodyPr>
           <a:lstStyle/>
           <a:p>
             <a:pPr defTabSz="457200">
-              <a:defRPr sz="1300">
-                <a:solidFill>
-                  <a:srgbClr val="000000"/>
+              <a:defRPr sz="1500">
+                <a:solidFill>
+                  <a:srgbClr val="080808"/>
                 </a:solidFill>
               </a:defRPr>
             </a:pPr>
-            <a:r>
-              <a:rPr>
-                <a:solidFill>
-                  <a:srgbClr val="0033B3"/>
-                </a:solidFill>
-              </a:rPr>
-              <a:t>def </a:t>
-            </a:r>
-            <a:r>
-              <a:t>get_key_press</a:t>
-            </a:r>
-            <a:r>
-              <a:rPr>
-                <a:solidFill>
-                  <a:srgbClr val="080808"/>
-                </a:solidFill>
-              </a:rPr>
-              <a:t>(canvas):</a:t>
-            </a:r>
-            <a:endParaRPr>
-              <a:solidFill>
-                <a:srgbClr val="080808"/>
-              </a:solidFill>
-            </a:endParaRPr>
-          </a:p>
-          <a:p>
-            <a:pPr defTabSz="457200">
-              <a:defRPr sz="1300">
-                <a:solidFill>
-                  <a:srgbClr val="080808"/>
-                </a:solidFill>
-              </a:defRPr>
-            </a:pPr>
-            <a:r>
-              <a:t>    presses = canvas.get_new_key_presses()</a:t>
-            </a:r>
-          </a:p>
-          <a:p>
-            <a:pPr defTabSz="457200">
-              <a:defRPr sz="1300">
-                <a:solidFill>
-                  <a:srgbClr val="080808"/>
-                </a:solidFill>
-              </a:defRPr>
-            </a:pPr>
-            <a:r>
-              <a:t>    </a:t>
-            </a:r>
             <a:r>
               <a:rPr>
                 <a:solidFill>
@@ -9584,7 +9298,7 @@
               <a:t>for </a:t>
             </a:r>
             <a:r>
-              <a:t>press </a:t>
+              <a:t>collider </a:t>
             </a:r>
             <a:r>
               <a:rPr>
@@ -9595,19 +9309,85 @@
               <a:t>in </a:t>
             </a:r>
             <a:r>
-              <a:t>presses:</a:t>
+              <a:rPr i="1"/>
+              <a:t>&lt;list of colliding objects&gt;</a:t>
+            </a:r>
+            <a:r>
+              <a:t>:</a:t>
             </a:r>
           </a:p>
           <a:p>
             <a:pPr defTabSz="457200">
-              <a:defRPr sz="1300">
+              <a:defRPr sz="1500">
                 <a:solidFill>
                   <a:srgbClr val="080808"/>
                 </a:solidFill>
               </a:defRPr>
             </a:pPr>
             <a:r>
-              <a:t>       ….</a:t>
+              <a:t>    </a:t>
+            </a:r>
+            <a:r>
+              <a:rPr>
+                <a:solidFill>
+                  <a:srgbClr val="0033B3"/>
+                </a:solidFill>
+              </a:rPr>
+              <a:t>if </a:t>
+            </a:r>
+            <a:r>
+              <a:t>collider </a:t>
+            </a:r>
+            <a:r>
+              <a:rPr>
+                <a:solidFill>
+                  <a:srgbClr val="0033B3"/>
+                </a:solidFill>
+              </a:rPr>
+              <a:t>in </a:t>
+            </a:r>
+            <a:r>
+              <a:rPr i="1">
+                <a:solidFill>
+                  <a:srgbClr val="0033B3"/>
+                </a:solidFill>
+              </a:rPr>
+              <a:t>&lt;list of objects paddle can remove&gt;</a:t>
+            </a:r>
+            <a:r>
+              <a:t>:</a:t>
+            </a:r>
+          </a:p>
+          <a:p>
+            <a:pPr defTabSz="457200">
+              <a:defRPr sz="1500">
+                <a:solidFill>
+                  <a:srgbClr val="080808"/>
+                </a:solidFill>
+              </a:defRPr>
+            </a:pPr>
+            <a:r>
+              <a:t>        canvas.delete(collider)</a:t>
+            </a:r>
+          </a:p>
+          <a:p>
+            <a:pPr defTabSz="457200">
+              <a:defRPr sz="1500">
+                <a:solidFill>
+                  <a:srgbClr val="080808"/>
+                </a:solidFill>
+              </a:defRPr>
+            </a:pPr>
+            <a:r>
+              <a:t>        </a:t>
+            </a:r>
+            <a:r>
+              <a:rPr>
+                <a:solidFill>
+                  <a:srgbClr val="0033B3"/>
+                </a:solidFill>
+              </a:rPr>
+              <a:t>break</a:t>
             </a:r>
             <a:endParaRPr>
               <a:solidFill>
@@ -9615,38 +9395,18 @@
               </a:solidFill>
             </a:endParaRPr>
           </a:p>
-          <a:p>
-            <a:pPr defTabSz="457200">
-              <a:defRPr sz="1300">
-                <a:solidFill>
-                  <a:srgbClr val="0033B3"/>
-                </a:solidFill>
-              </a:defRPr>
-            </a:pPr>
-            <a:r>
-              <a:t>    return </a:t>
-            </a:r>
-            <a:r>
-              <a:rPr>
-                <a:solidFill>
-                  <a:srgbClr val="1750EB"/>
-                </a:solidFill>
-              </a:rPr>
-              <a:t>….</a:t>
-            </a:r>
-          </a:p>
         </p:txBody>
       </p:sp>
       <p:sp>
         <p:nvSpPr>
-          <p:cNvPr id="403" name="….…"/>
+          <p:cNvPr id="401" name="You may like to implement the paddle move by key-strokes and collect objects.…"/>
           <p:cNvSpPr txBox="1"/>
           <p:nvPr/>
         </p:nvSpPr>
         <p:spPr>
           <a:xfrm>
-            <a:off x="5822995" y="1902462"/>
-            <a:ext cx="3223868" cy="2733039"/>
+            <a:off x="404649" y="1448595"/>
+            <a:ext cx="8614504" cy="548639"/>
           </a:xfrm>
           <a:prstGeom prst="rect">
             <a:avLst/>
@@ -9666,283 +9426,111 @@
           </a:bodyPr>
           <a:lstStyle/>
           <a:p>
-            <a:pPr defTabSz="457200">
-              <a:defRPr sz="1300">
-                <a:solidFill>
-                  <a:srgbClr val="080808"/>
+            <a:pPr>
+              <a:defRPr b="1" sz="1500">
+                <a:solidFill>
+                  <a:srgbClr val="000000"/>
                 </a:solidFill>
               </a:defRPr>
             </a:pPr>
             <a:r>
-              <a:t>….</a:t>
-            </a:r>
-          </a:p>
-          <a:p>
-            <a:pPr defTabSz="457200">
-              <a:defRPr sz="1300">
-                <a:solidFill>
-                  <a:srgbClr val="080808"/>
+              <a:t>You may like to implement the paddle move by key-strokes and collect objects.</a:t>
+            </a:r>
+          </a:p>
+          <a:p>
+            <a:pPr>
+              <a:defRPr b="1" sz="1500">
+                <a:solidFill>
+                  <a:srgbClr val="000000"/>
                 </a:solidFill>
               </a:defRPr>
             </a:pPr>
             <a:r>
-              <a:t>bullet = </a:t>
-            </a:r>
-            <a:r>
-              <a:rPr>
-                <a:solidFill>
-                  <a:srgbClr val="0033B3"/>
-                </a:solidFill>
-              </a:rPr>
-              <a:t>None</a:t>
-            </a:r>
-            <a:endParaRPr>
-              <a:solidFill>
-                <a:srgbClr val="0033B3"/>
-              </a:solidFill>
-            </a:endParaRPr>
-          </a:p>
-          <a:p>
-            <a:pPr defTabSz="457200">
-              <a:defRPr sz="1300">
-                <a:solidFill>
-                  <a:srgbClr val="0033B3"/>
-                </a:solidFill>
-              </a:defRPr>
-            </a:pPr>
-          </a:p>
-          <a:p>
-            <a:pPr defTabSz="457200">
-              <a:defRPr i="1" sz="1300">
-                <a:solidFill>
-                  <a:srgbClr val="8C8C8C"/>
-                </a:solidFill>
-              </a:defRPr>
-            </a:pPr>
-            <a:r>
-              <a:t># animation loop</a:t>
-            </a:r>
-          </a:p>
-          <a:p>
-            <a:pPr defTabSz="457200">
-              <a:defRPr sz="1300">
-                <a:solidFill>
-                  <a:srgbClr val="080808"/>
-                </a:solidFill>
-              </a:defRPr>
-            </a:pPr>
-            <a:r>
-              <a:rPr>
-                <a:solidFill>
-                  <a:srgbClr val="0033B3"/>
-                </a:solidFill>
-              </a:rPr>
-              <a:t>while </a:t>
-            </a:r>
-            <a:r>
-              <a:t>turns &gt; </a:t>
-            </a:r>
-            <a:r>
-              <a:rPr>
-                <a:solidFill>
-                  <a:srgbClr val="1750EB"/>
-                </a:solidFill>
-              </a:rPr>
-              <a:t>0 </a:t>
-            </a:r>
-            <a:r>
-              <a:rPr>
-                <a:solidFill>
-                  <a:srgbClr val="0033B3"/>
-                </a:solidFill>
-              </a:rPr>
-              <a:t>and </a:t>
-            </a:r>
-            <a:r>
-              <a:t>brick_count &gt; </a:t>
-            </a:r>
-            <a:r>
-              <a:rPr>
-                <a:solidFill>
-                  <a:srgbClr val="1750EB"/>
-                </a:solidFill>
-              </a:rPr>
-              <a:t>0</a:t>
-            </a:r>
-            <a:r>
-              <a:t>:</a:t>
-            </a:r>
-          </a:p>
-          <a:p>
-            <a:pPr defTabSz="457200">
-              <a:defRPr sz="1300">
-                <a:solidFill>
-                  <a:srgbClr val="080808"/>
-                </a:solidFill>
-              </a:defRPr>
-            </a:pPr>
-            <a:r>
-              <a:t>    …</a:t>
-            </a:r>
-          </a:p>
-          <a:p>
-            <a:pPr defTabSz="457200">
-              <a:defRPr sz="1300">
-                <a:solidFill>
-                  <a:srgbClr val="080808"/>
-                </a:solidFill>
-              </a:defRPr>
-            </a:pPr>
-            <a:r>
-              <a:t>    </a:t>
-            </a:r>
-            <a:r>
-              <a:rPr>
-                <a:solidFill>
-                  <a:srgbClr val="0033B3"/>
-                </a:solidFill>
-              </a:rPr>
-              <a:t>if </a:t>
-            </a:r>
-            <a:r>
-              <a:t>bullet:</a:t>
-            </a:r>
-          </a:p>
-          <a:p>
-            <a:pPr defTabSz="457200">
-              <a:defRPr sz="1300">
-                <a:solidFill>
-                  <a:srgbClr val="080808"/>
-                </a:solidFill>
-              </a:defRPr>
-            </a:pPr>
-            <a:r>
-              <a:t>        canvas.move(bullet, </a:t>
-            </a:r>
-            <a:r>
-              <a:rPr>
-                <a:solidFill>
-                  <a:srgbClr val="1750EB"/>
-                </a:solidFill>
-              </a:rPr>
-              <a:t>0</a:t>
-            </a:r>
-            <a:r>
-              <a:t>, -</a:t>
-            </a:r>
-            <a:r>
-              <a:rPr>
-                <a:solidFill>
-                  <a:srgbClr val="1750EB"/>
-                </a:solidFill>
-              </a:rPr>
-              <a:t>BULLET_DX</a:t>
-            </a:r>
-            <a:r>
-              <a:t>)</a:t>
-            </a:r>
-          </a:p>
-          <a:p>
-            <a:pPr defTabSz="457200">
-              <a:defRPr sz="1300">
-                <a:solidFill>
-                  <a:srgbClr val="080808"/>
-                </a:solidFill>
-              </a:defRPr>
-            </a:pPr>
-            <a:r>
-              <a:t>        </a:t>
-            </a:r>
-            <a:r>
-              <a:rPr>
-                <a:solidFill>
-                  <a:srgbClr val="0033B3"/>
-                </a:solidFill>
-              </a:rPr>
-              <a:t>if </a:t>
-            </a:r>
-            <a:r>
-              <a:t>canvas.get_top_y(bullet) &lt; </a:t>
-            </a:r>
-            <a:r>
-              <a:rPr>
-                <a:solidFill>
-                  <a:srgbClr val="1750EB"/>
-                </a:solidFill>
-              </a:rPr>
-              <a:t>20</a:t>
-            </a:r>
-            <a:r>
-              <a:t>:</a:t>
-            </a:r>
-          </a:p>
-          <a:p>
-            <a:pPr defTabSz="457200">
-              <a:defRPr sz="1300">
-                <a:solidFill>
-                  <a:srgbClr val="080808"/>
-                </a:solidFill>
-              </a:defRPr>
-            </a:pPr>
-            <a:r>
-              <a:t>            canvas.delete(bullet)</a:t>
-            </a:r>
-          </a:p>
-          <a:p>
-            <a:pPr defTabSz="457200">
-              <a:defRPr sz="1300">
-                <a:solidFill>
-                  <a:srgbClr val="080808"/>
-                </a:solidFill>
-              </a:defRPr>
-            </a:pPr>
-            <a:r>
-              <a:t>            bullet = </a:t>
-            </a:r>
-            <a:r>
-              <a:rPr>
-                <a:solidFill>
-                  <a:srgbClr val="0033B3"/>
-                </a:solidFill>
-              </a:rPr>
-              <a:t>None</a:t>
-            </a:r>
-            <a:endParaRPr>
-              <a:solidFill>
-                <a:srgbClr val="0033B3"/>
-              </a:solidFill>
-            </a:endParaRPr>
-          </a:p>
-          <a:p>
-            <a:pPr defTabSz="457200">
-              <a:defRPr sz="1300">
-                <a:solidFill>
-                  <a:srgbClr val="080808"/>
-                </a:solidFill>
-              </a:defRPr>
-            </a:pPr>
-            <a:endParaRPr>
-              <a:solidFill>
-                <a:srgbClr val="0033B3"/>
-              </a:solidFill>
-            </a:endParaRPr>
-          </a:p>
-          <a:p>
-            <a:pPr defTabSz="457200">
-              <a:defRPr sz="1300">
-                <a:solidFill>
-                  <a:srgbClr val="080808"/>
-                </a:solidFill>
-              </a:defRPr>
-            </a:pPr>
-            <a:r>
-              <a:rPr>
-                <a:solidFill>
-                  <a:srgbClr val="0033B3"/>
-                </a:solidFill>
-              </a:rPr>
-              <a:t>…</a:t>
-            </a:r>
+              <a:t>In case of multiple colliding object, you may prefer to remove only one of the colliding objects</a:t>
+            </a:r>
+          </a:p>
+        </p:txBody>
+      </p:sp>
+      <p:sp>
+        <p:nvSpPr>
+          <p:cNvPr id="402" name="Checking if colliding object is one of the objects in the list"/>
+          <p:cNvSpPr txBox="1"/>
+          <p:nvPr/>
+        </p:nvSpPr>
+        <p:spPr>
+          <a:xfrm>
+            <a:off x="6258796" y="3138171"/>
+            <a:ext cx="2133460" cy="815339"/>
+          </a:xfrm>
+          <a:prstGeom prst="rect">
+            <a:avLst/>
+          </a:prstGeom>
+          <a:ln w="12700">
+            <a:miter lim="400000"/>
+          </a:ln>
+          <a:extLst>
+            <a:ext uri="{C572A759-6A51-4108-AA02-DFA0A04FC94B}">
+              <ma14:wrappingTextBoxFlag xmlns:ma14="http://schemas.microsoft.com/office/mac/drawingml/2011/main" val="1"/>
+            </a:ext>
+          </a:extLst>
+        </p:spPr>
+        <p:txBody>
+          <a:bodyPr lIns="45718" tIns="45718" rIns="45718" bIns="45718">
+            <a:spAutoFit/>
+          </a:bodyPr>
+          <a:lstStyle>
+            <a:lvl1pPr>
+              <a:defRPr b="1" sz="1600">
+                <a:solidFill>
+                  <a:srgbClr val="F61DFB"/>
+                </a:solidFill>
+              </a:defRPr>
+            </a:lvl1pPr>
+          </a:lstStyle>
+          <a:p>
+            <a:pPr/>
+            <a:r>
+              <a:t>Checking if colliding object is one of the objects in the list</a:t>
+            </a:r>
+          </a:p>
+        </p:txBody>
+      </p:sp>
+      <p:sp>
+        <p:nvSpPr>
+          <p:cNvPr id="403" name="Rounded Rectangle"/>
+          <p:cNvSpPr/>
+          <p:nvPr/>
+        </p:nvSpPr>
+        <p:spPr>
+          <a:xfrm>
+            <a:off x="1204915" y="3310889"/>
+            <a:ext cx="4187190" cy="289482"/>
+          </a:xfrm>
+          <a:prstGeom prst="roundRect">
+            <a:avLst>
+              <a:gd name="adj" fmla="val 15076"/>
+            </a:avLst>
+          </a:prstGeom>
+          <a:ln w="25400">
+            <a:solidFill>
+              <a:srgbClr val="FF0000"/>
+            </a:solidFill>
+            <a:prstDash val="sysDot"/>
+            <a:miter lim="400000"/>
+          </a:ln>
+          <a:effectLst>
+            <a:outerShdw sx="100000" sy="100000" kx="0" ky="0" algn="b" rotWithShape="0" blurRad="38100" dist="23000" dir="5400000">
+              <a:srgbClr val="000000">
+                <a:alpha val="35000"/>
+              </a:srgbClr>
+            </a:outerShdw>
+          </a:effectLst>
+        </p:spPr>
+        <p:txBody>
+          <a:bodyPr lIns="45718" tIns="45718" rIns="45718" bIns="45718" anchor="ctr"/>
+          <a:lstStyle/>
+          <a:p>
+            <a:pPr/>
           </a:p>
         </p:txBody>
       </p:sp>
@@ -9985,7 +9573,1187 @@
                                       <p:cBhvr>
                                         <p:cTn id="6" fill="hold"/>
                                         <p:tgtEl>
+                                          <p:spTgt spid="399"/>
+                                        </p:tgtEl>
+                                        <p:attrNameLst>
+                                          <p:attrName>style.visibility</p:attrName>
+                                        </p:attrNameLst>
+                                      </p:cBhvr>
+                                      <p:to>
+                                        <p:strVal val="visible"/>
+                                      </p:to>
+                                    </p:set>
+                                  </p:childTnLst>
+                                </p:cTn>
+                              </p:par>
+                            </p:childTnLst>
+                          </p:cTn>
+                        </p:par>
+                        <p:par>
+                          <p:cTn id="7" fill="hold">
+                            <p:stCondLst>
+                              <p:cond delay="0"/>
+                            </p:stCondLst>
+                            <p:childTnLst>
+                              <p:par>
+                                <p:cTn id="8" presetClass="entr" nodeType="afterEffect" presetSubtype="0" presetID="1" grpId="2" fill="hold">
+                                  <p:stCondLst>
+                                    <p:cond delay="0"/>
+                                  </p:stCondLst>
+                                  <p:iterate type="el" backwards="0">
+                                    <p:tmAbs val="0"/>
+                                  </p:iterate>
+                                  <p:childTnLst>
+                                    <p:set>
+                                      <p:cBhvr>
+                                        <p:cTn id="9" fill="hold"/>
+                                        <p:tgtEl>
+                                          <p:spTgt spid="400"/>
+                                        </p:tgtEl>
+                                        <p:attrNameLst>
+                                          <p:attrName>style.visibility</p:attrName>
+                                        </p:attrNameLst>
+                                      </p:cBhvr>
+                                      <p:to>
+                                        <p:strVal val="visible"/>
+                                      </p:to>
+                                    </p:set>
+                                  </p:childTnLst>
+                                </p:cTn>
+                              </p:par>
+                            </p:childTnLst>
+                          </p:cTn>
+                        </p:par>
+                      </p:childTnLst>
+                    </p:cTn>
+                  </p:par>
+                  <p:par>
+                    <p:cTn id="10" fill="hold">
+                      <p:stCondLst>
+                        <p:cond delay="indefinite"/>
+                      </p:stCondLst>
+                      <p:childTnLst>
+                        <p:par>
+                          <p:cTn id="11" fill="hold">
+                            <p:stCondLst>
+                              <p:cond delay="0"/>
+                            </p:stCondLst>
+                            <p:childTnLst>
+                              <p:par>
+                                <p:cTn id="12" presetClass="entr" nodeType="clickEffect" presetSubtype="0" presetID="1" grpId="3" fill="hold">
+                                  <p:stCondLst>
+                                    <p:cond delay="0"/>
+                                  </p:stCondLst>
+                                  <p:iterate type="el" backwards="0">
+                                    <p:tmAbs val="0"/>
+                                  </p:iterate>
+                                  <p:childTnLst>
+                                    <p:set>
+                                      <p:cBhvr>
+                                        <p:cTn id="13" fill="hold"/>
+                                        <p:tgtEl>
                                           <p:spTgt spid="402"/>
+                                        </p:tgtEl>
+                                        <p:attrNameLst>
+                                          <p:attrName>style.visibility</p:attrName>
+                                        </p:attrNameLst>
+                                      </p:cBhvr>
+                                      <p:to>
+                                        <p:strVal val="visible"/>
+                                      </p:to>
+                                    </p:set>
+                                  </p:childTnLst>
+                                </p:cTn>
+                              </p:par>
+                            </p:childTnLst>
+                          </p:cTn>
+                        </p:par>
+                        <p:par>
+                          <p:cTn id="14" fill="hold">
+                            <p:stCondLst>
+                              <p:cond delay="0"/>
+                            </p:stCondLst>
+                            <p:childTnLst>
+                              <p:par>
+                                <p:cTn id="15" presetClass="entr" nodeType="afterEffect" presetSubtype="0" presetID="1" grpId="4" fill="hold">
+                                  <p:stCondLst>
+                                    <p:cond delay="0"/>
+                                  </p:stCondLst>
+                                  <p:iterate type="el" backwards="0">
+                                    <p:tmAbs val="0"/>
+                                  </p:iterate>
+                                  <p:childTnLst>
+                                    <p:set>
+                                      <p:cBhvr>
+                                        <p:cTn id="16" fill="hold"/>
+                                        <p:tgtEl>
+                                          <p:spTgt spid="403"/>
+                                        </p:tgtEl>
+                                        <p:attrNameLst>
+                                          <p:attrName>style.visibility</p:attrName>
+                                        </p:attrNameLst>
+                                      </p:cBhvr>
+                                      <p:to>
+                                        <p:strVal val="visible"/>
+                                      </p:to>
+                                    </p:set>
+                                  </p:childTnLst>
+                                </p:cTn>
+                              </p:par>
+                            </p:childTnLst>
+                          </p:cTn>
+                        </p:par>
+                      </p:childTnLst>
+                    </p:cTn>
+                  </p:par>
+                </p:childTnLst>
+              </p:cTn>
+              <p:prevCondLst>
+                <p:cond evt="onPrev">
+                  <p:tgtEl>
+                    <p:sldTgt/>
+                  </p:tgtEl>
+                </p:cond>
+              </p:prevCondLst>
+              <p:nextCondLst>
+                <p:cond evt="onNext">
+                  <p:tgtEl>
+                    <p:sldTgt/>
+                  </p:tgtEl>
+                </p:cond>
+              </p:nextCondLst>
+            </p:seq>
+          </p:childTnLst>
+        </p:cTn>
+      </p:par>
+    </p:tnLst>
+    <p:bldLst>
+      <p:bldP build="whole" bldLvl="1" animBg="1" rev="0" advAuto="0" spid="399" grpId="1"/>
+      <p:bldP build="whole" bldLvl="1" animBg="1" rev="0" advAuto="0" spid="402" grpId="3"/>
+      <p:bldP build="whole" bldLvl="1" animBg="1" rev="0" advAuto="0" spid="400" grpId="2"/>
+      <p:bldP build="whole" bldLvl="1" animBg="1" rev="0" advAuto="0" spid="403" grpId="4"/>
+    </p:bldLst>
+  </p:timing>
+</p:sld>
+</file>
+
+<file path=ppt/slides/slide11.xml><?xml version="1.0" encoding="utf-8"?>
+<p:sld xmlns:a="http://schemas.openxmlformats.org/drawingml/2006/main" xmlns:r="http://schemas.openxmlformats.org/officeDocument/2006/relationships" xmlns:p="http://schemas.openxmlformats.org/presentationml/2006/main" xmlns:m="http://schemas.openxmlformats.org/officeDocument/2006/math" xmlns:a14="http://schemas.microsoft.com/office/drawing/2010/main" showMasterSp="1" showMasterPhAnim="1">
+  <p:cSld>
+    <p:spTree>
+      <p:nvGrpSpPr>
+        <p:cNvPr id="1" name=""/>
+        <p:cNvGrpSpPr/>
+        <p:nvPr/>
+      </p:nvGrpSpPr>
+      <p:grpSpPr>
+        <a:xfrm>
+          <a:off x="0" y="0"/>
+          <a:ext cx="0" cy="0"/>
+          <a:chOff x="0" y="0"/>
+          <a:chExt cx="0" cy="0"/>
+        </a:xfrm>
+      </p:grpSpPr>
+      <p:sp>
+        <p:nvSpPr>
+          <p:cNvPr id="405" name="Slide Number Placeholder 3"/>
+          <p:cNvSpPr txBox="1"/>
+          <p:nvPr>
+            <p:ph type="sldNum" sz="quarter" idx="2"/>
+          </p:nvPr>
+        </p:nvSpPr>
+        <p:spPr>
+          <a:xfrm>
+            <a:off x="8833569" y="4787109"/>
+            <a:ext cx="158032" cy="139701"/>
+          </a:xfrm>
+          <a:prstGeom prst="rect">
+            <a:avLst/>
+          </a:prstGeom>
+          <a:extLst>
+            <a:ext uri="{C572A759-6A51-4108-AA02-DFA0A04FC94B}">
+              <ma14:wrappingTextBoxFlag xmlns:ma14="http://schemas.microsoft.com/office/mac/drawingml/2011/main" val="1"/>
+            </a:ext>
+          </a:extLst>
+        </p:spPr>
+        <p:txBody>
+          <a:bodyPr/>
+          <a:lstStyle/>
+          <a:p>
+            <a:pPr/>
+            <a:fld id="{86CB4B4D-7CA3-9044-876B-883B54F8677D}" type="slidenum"/>
+          </a:p>
+        </p:txBody>
+      </p:sp>
+      <p:sp>
+        <p:nvSpPr>
+          <p:cNvPr id="406" name="Extra Features for Breakout"/>
+          <p:cNvSpPr txBox="1"/>
+          <p:nvPr/>
+        </p:nvSpPr>
+        <p:spPr>
+          <a:xfrm>
+            <a:off x="2257979" y="160656"/>
+            <a:ext cx="4628042" cy="535939"/>
+          </a:xfrm>
+          <a:prstGeom prst="rect">
+            <a:avLst/>
+          </a:prstGeom>
+          <a:ln w="12700">
+            <a:miter lim="400000"/>
+          </a:ln>
+          <a:extLst>
+            <a:ext uri="{C572A759-6A51-4108-AA02-DFA0A04FC94B}">
+              <ma14:wrappingTextBoxFlag xmlns:ma14="http://schemas.microsoft.com/office/mac/drawingml/2011/main" val="1"/>
+            </a:ext>
+          </a:extLst>
+        </p:spPr>
+        <p:txBody>
+          <a:bodyPr wrap="none" lIns="45718" tIns="45718" rIns="45718" bIns="45718">
+            <a:spAutoFit/>
+          </a:bodyPr>
+          <a:lstStyle>
+            <a:lvl1pPr>
+              <a:defRPr sz="2900">
+                <a:solidFill>
+                  <a:srgbClr val="FFFFFF"/>
+                </a:solidFill>
+              </a:defRPr>
+            </a:lvl1pPr>
+          </a:lstStyle>
+          <a:p>
+            <a:pPr/>
+            <a:r>
+              <a:t>Extra Features for Breakout</a:t>
+            </a:r>
+          </a:p>
+        </p:txBody>
+      </p:sp>
+      <p:pic>
+        <p:nvPicPr>
+          <p:cNvPr id="407" name="Screenshot 2021-08-11 at 23.01.28.png" descr="Screenshot 2021-08-11 at 23.01.28.png"/>
+          <p:cNvPicPr>
+            <a:picLocks noChangeAspect="1"/>
+          </p:cNvPicPr>
+          <p:nvPr/>
+        </p:nvPicPr>
+        <p:blipFill>
+          <a:blip r:embed="rId2">
+            <a:extLst/>
+          </a:blip>
+          <a:stretch>
+            <a:fillRect/>
+          </a:stretch>
+        </p:blipFill>
+        <p:spPr>
+          <a:xfrm>
+            <a:off x="2422250" y="866611"/>
+            <a:ext cx="4299500" cy="3927051"/>
+          </a:xfrm>
+          <a:prstGeom prst="rect">
+            <a:avLst/>
+          </a:prstGeom>
+          <a:ln w="12700">
+            <a:miter lim="400000"/>
+          </a:ln>
+        </p:spPr>
+      </p:pic>
+      <p:sp>
+        <p:nvSpPr>
+          <p:cNvPr id="408" name="https://www.mobygames.com/game-group/breakout-variants"/>
+          <p:cNvSpPr txBox="1"/>
+          <p:nvPr/>
+        </p:nvSpPr>
+        <p:spPr>
+          <a:xfrm>
+            <a:off x="2148193" y="4815840"/>
+            <a:ext cx="4897012" cy="307339"/>
+          </a:xfrm>
+          <a:prstGeom prst="rect">
+            <a:avLst/>
+          </a:prstGeom>
+          <a:ln w="12700">
+            <a:miter lim="400000"/>
+          </a:ln>
+          <a:extLst>
+            <a:ext uri="{C572A759-6A51-4108-AA02-DFA0A04FC94B}">
+              <ma14:wrappingTextBoxFlag xmlns:ma14="http://schemas.microsoft.com/office/mac/drawingml/2011/main" val="1"/>
+            </a:ext>
+          </a:extLst>
+        </p:spPr>
+        <p:txBody>
+          <a:bodyPr wrap="none" lIns="45718" tIns="45718" rIns="45718" bIns="45718">
+            <a:spAutoFit/>
+          </a:bodyPr>
+          <a:lstStyle/>
+          <a:p>
+            <a:pPr/>
+            <a:r>
+              <a:rPr u="sng">
+                <a:solidFill>
+                  <a:srgbClr val="0000FF"/>
+                </a:solidFill>
+                <a:uFill>
+                  <a:solidFill>
+                    <a:srgbClr val="0000FF"/>
+                  </a:solidFill>
+                </a:uFill>
+                <a:hlinkClick r:id="rId3" invalidUrl="" action="" tgtFrame="" tooltip="" history="1" highlightClick="0" endSnd="0"/>
+              </a:rPr>
+              <a:t>https://www.mobygames.com/game-group/breakout-variants</a:t>
+            </a:r>
+            <a:r>
+              <a:t> </a:t>
+            </a:r>
+          </a:p>
+        </p:txBody>
+      </p:sp>
+    </p:spTree>
+  </p:cSld>
+  <p:clrMapOvr>
+    <a:masterClrMapping/>
+  </p:clrMapOvr>
+  <p:transition xmlns:p14="http://schemas.microsoft.com/office/powerpoint/2010/main" spd="med" advClick="1"/>
+</p:sld>
+</file>
+
+<file path=ppt/slides/slide12.xml><?xml version="1.0" encoding="utf-8"?>
+<p:sld xmlns:a="http://schemas.openxmlformats.org/drawingml/2006/main" xmlns:r="http://schemas.openxmlformats.org/officeDocument/2006/relationships" xmlns:p="http://schemas.openxmlformats.org/presentationml/2006/main" xmlns:m="http://schemas.openxmlformats.org/officeDocument/2006/math" xmlns:a14="http://schemas.microsoft.com/office/drawing/2010/main" showMasterSp="1" showMasterPhAnim="1">
+  <p:cSld>
+    <p:spTree>
+      <p:nvGrpSpPr>
+        <p:cNvPr id="1" name=""/>
+        <p:cNvGrpSpPr/>
+        <p:nvPr/>
+      </p:nvGrpSpPr>
+      <p:grpSpPr>
+        <a:xfrm>
+          <a:off x="0" y="0"/>
+          <a:ext cx="0" cy="0"/>
+          <a:chOff x="0" y="0"/>
+          <a:chExt cx="0" cy="0"/>
+        </a:xfrm>
+      </p:grpSpPr>
+      <p:sp>
+        <p:nvSpPr>
+          <p:cNvPr id="410" name="Slide Number Placeholder 3"/>
+          <p:cNvSpPr txBox="1"/>
+          <p:nvPr>
+            <p:ph type="sldNum" sz="quarter" idx="2"/>
+          </p:nvPr>
+        </p:nvSpPr>
+        <p:spPr>
+          <a:xfrm>
+            <a:off x="8833569" y="4787109"/>
+            <a:ext cx="158032" cy="139701"/>
+          </a:xfrm>
+          <a:prstGeom prst="rect">
+            <a:avLst/>
+          </a:prstGeom>
+          <a:extLst>
+            <a:ext uri="{C572A759-6A51-4108-AA02-DFA0A04FC94B}">
+              <ma14:wrappingTextBoxFlag xmlns:ma14="http://schemas.microsoft.com/office/mac/drawingml/2011/main" val="1"/>
+            </a:ext>
+          </a:extLst>
+        </p:spPr>
+        <p:txBody>
+          <a:bodyPr/>
+          <a:lstStyle/>
+          <a:p>
+            <a:pPr/>
+            <a:fld id="{86CB4B4D-7CA3-9044-876B-883B54F8677D}" type="slidenum"/>
+          </a:p>
+        </p:txBody>
+      </p:sp>
+      <p:sp>
+        <p:nvSpPr>
+          <p:cNvPr id="411" name="Extra Features for Breakout"/>
+          <p:cNvSpPr txBox="1"/>
+          <p:nvPr/>
+        </p:nvSpPr>
+        <p:spPr>
+          <a:xfrm>
+            <a:off x="2257979" y="160656"/>
+            <a:ext cx="4628042" cy="535939"/>
+          </a:xfrm>
+          <a:prstGeom prst="rect">
+            <a:avLst/>
+          </a:prstGeom>
+          <a:ln w="12700">
+            <a:miter lim="400000"/>
+          </a:ln>
+          <a:extLst>
+            <a:ext uri="{C572A759-6A51-4108-AA02-DFA0A04FC94B}">
+              <ma14:wrappingTextBoxFlag xmlns:ma14="http://schemas.microsoft.com/office/mac/drawingml/2011/main" val="1"/>
+            </a:ext>
+          </a:extLst>
+        </p:spPr>
+        <p:txBody>
+          <a:bodyPr wrap="none" lIns="45718" tIns="45718" rIns="45718" bIns="45718">
+            <a:spAutoFit/>
+          </a:bodyPr>
+          <a:lstStyle>
+            <a:lvl1pPr>
+              <a:defRPr sz="2900">
+                <a:solidFill>
+                  <a:srgbClr val="FFFFFF"/>
+                </a:solidFill>
+              </a:defRPr>
+            </a:lvl1pPr>
+          </a:lstStyle>
+          <a:p>
+            <a:pPr/>
+            <a:r>
+              <a:t>Extra Features for Breakout</a:t>
+            </a:r>
+          </a:p>
+        </p:txBody>
+      </p:sp>
+      <p:pic>
+        <p:nvPicPr>
+          <p:cNvPr id="412" name="Brick Breaker Heart Collector" descr="Brick Breaker Heart Collector"/>
+          <p:cNvPicPr>
+            <a:picLocks noChangeAspect="0"/>
+          </p:cNvPicPr>
+          <p:nvPr>
+            <a:videoFile xmlns:mc="http://schemas.openxmlformats.org/markup-compatibility/2006" xmlns:aiw="http://developer.apple.com/namespaces/iwork" r:link="rId2" mc:Ignorable="aiw" aiw:title="Brick Breaker Heart Collector" aiw:author="Jesus Hinojosa"/>
+          </p:nvPr>
+        </p:nvPicPr>
+        <p:blipFill>
+          <a:blip r:embed="rId3">
+            <a:extLst/>
+          </a:blip>
+          <a:stretch>
+            <a:fillRect/>
+          </a:stretch>
+        </p:blipFill>
+        <p:spPr>
+          <a:xfrm>
+            <a:off x="1927948" y="952633"/>
+            <a:ext cx="5288104" cy="3966078"/>
+          </a:xfrm>
+          <a:prstGeom prst="rect">
+            <a:avLst/>
+          </a:prstGeom>
+        </p:spPr>
+      </p:pic>
+    </p:spTree>
+  </p:cSld>
+  <p:clrMapOvr>
+    <a:masterClrMapping/>
+  </p:clrMapOvr>
+  <p:transition xmlns:p14="http://schemas.microsoft.com/office/powerpoint/2010/main" spd="med" advClick="1"/>
+  <p:timing>
+    <p:tnLst>
+      <p:par>
+        <p:cTn id="1" nodeType="tmRoot" restart="never" dur="indefinite" fill="hold">
+          <p:childTnLst>
+            <p:seq concurrent="1" prevAc="none" nextAc="seek">
+              <p:cTn id="2" nodeType="mainSeq" dur="indefinite" fill="hold">
+                <p:childTnLst>
+                  <p:par>
+                    <p:cTn id="3" fill="hold">
+                      <p:stCondLst>
+                        <p:cond delay="indefinite"/>
+                      </p:stCondLst>
+                      <p:childTnLst>
+                        <p:par>
+                          <p:cTn id="4" fill="hold">
+                            <p:stCondLst>
+                              <p:cond delay="0"/>
+                            </p:stCondLst>
+                            <p:childTnLst>
+                              <p:par>
+                                <p:cTn id="5" presetClass="mediacall" nodeType="clickEffect" presetSubtype="0" presetID="1" grpId="1" fill="hold">
+                                  <p:stCondLst>
+                                    <p:cond delay="0"/>
+                                  </p:stCondLst>
+                                  <p:childTnLst>
+                                    <p:cmd type="call" cmd="playFrom(0.0)">
+                                      <p:cBhvr>
+                                        <p:cTn id="6" dur="1" fill="hold"/>
+                                        <p:tgtEl>
+                                          <p:spTgt spid="412"/>
+                                        </p:tgtEl>
+                                      </p:cBhvr>
+                                    </p:cmd>
+                                  </p:childTnLst>
+                                </p:cTn>
+                              </p:par>
+                            </p:childTnLst>
+                          </p:cTn>
+                        </p:par>
+                      </p:childTnLst>
+                    </p:cTn>
+                  </p:par>
+                </p:childTnLst>
+              </p:cTn>
+              <p:prevCondLst>
+                <p:cond evt="onPrev">
+                  <p:tgtEl>
+                    <p:sldTgt/>
+                  </p:tgtEl>
+                </p:cond>
+              </p:prevCondLst>
+              <p:nextCondLst>
+                <p:cond evt="onNext">
+                  <p:tgtEl>
+                    <p:sldTgt/>
+                  </p:tgtEl>
+                </p:cond>
+              </p:nextCondLst>
+            </p:seq>
+            <p:video fullScrn="0">
+              <p:cMediaNode mute="0" showWhenStopped="1" numSld="1" vol="80000">
+                <p:cTn id="7" fill="hold" display="0">
+                  <p:stCondLst>
+                    <p:cond delay="indefinite"/>
+                  </p:stCondLst>
+                </p:cTn>
+                <p:tgtEl>
+                  <p:spTgt spid="412"/>
+                </p:tgtEl>
+              </p:cMediaNode>
+            </p:video>
+            <p:seq concurrent="1" prevAc="none" nextAc="seek">
+              <p:cTn id="8" evtFilter="cancelBubble" nodeType="interactiveSeq" restart="whenNotActive" fill="hold">
+                <p:stCondLst>
+                  <p:cond delay="0" evt="onClick">
+                    <p:tgtEl>
+                      <p:spTgt spid="412"/>
+                    </p:tgtEl>
+                  </p:cond>
+                </p:stCondLst>
+                <p:endSync delay="0" evt="end">
+                  <p:rtn val="all"/>
+                </p:endSync>
+                <p:childTnLst>
+                  <p:par>
+                    <p:cTn id="9" fill="hold">
+                      <p:stCondLst>
+                        <p:cond delay="0"/>
+                      </p:stCondLst>
+                      <p:childTnLst>
+                        <p:par>
+                          <p:cTn id="10" fill="hold">
+                            <p:stCondLst>
+                              <p:cond delay="0"/>
+                            </p:stCondLst>
+                            <p:childTnLst>
+                              <p:par>
+                                <p:cTn id="11" presetClass="mediacall" nodeType="clickEffect" presetSubtype="0" presetID="2" fill="hold">
+                                  <p:stCondLst>
+                                    <p:cond delay="0"/>
+                                  </p:stCondLst>
+                                  <p:childTnLst>
+                                    <p:cmd type="call" cmd="togglePause">
+                                      <p:cBhvr>
+                                        <p:cTn id="12" dur="1" fill="hold"/>
+                                        <p:tgtEl>
+                                          <p:spTgt spid="412"/>
+                                        </p:tgtEl>
+                                      </p:cBhvr>
+                                    </p:cmd>
+                                  </p:childTnLst>
+                                </p:cTn>
+                              </p:par>
+                            </p:childTnLst>
+                          </p:cTn>
+                        </p:par>
+                      </p:childTnLst>
+                    </p:cTn>
+                  </p:par>
+                </p:childTnLst>
+              </p:cTn>
+              <p:nextCondLst>
+                <p:cond delay="0" evt="onClick">
+                  <p:tgtEl>
+                    <p:spTgt spid="412"/>
+                  </p:tgtEl>
+                </p:cond>
+              </p:nextCondLst>
+            </p:seq>
+          </p:childTnLst>
+        </p:cTn>
+      </p:par>
+    </p:tnLst>
+  </p:timing>
+</p:sld>
+</file>
+
+<file path=ppt/slides/slide13.xml><?xml version="1.0" encoding="utf-8"?>
+<p:sld xmlns:a="http://schemas.openxmlformats.org/drawingml/2006/main" xmlns:r="http://schemas.openxmlformats.org/officeDocument/2006/relationships" xmlns:p="http://schemas.openxmlformats.org/presentationml/2006/main" xmlns:m="http://schemas.openxmlformats.org/officeDocument/2006/math" xmlns:a14="http://schemas.microsoft.com/office/drawing/2010/main" showMasterSp="1" showMasterPhAnim="1">
+  <p:cSld>
+    <p:spTree>
+      <p:nvGrpSpPr>
+        <p:cNvPr id="1" name=""/>
+        <p:cNvGrpSpPr/>
+        <p:nvPr/>
+      </p:nvGrpSpPr>
+      <p:grpSpPr>
+        <a:xfrm>
+          <a:off x="0" y="0"/>
+          <a:ext cx="0" cy="0"/>
+          <a:chOff x="0" y="0"/>
+          <a:chExt cx="0" cy="0"/>
+        </a:xfrm>
+      </p:grpSpPr>
+      <p:sp>
+        <p:nvSpPr>
+          <p:cNvPr id="414" name="Slide Number Placeholder 3"/>
+          <p:cNvSpPr txBox="1"/>
+          <p:nvPr>
+            <p:ph type="sldNum" sz="quarter" idx="2"/>
+          </p:nvPr>
+        </p:nvSpPr>
+        <p:spPr>
+          <a:xfrm>
+            <a:off x="8833569" y="4787109"/>
+            <a:ext cx="158032" cy="139701"/>
+          </a:xfrm>
+          <a:prstGeom prst="rect">
+            <a:avLst/>
+          </a:prstGeom>
+          <a:extLst>
+            <a:ext uri="{C572A759-6A51-4108-AA02-DFA0A04FC94B}">
+              <ma14:wrappingTextBoxFlag xmlns:ma14="http://schemas.microsoft.com/office/mac/drawingml/2011/main" val="1"/>
+            </a:ext>
+          </a:extLst>
+        </p:spPr>
+        <p:txBody>
+          <a:bodyPr/>
+          <a:lstStyle/>
+          <a:p>
+            <a:pPr/>
+            <a:fld id="{86CB4B4D-7CA3-9044-876B-883B54F8677D}" type="slidenum"/>
+          </a:p>
+        </p:txBody>
+      </p:sp>
+      <p:sp>
+        <p:nvSpPr>
+          <p:cNvPr id="415" name="Collecting objects with paddle"/>
+          <p:cNvSpPr txBox="1"/>
+          <p:nvPr/>
+        </p:nvSpPr>
+        <p:spPr>
+          <a:xfrm>
+            <a:off x="2257979" y="160656"/>
+            <a:ext cx="4956239" cy="535939"/>
+          </a:xfrm>
+          <a:prstGeom prst="rect">
+            <a:avLst/>
+          </a:prstGeom>
+          <a:ln w="12700">
+            <a:miter lim="400000"/>
+          </a:ln>
+          <a:extLst>
+            <a:ext uri="{C572A759-6A51-4108-AA02-DFA0A04FC94B}">
+              <ma14:wrappingTextBoxFlag xmlns:ma14="http://schemas.microsoft.com/office/mac/drawingml/2011/main" val="1"/>
+            </a:ext>
+          </a:extLst>
+        </p:spPr>
+        <p:txBody>
+          <a:bodyPr wrap="none" lIns="45718" tIns="45718" rIns="45718" bIns="45718">
+            <a:spAutoFit/>
+          </a:bodyPr>
+          <a:lstStyle>
+            <a:lvl1pPr>
+              <a:defRPr sz="2900">
+                <a:solidFill>
+                  <a:srgbClr val="FFFFFF"/>
+                </a:solidFill>
+              </a:defRPr>
+            </a:lvl1pPr>
+          </a:lstStyle>
+          <a:p>
+            <a:pPr/>
+            <a:r>
+              <a:t>Collecting objects with paddle</a:t>
+            </a:r>
+          </a:p>
+        </p:txBody>
+      </p:sp>
+      <p:pic>
+        <p:nvPicPr>
+          <p:cNvPr id="416" name="Screenshot 2021-08-11 at 22.29.22.png" descr="Screenshot 2021-08-11 at 22.29.22.png"/>
+          <p:cNvPicPr>
+            <a:picLocks noChangeAspect="1"/>
+          </p:cNvPicPr>
+          <p:nvPr/>
+        </p:nvPicPr>
+        <p:blipFill>
+          <a:blip r:embed="rId2">
+            <a:extLst/>
+          </a:blip>
+          <a:stretch>
+            <a:fillRect/>
+          </a:stretch>
+        </p:blipFill>
+        <p:spPr>
+          <a:xfrm>
+            <a:off x="3391900" y="1175713"/>
+            <a:ext cx="2360200" cy="3512067"/>
+          </a:xfrm>
+          <a:prstGeom prst="rect">
+            <a:avLst/>
+          </a:prstGeom>
+          <a:ln w="12700">
+            <a:miter lim="400000"/>
+          </a:ln>
+        </p:spPr>
+      </p:pic>
+      <p:sp>
+        <p:nvSpPr>
+          <p:cNvPr id="417" name="def get_key_press(canvas):…"/>
+          <p:cNvSpPr txBox="1"/>
+          <p:nvPr/>
+        </p:nvSpPr>
+        <p:spPr>
+          <a:xfrm>
+            <a:off x="29207" y="2186942"/>
+            <a:ext cx="3375666" cy="1310639"/>
+          </a:xfrm>
+          <a:prstGeom prst="rect">
+            <a:avLst/>
+          </a:prstGeom>
+          <a:ln w="12700">
+            <a:miter lim="400000"/>
+          </a:ln>
+          <a:extLst>
+            <a:ext uri="{C572A759-6A51-4108-AA02-DFA0A04FC94B}">
+              <ma14:wrappingTextBoxFlag xmlns:ma14="http://schemas.microsoft.com/office/mac/drawingml/2011/main" val="1"/>
+            </a:ext>
+          </a:extLst>
+        </p:spPr>
+        <p:txBody>
+          <a:bodyPr wrap="none" lIns="45718" tIns="45718" rIns="45718" bIns="45718">
+            <a:spAutoFit/>
+          </a:bodyPr>
+          <a:lstStyle/>
+          <a:p>
+            <a:pPr defTabSz="457200">
+              <a:defRPr sz="1300">
+                <a:solidFill>
+                  <a:srgbClr val="000000"/>
+                </a:solidFill>
+              </a:defRPr>
+            </a:pPr>
+            <a:r>
+              <a:rPr>
+                <a:solidFill>
+                  <a:srgbClr val="0033B3"/>
+                </a:solidFill>
+              </a:rPr>
+              <a:t>def </a:t>
+            </a:r>
+            <a:r>
+              <a:t>get_key_press</a:t>
+            </a:r>
+            <a:r>
+              <a:rPr>
+                <a:solidFill>
+                  <a:srgbClr val="080808"/>
+                </a:solidFill>
+              </a:rPr>
+              <a:t>(canvas):</a:t>
+            </a:r>
+            <a:endParaRPr>
+              <a:solidFill>
+                <a:srgbClr val="080808"/>
+              </a:solidFill>
+            </a:endParaRPr>
+          </a:p>
+          <a:p>
+            <a:pPr defTabSz="457200">
+              <a:defRPr sz="1300">
+                <a:solidFill>
+                  <a:srgbClr val="080808"/>
+                </a:solidFill>
+              </a:defRPr>
+            </a:pPr>
+            <a:r>
+              <a:t>    presses = canvas.get_new_key_presses()</a:t>
+            </a:r>
+          </a:p>
+          <a:p>
+            <a:pPr defTabSz="457200">
+              <a:defRPr sz="1300">
+                <a:solidFill>
+                  <a:srgbClr val="080808"/>
+                </a:solidFill>
+              </a:defRPr>
+            </a:pPr>
+            <a:r>
+              <a:t>    </a:t>
+            </a:r>
+            <a:r>
+              <a:rPr>
+                <a:solidFill>
+                  <a:srgbClr val="0033B3"/>
+                </a:solidFill>
+              </a:rPr>
+              <a:t>for </a:t>
+            </a:r>
+            <a:r>
+              <a:t>press </a:t>
+            </a:r>
+            <a:r>
+              <a:rPr>
+                <a:solidFill>
+                  <a:srgbClr val="0033B3"/>
+                </a:solidFill>
+              </a:rPr>
+              <a:t>in </a:t>
+            </a:r>
+            <a:r>
+              <a:t>presses:</a:t>
+            </a:r>
+          </a:p>
+          <a:p>
+            <a:pPr defTabSz="457200">
+              <a:defRPr sz="1300">
+                <a:solidFill>
+                  <a:srgbClr val="080808"/>
+                </a:solidFill>
+              </a:defRPr>
+            </a:pPr>
+            <a:r>
+              <a:t>       ….</a:t>
+            </a:r>
+            <a:endParaRPr>
+              <a:solidFill>
+                <a:srgbClr val="0033B3"/>
+              </a:solidFill>
+            </a:endParaRPr>
+          </a:p>
+          <a:p>
+            <a:pPr defTabSz="457200">
+              <a:defRPr sz="1300">
+                <a:solidFill>
+                  <a:srgbClr val="0033B3"/>
+                </a:solidFill>
+              </a:defRPr>
+            </a:pPr>
+            <a:r>
+              <a:t>    return </a:t>
+            </a:r>
+            <a:r>
+              <a:rPr>
+                <a:solidFill>
+                  <a:srgbClr val="1750EB"/>
+                </a:solidFill>
+              </a:rPr>
+              <a:t>….</a:t>
+            </a:r>
+          </a:p>
+        </p:txBody>
+      </p:sp>
+      <p:sp>
+        <p:nvSpPr>
+          <p:cNvPr id="418" name="….…"/>
+          <p:cNvSpPr txBox="1"/>
+          <p:nvPr/>
+        </p:nvSpPr>
+        <p:spPr>
+          <a:xfrm>
+            <a:off x="6137955" y="1800862"/>
+            <a:ext cx="2869160" cy="2733039"/>
+          </a:xfrm>
+          <a:prstGeom prst="rect">
+            <a:avLst/>
+          </a:prstGeom>
+          <a:ln w="12700">
+            <a:miter lim="400000"/>
+          </a:ln>
+          <a:extLst>
+            <a:ext uri="{C572A759-6A51-4108-AA02-DFA0A04FC94B}">
+              <ma14:wrappingTextBoxFlag xmlns:ma14="http://schemas.microsoft.com/office/mac/drawingml/2011/main" val="1"/>
+            </a:ext>
+          </a:extLst>
+        </p:spPr>
+        <p:txBody>
+          <a:bodyPr lIns="45718" tIns="45718" rIns="45718" bIns="45718">
+            <a:spAutoFit/>
+          </a:bodyPr>
+          <a:lstStyle/>
+          <a:p>
+            <a:pPr defTabSz="457200">
+              <a:defRPr sz="1300">
+                <a:solidFill>
+                  <a:srgbClr val="080808"/>
+                </a:solidFill>
+              </a:defRPr>
+            </a:pPr>
+            <a:r>
+              <a:t>….</a:t>
+            </a:r>
+          </a:p>
+          <a:p>
+            <a:pPr defTabSz="457200">
+              <a:defRPr sz="1300">
+                <a:solidFill>
+                  <a:srgbClr val="080808"/>
+                </a:solidFill>
+              </a:defRPr>
+            </a:pPr>
+            <a:r>
+              <a:t>bullet = </a:t>
+            </a:r>
+            <a:r>
+              <a:rPr>
+                <a:solidFill>
+                  <a:srgbClr val="0033B3"/>
+                </a:solidFill>
+              </a:rPr>
+              <a:t>None</a:t>
+            </a:r>
+            <a:endParaRPr>
+              <a:solidFill>
+                <a:srgbClr val="0033B3"/>
+              </a:solidFill>
+            </a:endParaRPr>
+          </a:p>
+          <a:p>
+            <a:pPr defTabSz="457200">
+              <a:defRPr sz="1300">
+                <a:solidFill>
+                  <a:srgbClr val="0033B3"/>
+                </a:solidFill>
+              </a:defRPr>
+            </a:pPr>
+          </a:p>
+          <a:p>
+            <a:pPr defTabSz="457200">
+              <a:defRPr i="1" sz="1300">
+                <a:solidFill>
+                  <a:srgbClr val="8C8C8C"/>
+                </a:solidFill>
+              </a:defRPr>
+            </a:pPr>
+            <a:r>
+              <a:t># animation loop</a:t>
+            </a:r>
+          </a:p>
+          <a:p>
+            <a:pPr defTabSz="457200">
+              <a:defRPr sz="1300">
+                <a:solidFill>
+                  <a:srgbClr val="080808"/>
+                </a:solidFill>
+              </a:defRPr>
+            </a:pPr>
+            <a:r>
+              <a:rPr>
+                <a:solidFill>
+                  <a:srgbClr val="0033B3"/>
+                </a:solidFill>
+              </a:rPr>
+              <a:t>while </a:t>
+            </a:r>
+            <a:r>
+              <a:rPr i="1"/>
+              <a:t>&lt;some condition&gt;</a:t>
+            </a:r>
+            <a:r>
+              <a:t>:</a:t>
+            </a:r>
+          </a:p>
+          <a:p>
+            <a:pPr defTabSz="457200">
+              <a:defRPr sz="1300">
+                <a:solidFill>
+                  <a:srgbClr val="080808"/>
+                </a:solidFill>
+              </a:defRPr>
+            </a:pPr>
+            <a:r>
+              <a:t>    …</a:t>
+            </a:r>
+          </a:p>
+          <a:p>
+            <a:pPr defTabSz="457200">
+              <a:defRPr sz="1300">
+                <a:solidFill>
+                  <a:srgbClr val="080808"/>
+                </a:solidFill>
+              </a:defRPr>
+            </a:pPr>
+            <a:r>
+              <a:t>    </a:t>
+            </a:r>
+            <a:r>
+              <a:rPr>
+                <a:solidFill>
+                  <a:srgbClr val="0033B3"/>
+                </a:solidFill>
+              </a:rPr>
+              <a:t>if </a:t>
+            </a:r>
+            <a:r>
+              <a:t>bullet:</a:t>
+            </a:r>
+            <a:r>
+              <a:rPr b="1">
+                <a:solidFill>
+                  <a:srgbClr val="FF0808"/>
+                </a:solidFill>
+              </a:rPr>
+              <a:t># checking existence</a:t>
+            </a:r>
+          </a:p>
+          <a:p>
+            <a:pPr defTabSz="457200">
+              <a:defRPr sz="1300">
+                <a:solidFill>
+                  <a:srgbClr val="080808"/>
+                </a:solidFill>
+              </a:defRPr>
+            </a:pPr>
+            <a:r>
+              <a:t>        &lt;</a:t>
+            </a:r>
+            <a:r>
+              <a:rPr i="1"/>
+              <a:t>Move bullet&gt;</a:t>
+            </a:r>
+          </a:p>
+          <a:p>
+            <a:pPr defTabSz="457200">
+              <a:defRPr sz="1300">
+                <a:solidFill>
+                  <a:srgbClr val="080808"/>
+                </a:solidFill>
+              </a:defRPr>
+            </a:pPr>
+            <a:r>
+              <a:t>        </a:t>
+            </a:r>
+            <a:r>
+              <a:rPr>
+                <a:solidFill>
+                  <a:srgbClr val="0033B3"/>
+                </a:solidFill>
+              </a:rPr>
+              <a:t>if &lt;</a:t>
+            </a:r>
+            <a:r>
+              <a:rPr i="1"/>
+              <a:t>some condition&gt;</a:t>
+            </a:r>
+            <a:r>
+              <a:t>:</a:t>
+            </a:r>
+          </a:p>
+          <a:p>
+            <a:pPr defTabSz="457200">
+              <a:defRPr sz="1300">
+                <a:solidFill>
+                  <a:srgbClr val="080808"/>
+                </a:solidFill>
+              </a:defRPr>
+            </a:pPr>
+            <a:r>
+              <a:t>            canvas.delete(bullet)</a:t>
+            </a:r>
+          </a:p>
+          <a:p>
+            <a:pPr defTabSz="457200">
+              <a:defRPr sz="1300">
+                <a:solidFill>
+                  <a:srgbClr val="080808"/>
+                </a:solidFill>
+              </a:defRPr>
+            </a:pPr>
+            <a:r>
+              <a:t>            bullet = </a:t>
+            </a:r>
+            <a:r>
+              <a:rPr>
+                <a:solidFill>
+                  <a:srgbClr val="0033B3"/>
+                </a:solidFill>
+              </a:rPr>
+              <a:t>None</a:t>
+            </a:r>
+            <a:endParaRPr>
+              <a:solidFill>
+                <a:srgbClr val="0033B3"/>
+              </a:solidFill>
+            </a:endParaRPr>
+          </a:p>
+          <a:p>
+            <a:pPr defTabSz="457200">
+              <a:defRPr sz="1300">
+                <a:solidFill>
+                  <a:srgbClr val="080808"/>
+                </a:solidFill>
+              </a:defRPr>
+            </a:pPr>
+            <a:endParaRPr>
+              <a:solidFill>
+                <a:srgbClr val="0033B3"/>
+              </a:solidFill>
+            </a:endParaRPr>
+          </a:p>
+          <a:p>
+            <a:pPr defTabSz="457200">
+              <a:defRPr sz="1300">
+                <a:solidFill>
+                  <a:srgbClr val="080808"/>
+                </a:solidFill>
+              </a:defRPr>
+            </a:pPr>
+            <a:r>
+              <a:rPr>
+                <a:solidFill>
+                  <a:srgbClr val="0033B3"/>
+                </a:solidFill>
+              </a:rPr>
+              <a:t>…</a:t>
+            </a:r>
+          </a:p>
+        </p:txBody>
+      </p:sp>
+    </p:spTree>
+  </p:cSld>
+  <p:clrMapOvr>
+    <a:masterClrMapping/>
+  </p:clrMapOvr>
+  <p:transition xmlns:p14="http://schemas.microsoft.com/office/powerpoint/2010/main" spd="med" advClick="1"/>
+  <p:timing>
+    <p:tnLst>
+      <p:par>
+        <p:cTn id="1" nodeType="tmRoot" restart="never" dur="indefinite" fill="hold">
+          <p:childTnLst>
+            <p:seq concurrent="1" prevAc="none" nextAc="seek">
+              <p:cTn id="2" nodeType="mainSeq" dur="indefinite" fill="hold">
+                <p:childTnLst>
+                  <p:par>
+                    <p:cTn id="3" fill="hold">
+                      <p:stCondLst>
+                        <p:cond delay="indefinite"/>
+                      </p:stCondLst>
+                      <p:childTnLst>
+                        <p:par>
+                          <p:cTn id="4" fill="hold">
+                            <p:stCondLst>
+                              <p:cond delay="0"/>
+                            </p:stCondLst>
+                            <p:childTnLst>
+                              <p:par>
+                                <p:cTn id="5" presetClass="entr" nodeType="clickEffect" presetSubtype="0" presetID="1" grpId="1" fill="hold">
+                                  <p:stCondLst>
+                                    <p:cond delay="0"/>
+                                  </p:stCondLst>
+                                  <p:iterate type="el" backwards="0">
+                                    <p:tmAbs val="0"/>
+                                  </p:iterate>
+                                  <p:childTnLst>
+                                    <p:set>
+                                      <p:cBhvr>
+                                        <p:cTn id="6" fill="hold"/>
+                                        <p:tgtEl>
+                                          <p:spTgt spid="417"/>
                                         </p:tgtEl>
                                         <p:attrNameLst>
                                           <p:attrName>style.visibility</p:attrName>
@@ -10029,7 +10797,7 @@
                                       <p:cBhvr>
                                         <p:cTn id="10" fill="hold"/>
                                         <p:tgtEl>
-                                          <p:spTgt spid="403"/>
+                                          <p:spTgt spid="418"/>
                                         </p:tgtEl>
                                         <p:attrNameLst>
                                           <p:attrName>style.visibility</p:attrName>
@@ -10070,14 +10838,14 @@
       </p:par>
     </p:tnLst>
     <p:bldLst>
-      <p:bldP build="whole" bldLvl="1" animBg="1" rev="0" advAuto="0" spid="403" grpId="2"/>
-      <p:bldP build="whole" bldLvl="1" animBg="1" rev="0" advAuto="0" spid="402" grpId="1"/>
+      <p:bldP build="whole" bldLvl="1" animBg="1" rev="0" advAuto="0" spid="417" grpId="1"/>
+      <p:bldP build="whole" bldLvl="1" animBg="1" rev="0" advAuto="0" spid="418" grpId="2"/>
     </p:bldLst>
   </p:timing>
 </p:sld>
 </file>
 
-<file path=ppt/slides/slide12.xml><?xml version="1.0" encoding="utf-8"?>
+<file path=ppt/slides/slide14.xml><?xml version="1.0" encoding="utf-8"?>
 <p:sld xmlns:a="http://schemas.openxmlformats.org/drawingml/2006/main" xmlns:r="http://schemas.openxmlformats.org/officeDocument/2006/relationships" xmlns:p="http://schemas.openxmlformats.org/presentationml/2006/main" xmlns:m="http://schemas.openxmlformats.org/officeDocument/2006/math" xmlns:a14="http://schemas.microsoft.com/office/drawing/2010/main" showMasterSp="1" showMasterPhAnim="1">
   <p:cSld>
     <p:spTree>
@@ -10096,7 +10864,7 @@
       </p:grpSpPr>
       <p:sp>
         <p:nvSpPr>
-          <p:cNvPr id="405" name="Slide Number Placeholder 3"/>
+          <p:cNvPr id="420" name="Slide Number Placeholder 3"/>
           <p:cNvSpPr txBox="1"/>
           <p:nvPr>
             <p:ph type="sldNum" sz="quarter" idx="2"/>
@@ -10127,7 +10895,7 @@
       </p:sp>
       <p:sp>
         <p:nvSpPr>
-          <p:cNvPr id="406" name="Extra Features for Breakout"/>
+          <p:cNvPr id="421" name="Extra Features for Breakout"/>
           <p:cNvSpPr txBox="1"/>
           <p:nvPr/>
         </p:nvSpPr>
@@ -10171,7 +10939,7 @@
       </p:sp>
       <p:pic>
         <p:nvPicPr>
-          <p:cNvPr id="407" name="Google Shape;95;p19" descr="Google Shape;95;p19"/>
+          <p:cNvPr id="422" name="Google Shape;95;p19" descr="Google Shape;95;p19"/>
           <p:cNvPicPr>
             <a:picLocks noChangeAspect="1"/>
           </p:cNvPicPr>
@@ -10205,7 +10973,7 @@
       </p:pic>
       <p:sp>
         <p:nvSpPr>
-          <p:cNvPr id="408" name="Rectangle 2"/>
+          <p:cNvPr id="423" name="Rectangle 2"/>
           <p:cNvSpPr txBox="1"/>
           <p:nvPr>
             <p:ph type="title"/>
@@ -10233,14 +11001,14 @@
       </p:sp>
       <p:sp>
         <p:nvSpPr>
-          <p:cNvPr id="409" name="Google Shape;96;p19"/>
+          <p:cNvPr id="424" name="Google Shape;96;p19"/>
           <p:cNvSpPr/>
           <p:nvPr/>
         </p:nvSpPr>
         <p:spPr>
           <a:xfrm flipH="1" flipV="1">
             <a:off x="4716148" y="2022202"/>
-            <a:ext cx="372219" cy="372219"/>
+            <a:ext cx="372220" cy="372219"/>
           </a:xfrm>
           <a:prstGeom prst="line">
             <a:avLst/>
@@ -10271,7 +11039,7 @@
       </p:sp>
       <p:sp>
         <p:nvSpPr>
-          <p:cNvPr id="410" name="Google Shape;97;p19"/>
+          <p:cNvPr id="425" name="Google Shape;97;p19"/>
           <p:cNvSpPr/>
           <p:nvPr/>
         </p:nvSpPr>
@@ -10310,7 +11078,7 @@
       </p:sp>
       <p:sp>
         <p:nvSpPr>
-          <p:cNvPr id="411" name="How would you implement that?"/>
+          <p:cNvPr id="426" name="How would you implement that?"/>
           <p:cNvSpPr txBox="1"/>
           <p:nvPr/>
         </p:nvSpPr>
@@ -10350,13 +11118,13 @@
       </p:sp>
       <p:sp>
         <p:nvSpPr>
-          <p:cNvPr id="412" name="Complete reference for class canvas: https://turkey21.csbridge.org/en/resources/api-docs/graphics.html"/>
+          <p:cNvPr id="427" name="Complete reference for class canvas: https://turkey21.csbridge.org/en/resources/api-docs/graphics.html"/>
           <p:cNvSpPr txBox="1"/>
           <p:nvPr/>
         </p:nvSpPr>
         <p:spPr>
           <a:xfrm>
-            <a:off x="411360" y="4785360"/>
+            <a:off x="411360" y="4785361"/>
             <a:ext cx="8321280" cy="307339"/>
           </a:xfrm>
           <a:prstGeom prst="rect">
@@ -10440,7 +11208,7 @@
                                       <p:cBhvr>
                                         <p:cTn id="6" fill="hold"/>
                                         <p:tgtEl>
-                                          <p:spTgt spid="412"/>
+                                          <p:spTgt spid="427"/>
                                         </p:tgtEl>
                                         <p:attrNameLst>
                                           <p:attrName>style.visibility</p:attrName>
@@ -10481,13 +11249,13 @@
       </p:par>
     </p:tnLst>
     <p:bldLst>
-      <p:bldP build="whole" bldLvl="1" animBg="1" rev="0" advAuto="0" spid="412" grpId="1"/>
+      <p:bldP build="whole" bldLvl="1" animBg="1" rev="0" advAuto="0" spid="427" grpId="1"/>
     </p:bldLst>
   </p:timing>
 </p:sld>
 </file>
 
-<file path=ppt/slides/slide13.xml><?xml version="1.0" encoding="utf-8"?>
+<file path=ppt/slides/slide15.xml><?xml version="1.0" encoding="utf-8"?>
 <p:sld xmlns:a="http://schemas.openxmlformats.org/drawingml/2006/main" xmlns:r="http://schemas.openxmlformats.org/officeDocument/2006/relationships" xmlns:p="http://schemas.openxmlformats.org/presentationml/2006/main" xmlns:m="http://schemas.openxmlformats.org/officeDocument/2006/math" xmlns:a14="http://schemas.microsoft.com/office/drawing/2010/main" showMasterSp="1" showMasterPhAnim="1">
   <p:cSld>
     <p:spTree>
@@ -10506,7 +11274,7 @@
       </p:grpSpPr>
       <p:sp>
         <p:nvSpPr>
-          <p:cNvPr id="414" name="Slide Number Placeholder 3"/>
+          <p:cNvPr id="429" name="Slide Number Placeholder 3"/>
           <p:cNvSpPr txBox="1"/>
           <p:nvPr>
             <p:ph type="sldNum" sz="quarter" idx="2"/>
@@ -10537,7 +11305,7 @@
       </p:sp>
       <p:sp>
         <p:nvSpPr>
-          <p:cNvPr id="415" name="Extra Features for Breakout"/>
+          <p:cNvPr id="430" name="Extra Features for Breakout"/>
           <p:cNvSpPr txBox="1"/>
           <p:nvPr/>
         </p:nvSpPr>
@@ -10581,7 +11349,7 @@
       </p:sp>
       <p:sp>
         <p:nvSpPr>
-          <p:cNvPr id="416" name="Increasing speed…"/>
+          <p:cNvPr id="431" name="Increasing speed…"/>
           <p:cNvSpPr txBox="1"/>
           <p:nvPr>
             <p:ph type="body" idx="1"/>
@@ -10864,7 +11632,7 @@
                                       <p:cBhvr>
                                         <p:cTn id="6" fill="hold"/>
                                         <p:tgtEl>
-                                          <p:spTgt spid="416">
+                                          <p:spTgt spid="431">
                                             <p:bg/>
                                           </p:spTgt>
                                         </p:tgtEl>
@@ -10892,7 +11660,7 @@
                                       <p:cBhvr>
                                         <p:cTn id="8" fill="hold"/>
                                         <p:tgtEl>
-                                          <p:spTgt spid="416">
+                                          <p:spTgt spid="431">
                                             <p:txEl>
                                               <p:pRg st="0" end="0"/>
                                             </p:txEl>
@@ -10940,7 +11708,7 @@
                                       <p:cBhvr>
                                         <p:cTn id="12" fill="hold"/>
                                         <p:tgtEl>
-                                          <p:spTgt spid="416">
+                                          <p:spTgt spid="431">
                                             <p:txEl>
                                               <p:pRg st="1" end="1"/>
                                             </p:txEl>
@@ -10988,7 +11756,7 @@
                                       <p:cBhvr>
                                         <p:cTn id="16" fill="hold"/>
                                         <p:tgtEl>
-                                          <p:spTgt spid="416">
+                                          <p:spTgt spid="431">
                                             <p:txEl>
                                               <p:pRg st="2" end="2"/>
                                             </p:txEl>
@@ -11036,7 +11804,7 @@
                                       <p:cBhvr>
                                         <p:cTn id="20" fill="hold"/>
                                         <p:tgtEl>
-                                          <p:spTgt spid="416">
+                                          <p:spTgt spid="431">
                                             <p:txEl>
                                               <p:pRg st="3" end="3"/>
                                             </p:txEl>
@@ -11084,7 +11852,7 @@
                                       <p:cBhvr>
                                         <p:cTn id="24" fill="hold"/>
                                         <p:tgtEl>
-                                          <p:spTgt spid="416">
+                                          <p:spTgt spid="431">
                                             <p:txEl>
                                               <p:pRg st="4" end="4"/>
                                             </p:txEl>
@@ -11132,7 +11900,7 @@
                                       <p:cBhvr>
                                         <p:cTn id="28" fill="hold"/>
                                         <p:tgtEl>
-                                          <p:spTgt spid="416">
+                                          <p:spTgt spid="431">
                                             <p:txEl>
                                               <p:pRg st="5" end="5"/>
                                             </p:txEl>
@@ -11180,7 +11948,7 @@
                                       <p:cBhvr>
                                         <p:cTn id="32" fill="hold"/>
                                         <p:tgtEl>
-                                          <p:spTgt spid="416">
+                                          <p:spTgt spid="431">
                                             <p:txEl>
                                               <p:pRg st="6" end="6"/>
                                             </p:txEl>
@@ -11225,7 +11993,7 @@
       </p:par>
     </p:tnLst>
     <p:bldLst>
-      <p:bldP build="p" bldLvl="5" animBg="1" rev="0" advAuto="0" spid="416" grpId="1"/>
+      <p:bldP build="p" bldLvl="5" animBg="1" rev="0" advAuto="0" spid="431" grpId="1"/>
     </p:bldLst>
   </p:timing>
 </p:sld>
@@ -11281,14 +12049,14 @@
       </p:sp>
       <p:sp>
         <p:nvSpPr>
-          <p:cNvPr id="338" name="Before we start, a few points to consider"/>
+          <p:cNvPr id="338" name="Reminder before we start"/>
           <p:cNvSpPr txBox="1"/>
           <p:nvPr/>
         </p:nvSpPr>
         <p:spPr>
           <a:xfrm>
-            <a:off x="1244524" y="160656"/>
-            <a:ext cx="6654952" cy="535939"/>
+            <a:off x="2452469" y="160656"/>
+            <a:ext cx="4239062" cy="535939"/>
           </a:xfrm>
           <a:prstGeom prst="rect">
             <a:avLst/>
@@ -11318,14 +12086,14 @@
           <a:p>
             <a:pPr/>
             <a:r>
-              <a:t>Before we start, a few points to consider</a:t>
+              <a:t>Reminder before we start</a:t>
             </a:r>
           </a:p>
         </p:txBody>
       </p:sp>
       <p:pic>
         <p:nvPicPr>
-          <p:cNvPr id="339" name="Image" descr="Image"/>
+          <p:cNvPr id="339" name="Screenshot 2021-08-12 at 08.52.27.png" descr="Screenshot 2021-08-12 at 08.52.27.png"/>
           <p:cNvPicPr>
             <a:picLocks noChangeAspect="1"/>
           </p:cNvPicPr>
@@ -11341,8 +12109,8 @@
         </p:blipFill>
         <p:spPr>
           <a:xfrm>
-            <a:off x="738163" y="1172085"/>
-            <a:ext cx="3359637" cy="3930776"/>
+            <a:off x="722987" y="930507"/>
+            <a:ext cx="7449313" cy="3930587"/>
           </a:xfrm>
           <a:prstGeom prst="rect">
             <a:avLst/>
@@ -11354,134 +12122,75 @@
       </p:pic>
       <p:sp>
         <p:nvSpPr>
-          <p:cNvPr id="340" name="Breaking a loop"/>
-          <p:cNvSpPr txBox="1"/>
+          <p:cNvPr id="340" name="Rounded Rectangle"/>
+          <p:cNvSpPr/>
           <p:nvPr/>
         </p:nvSpPr>
         <p:spPr>
           <a:xfrm>
-            <a:off x="1177752" y="891541"/>
-            <a:ext cx="2045751" cy="421638"/>
+            <a:off x="4140200" y="2769870"/>
+            <a:ext cx="3424595" cy="1199277"/>
           </a:xfrm>
-          <a:prstGeom prst="rect">
-            <a:avLst/>
-          </a:prstGeom>
-          <a:ln w="12700">
-            <a:miter lim="400000"/>
+          <a:prstGeom prst="roundRect">
+            <a:avLst>
+              <a:gd name="adj" fmla="val 15885"/>
+            </a:avLst>
+          </a:prstGeom>
+          <a:ln w="25400">
+            <a:solidFill>
+              <a:srgbClr val="F20000"/>
+            </a:solidFill>
           </a:ln>
-          <a:extLst>
-            <a:ext uri="{C572A759-6A51-4108-AA02-DFA0A04FC94B}">
-              <ma14:wrappingTextBoxFlag xmlns:ma14="http://schemas.microsoft.com/office/mac/drawingml/2011/main" val="1"/>
-            </a:ext>
-          </a:extLst>
+          <a:effectLst>
+            <a:outerShdw sx="100000" sy="100000" kx="0" ky="0" algn="b" rotWithShape="0" blurRad="38100" dist="23000" dir="5400000">
+              <a:srgbClr val="000000">
+                <a:alpha val="35000"/>
+              </a:srgbClr>
+            </a:outerShdw>
+          </a:effectLst>
         </p:spPr>
         <p:txBody>
-          <a:bodyPr wrap="none" lIns="45718" tIns="45718" rIns="45718" bIns="45718">
-            <a:spAutoFit/>
-          </a:bodyPr>
-          <a:lstStyle>
-            <a:lvl1pPr>
-              <a:defRPr sz="2200">
-                <a:solidFill>
-                  <a:schemeClr val="accent2">
-                    <a:lumOff val="-2588"/>
-                  </a:schemeClr>
-                </a:solidFill>
-              </a:defRPr>
-            </a:lvl1pPr>
-          </a:lstStyle>
+          <a:bodyPr lIns="45718" tIns="45718" rIns="45718" bIns="45718" anchor="ctr"/>
+          <a:lstStyle/>
           <a:p>
             <a:pPr/>
-            <a:r>
-              <a:t>Breaking a loop</a:t>
-            </a:r>
           </a:p>
         </p:txBody>
       </p:sp>
-      <p:pic>
-        <p:nvPicPr>
-          <p:cNvPr id="341" name="Screenshot 2021-08-11 at 22.29.22.png" descr="Screenshot 2021-08-11 at 22.29.22.png"/>
-          <p:cNvPicPr>
-            <a:picLocks noChangeAspect="1"/>
-          </p:cNvPicPr>
-          <p:nvPr/>
-        </p:nvPicPr>
-        <p:blipFill>
-          <a:blip r:embed="rId3">
-            <a:extLst/>
-          </a:blip>
-          <a:stretch>
-            <a:fillRect/>
-          </a:stretch>
-        </p:blipFill>
-        <p:spPr>
-          <a:xfrm>
-            <a:off x="5416501" y="1799383"/>
-            <a:ext cx="2129397" cy="3168623"/>
-          </a:xfrm>
-          <a:prstGeom prst="rect">
-            <a:avLst/>
-          </a:prstGeom>
-          <a:ln w="12700">
-            <a:miter lim="400000"/>
-          </a:ln>
-        </p:spPr>
-      </p:pic>
       <p:sp>
         <p:nvSpPr>
-          <p:cNvPr id="342" name="Creating a list of objects in a function…"/>
-          <p:cNvSpPr txBox="1"/>
+          <p:cNvPr id="341" name="Rounded Rectangle"/>
+          <p:cNvSpPr/>
           <p:nvPr/>
         </p:nvSpPr>
         <p:spPr>
           <a:xfrm>
-            <a:off x="4146113" y="872069"/>
-            <a:ext cx="4670173" cy="751839"/>
+            <a:off x="5770879" y="3120390"/>
+            <a:ext cx="809388" cy="274519"/>
           </a:xfrm>
-          <a:prstGeom prst="rect">
-            <a:avLst/>
-          </a:prstGeom>
-          <a:ln w="12700">
-            <a:miter lim="400000"/>
+          <a:prstGeom prst="roundRect">
+            <a:avLst>
+              <a:gd name="adj" fmla="val 41749"/>
+            </a:avLst>
+          </a:prstGeom>
+          <a:ln w="25400">
+            <a:solidFill>
+              <a:srgbClr val="F20000"/>
+            </a:solidFill>
           </a:ln>
-          <a:extLst>
-            <a:ext uri="{C572A759-6A51-4108-AA02-DFA0A04FC94B}">
-              <ma14:wrappingTextBoxFlag xmlns:ma14="http://schemas.microsoft.com/office/mac/drawingml/2011/main" val="1"/>
-            </a:ext>
-          </a:extLst>
+          <a:effectLst>
+            <a:outerShdw sx="100000" sy="100000" kx="0" ky="0" algn="b" rotWithShape="0" blurRad="38100" dist="23000" dir="5400000">
+              <a:srgbClr val="000000">
+                <a:alpha val="35000"/>
+              </a:srgbClr>
+            </a:outerShdw>
+          </a:effectLst>
         </p:spPr>
         <p:txBody>
-          <a:bodyPr wrap="none" lIns="45718" tIns="45718" rIns="45718" bIns="45718">
-            <a:spAutoFit/>
-          </a:bodyPr>
+          <a:bodyPr lIns="45718" tIns="45718" rIns="45718" bIns="45718" anchor="ctr"/>
           <a:lstStyle/>
           <a:p>
-            <a:pPr algn="ctr">
-              <a:defRPr sz="2200">
-                <a:solidFill>
-                  <a:schemeClr val="accent2">
-                    <a:lumOff val="-2588"/>
-                  </a:schemeClr>
-                </a:solidFill>
-              </a:defRPr>
-            </a:pPr>
-            <a:r>
-              <a:t>Creating a list of objects in a function</a:t>
-            </a:r>
-          </a:p>
-          <a:p>
-            <a:pPr algn="ctr">
-              <a:defRPr sz="2200">
-                <a:solidFill>
-                  <a:schemeClr val="accent2">
-                    <a:lumOff val="-2588"/>
-                  </a:schemeClr>
-                </a:solidFill>
-              </a:defRPr>
-            </a:pPr>
-            <a:r>
-              <a:t>and returning them</a:t>
-            </a:r>
+            <a:pPr/>
           </a:p>
         </p:txBody>
       </p:sp>
@@ -11513,7 +12222,7 @@
       </p:grpSpPr>
       <p:sp>
         <p:nvSpPr>
-          <p:cNvPr id="344" name="Slide Number Placeholder 3"/>
+          <p:cNvPr id="343" name="Slide Number Placeholder 3"/>
           <p:cNvSpPr txBox="1"/>
           <p:nvPr>
             <p:ph type="sldNum" sz="quarter" idx="2"/>
@@ -11544,14 +12253,14 @@
       </p:sp>
       <p:sp>
         <p:nvSpPr>
-          <p:cNvPr id="345" name="Breaking a loop"/>
+          <p:cNvPr id="344" name="Before we start, a few points to consider"/>
           <p:cNvSpPr txBox="1"/>
           <p:nvPr/>
         </p:nvSpPr>
         <p:spPr>
           <a:xfrm>
-            <a:off x="3240232" y="160656"/>
-            <a:ext cx="2663536" cy="535939"/>
+            <a:off x="1244524" y="160656"/>
+            <a:ext cx="6654952" cy="535939"/>
           </a:xfrm>
           <a:prstGeom prst="rect">
             <a:avLst/>
@@ -11581,14 +12290,14 @@
           <a:p>
             <a:pPr/>
             <a:r>
-              <a:t>Breaking a loop</a:t>
+              <a:t>Before we start, a few points to consider</a:t>
             </a:r>
           </a:p>
         </p:txBody>
       </p:sp>
       <p:pic>
         <p:nvPicPr>
-          <p:cNvPr id="346" name="Image" descr="Image"/>
+          <p:cNvPr id="345" name="Image" descr="Image"/>
           <p:cNvPicPr>
             <a:picLocks noChangeAspect="1"/>
           </p:cNvPicPr>
@@ -11604,8 +12313,8 @@
         </p:blipFill>
         <p:spPr>
           <a:xfrm>
-            <a:off x="667043" y="866665"/>
-            <a:ext cx="3559893" cy="4165076"/>
+            <a:off x="738163" y="1172085"/>
+            <a:ext cx="3359637" cy="3930776"/>
           </a:xfrm>
           <a:prstGeom prst="rect">
             <a:avLst/>
@@ -11617,14 +12326,14 @@
       </p:pic>
       <p:sp>
         <p:nvSpPr>
-          <p:cNvPr id="347" name="# A script that takes some time: check-prime…"/>
+          <p:cNvPr id="346" name="Breaking a loop"/>
           <p:cNvSpPr txBox="1"/>
           <p:nvPr/>
         </p:nvSpPr>
         <p:spPr>
           <a:xfrm>
-            <a:off x="4404407" y="961390"/>
-            <a:ext cx="4557618" cy="3545839"/>
+            <a:off x="1177752" y="891541"/>
+            <a:ext cx="2045751" cy="421639"/>
           </a:xfrm>
           <a:prstGeom prst="rect">
             <a:avLst/>
@@ -11639,432 +12348,67 @@
           </a:extLst>
         </p:spPr>
         <p:txBody>
-          <a:bodyPr lIns="45718" tIns="45718" rIns="45718" bIns="45718">
+          <a:bodyPr wrap="none" lIns="45718" tIns="45718" rIns="45718" bIns="45718">
             <a:spAutoFit/>
           </a:bodyPr>
-          <a:lstStyle/>
-          <a:p>
-            <a:pPr defTabSz="457200">
-              <a:defRPr b="1" sz="1300">
-                <a:solidFill>
-                  <a:srgbClr val="000000"/>
-                </a:solidFill>
-              </a:defRPr>
-            </a:pPr>
-            <a:r>
-              <a:t># A script that takes some time: check-prime</a:t>
-            </a:r>
-          </a:p>
-          <a:p>
-            <a:pPr defTabSz="457200">
-              <a:defRPr sz="1300">
-                <a:solidFill>
-                  <a:srgbClr val="0033B3"/>
-                </a:solidFill>
-              </a:defRPr>
-            </a:pPr>
-            <a:r>
-              <a:t>import </a:t>
-            </a:r>
-            <a:r>
-              <a:rPr>
-                <a:solidFill>
-                  <a:srgbClr val="080808"/>
-                </a:solidFill>
-              </a:rPr>
-              <a:t>time</a:t>
-            </a:r>
-            <a:endParaRPr>
-              <a:solidFill>
-                <a:srgbClr val="080808"/>
-              </a:solidFill>
-            </a:endParaRPr>
-          </a:p>
-          <a:p>
-            <a:pPr defTabSz="457200">
-              <a:defRPr sz="1300">
-                <a:solidFill>
-                  <a:srgbClr val="080808"/>
-                </a:solidFill>
-              </a:defRPr>
-            </a:pPr>
-            <a:r>
-              <a:t>start_time = time.time()</a:t>
-            </a:r>
-          </a:p>
-          <a:p>
-            <a:pPr defTabSz="457200">
-              <a:defRPr sz="1300">
-                <a:solidFill>
-                  <a:srgbClr val="1750EB"/>
-                </a:solidFill>
-              </a:defRPr>
-            </a:pPr>
-            <a:r>
-              <a:rPr>
-                <a:solidFill>
-                  <a:srgbClr val="080808"/>
-                </a:solidFill>
-              </a:rPr>
-              <a:t>n = </a:t>
-            </a:r>
-            <a:r>
-              <a:t>151153234</a:t>
-            </a:r>
-          </a:p>
-          <a:p>
-            <a:pPr defTabSz="457200">
-              <a:defRPr sz="1300">
-                <a:solidFill>
-                  <a:srgbClr val="1750EB"/>
-                </a:solidFill>
-              </a:defRPr>
-            </a:pPr>
-          </a:p>
-          <a:p>
-            <a:pPr defTabSz="457200">
-              <a:defRPr sz="1300">
-                <a:solidFill>
-                  <a:srgbClr val="080808"/>
-                </a:solidFill>
-              </a:defRPr>
-            </a:pPr>
-            <a:r>
-              <a:t>is_prime = </a:t>
-            </a:r>
-            <a:r>
-              <a:rPr>
-                <a:solidFill>
-                  <a:srgbClr val="0033B3"/>
-                </a:solidFill>
-              </a:rPr>
-              <a:t>True</a:t>
-            </a:r>
-            <a:endParaRPr>
-              <a:solidFill>
-                <a:srgbClr val="0033B3"/>
-              </a:solidFill>
-            </a:endParaRPr>
-          </a:p>
-          <a:p>
-            <a:pPr defTabSz="457200">
-              <a:defRPr sz="1300">
-                <a:solidFill>
-                  <a:srgbClr val="080808"/>
-                </a:solidFill>
-              </a:defRPr>
-            </a:pPr>
-            <a:r>
-              <a:rPr>
-                <a:solidFill>
-                  <a:srgbClr val="0033B3"/>
-                </a:solidFill>
-              </a:rPr>
-              <a:t>for </a:t>
-            </a:r>
-            <a:r>
-              <a:t>i </a:t>
-            </a:r>
-            <a:r>
-              <a:rPr>
-                <a:solidFill>
-                  <a:srgbClr val="0033B3"/>
-                </a:solidFill>
-              </a:rPr>
-              <a:t>in </a:t>
-            </a:r>
-            <a:r>
-              <a:rPr>
-                <a:solidFill>
-                  <a:srgbClr val="011480"/>
-                </a:solidFill>
-              </a:rPr>
-              <a:t>range</a:t>
-            </a:r>
-            <a:r>
-              <a:t>(</a:t>
-            </a:r>
-            <a:r>
-              <a:rPr>
-                <a:solidFill>
-                  <a:srgbClr val="1750EB"/>
-                </a:solidFill>
-              </a:rPr>
-              <a:t>2</a:t>
-            </a:r>
-            <a:r>
-              <a:t>, n):</a:t>
-            </a:r>
-          </a:p>
-          <a:p>
-            <a:pPr defTabSz="457200">
-              <a:defRPr sz="1300">
-                <a:solidFill>
-                  <a:srgbClr val="080808"/>
-                </a:solidFill>
-              </a:defRPr>
-            </a:pPr>
-            <a:r>
-              <a:t>    </a:t>
-            </a:r>
-            <a:r>
-              <a:rPr>
-                <a:solidFill>
-                  <a:srgbClr val="0033B3"/>
-                </a:solidFill>
-              </a:rPr>
-              <a:t>if </a:t>
-            </a:r>
-            <a:r>
-              <a:t>n % i == </a:t>
-            </a:r>
-            <a:r>
-              <a:rPr>
-                <a:solidFill>
-                  <a:srgbClr val="1750EB"/>
-                </a:solidFill>
-              </a:rPr>
-              <a:t>0</a:t>
-            </a:r>
-            <a:r>
-              <a:t>:</a:t>
-            </a:r>
-          </a:p>
-          <a:p>
-            <a:pPr defTabSz="457200">
-              <a:defRPr sz="1300">
-                <a:solidFill>
-                  <a:srgbClr val="080808"/>
-                </a:solidFill>
-              </a:defRPr>
-            </a:pPr>
-            <a:r>
-              <a:t>        is_prime = </a:t>
-            </a:r>
-            <a:r>
-              <a:rPr>
-                <a:solidFill>
-                  <a:srgbClr val="0033B3"/>
-                </a:solidFill>
-              </a:rPr>
-              <a:t>False</a:t>
-            </a:r>
-            <a:endParaRPr i="1">
-              <a:solidFill>
-                <a:srgbClr val="8C8C8C"/>
-              </a:solidFill>
-            </a:endParaRPr>
-          </a:p>
-          <a:p>
-            <a:pPr defTabSz="457200">
-              <a:defRPr sz="1300">
-                <a:solidFill>
-                  <a:srgbClr val="080808"/>
-                </a:solidFill>
-              </a:defRPr>
-            </a:pPr>
-            <a:endParaRPr i="1">
-              <a:solidFill>
-                <a:srgbClr val="8C8C8C"/>
-              </a:solidFill>
-            </a:endParaRPr>
-          </a:p>
-          <a:p>
-            <a:pPr defTabSz="457200">
-              <a:defRPr sz="1300">
-                <a:solidFill>
-                  <a:srgbClr val="080808"/>
-                </a:solidFill>
-              </a:defRPr>
-            </a:pPr>
-            <a:r>
-              <a:rPr>
-                <a:solidFill>
-                  <a:srgbClr val="0033B3"/>
-                </a:solidFill>
-              </a:rPr>
-              <a:t>if </a:t>
-            </a:r>
-            <a:r>
-              <a:t>is_prime:</a:t>
-            </a:r>
-          </a:p>
-          <a:p>
-            <a:pPr defTabSz="457200">
-              <a:defRPr sz="1300">
-                <a:solidFill>
-                  <a:srgbClr val="008080"/>
-                </a:solidFill>
-              </a:defRPr>
-            </a:pPr>
-            <a:r>
-              <a:rPr>
-                <a:solidFill>
-                  <a:srgbClr val="080808"/>
-                </a:solidFill>
-              </a:rPr>
-              <a:t>    </a:t>
-            </a:r>
-            <a:r>
-              <a:rPr>
-                <a:solidFill>
-                  <a:srgbClr val="011480"/>
-                </a:solidFill>
-              </a:rPr>
-              <a:t>print</a:t>
-            </a:r>
-            <a:r>
-              <a:rPr>
-                <a:solidFill>
-                  <a:srgbClr val="080808"/>
-                </a:solidFill>
-              </a:rPr>
-              <a:t>(</a:t>
-            </a:r>
-            <a:r>
-              <a:rPr b="1"/>
-              <a:t>"Is prime"</a:t>
-            </a:r>
-            <a:r>
-              <a:rPr>
-                <a:solidFill>
-                  <a:srgbClr val="080808"/>
-                </a:solidFill>
-              </a:rPr>
-              <a:t>)</a:t>
-            </a:r>
-            <a:endParaRPr>
-              <a:solidFill>
-                <a:srgbClr val="080808"/>
-              </a:solidFill>
-            </a:endParaRPr>
-          </a:p>
-          <a:p>
-            <a:pPr defTabSz="457200">
-              <a:defRPr sz="1300">
-                <a:solidFill>
-                  <a:srgbClr val="0033B3"/>
-                </a:solidFill>
-              </a:defRPr>
-            </a:pPr>
-            <a:r>
-              <a:t>else</a:t>
-            </a:r>
-            <a:r>
-              <a:rPr>
-                <a:solidFill>
-                  <a:srgbClr val="080808"/>
-                </a:solidFill>
-              </a:rPr>
-              <a:t>:</a:t>
-            </a:r>
-            <a:endParaRPr>
-              <a:solidFill>
-                <a:srgbClr val="080808"/>
-              </a:solidFill>
-            </a:endParaRPr>
-          </a:p>
-          <a:p>
-            <a:pPr defTabSz="457200">
-              <a:defRPr b="1" sz="1300">
-                <a:solidFill>
-                  <a:srgbClr val="008080"/>
-                </a:solidFill>
-              </a:defRPr>
-            </a:pPr>
-            <a:r>
-              <a:rPr b="0">
-                <a:solidFill>
-                  <a:srgbClr val="080808"/>
-                </a:solidFill>
-              </a:rPr>
-              <a:t>    </a:t>
-            </a:r>
-            <a:r>
-              <a:rPr b="0">
-                <a:solidFill>
-                  <a:srgbClr val="011480"/>
-                </a:solidFill>
-              </a:rPr>
-              <a:t>print</a:t>
-            </a:r>
-            <a:r>
-              <a:rPr b="0">
-                <a:solidFill>
-                  <a:srgbClr val="080808"/>
-                </a:solidFill>
-              </a:rPr>
-              <a:t>(</a:t>
-            </a:r>
-            <a:r>
-              <a:t>"Is not prime"</a:t>
-            </a:r>
-            <a:r>
-              <a:rPr b="0">
-                <a:solidFill>
-                  <a:srgbClr val="080808"/>
-                </a:solidFill>
-              </a:rPr>
-              <a:t>)</a:t>
-            </a:r>
-            <a:endParaRPr b="0">
-              <a:solidFill>
-                <a:srgbClr val="080808"/>
-              </a:solidFill>
-            </a:endParaRPr>
-          </a:p>
-          <a:p>
-            <a:pPr defTabSz="457200">
-              <a:defRPr sz="1300">
-                <a:solidFill>
-                  <a:srgbClr val="080808"/>
-                </a:solidFill>
-              </a:defRPr>
-            </a:pPr>
-          </a:p>
-          <a:p>
-            <a:pPr defTabSz="457200">
-              <a:defRPr sz="1300">
-                <a:solidFill>
-                  <a:srgbClr val="080808"/>
-                </a:solidFill>
-              </a:defRPr>
-            </a:pPr>
-            <a:r>
-              <a:rPr>
-                <a:solidFill>
-                  <a:srgbClr val="011480"/>
-                </a:solidFill>
-              </a:rPr>
-              <a:t>print</a:t>
-            </a:r>
-            <a:r>
-              <a:t>(</a:t>
-            </a:r>
-            <a:r>
-              <a:rPr b="1">
-                <a:solidFill>
-                  <a:srgbClr val="008080"/>
-                </a:solidFill>
-              </a:rPr>
-              <a:t>"--- {} seconds ---"</a:t>
-            </a:r>
-            <a:r>
-              <a:t>.format(time.time() - start_time))</a:t>
+          <a:lstStyle>
+            <a:lvl1pPr>
+              <a:defRPr sz="2200">
+                <a:solidFill>
+                  <a:schemeClr val="accent2">
+                    <a:lumOff val="-2588"/>
+                  </a:schemeClr>
+                </a:solidFill>
+              </a:defRPr>
+            </a:lvl1pPr>
+          </a:lstStyle>
+          <a:p>
+            <a:pPr/>
+            <a:r>
+              <a:t>Breaking a loop</a:t>
             </a:r>
           </a:p>
         </p:txBody>
       </p:sp>
+      <p:pic>
+        <p:nvPicPr>
+          <p:cNvPr id="347" name="Screenshot 2021-08-11 at 22.29.22.png" descr="Screenshot 2021-08-11 at 22.29.22.png"/>
+          <p:cNvPicPr>
+            <a:picLocks noChangeAspect="1"/>
+          </p:cNvPicPr>
+          <p:nvPr/>
+        </p:nvPicPr>
+        <p:blipFill>
+          <a:blip r:embed="rId3">
+            <a:extLst/>
+          </a:blip>
+          <a:stretch>
+            <a:fillRect/>
+          </a:stretch>
+        </p:blipFill>
+        <p:spPr>
+          <a:xfrm>
+            <a:off x="5416501" y="1799383"/>
+            <a:ext cx="2129397" cy="3168623"/>
+          </a:xfrm>
+          <a:prstGeom prst="rect">
+            <a:avLst/>
+          </a:prstGeom>
+          <a:ln w="12700">
+            <a:miter lim="400000"/>
+          </a:ln>
+        </p:spPr>
+      </p:pic>
       <p:sp>
         <p:nvSpPr>
-          <p:cNvPr id="348" name="Is not prime…"/>
+          <p:cNvPr id="348" name="Creating a list of objects in a function…"/>
           <p:cNvSpPr txBox="1"/>
           <p:nvPr/>
         </p:nvSpPr>
         <p:spPr>
           <a:xfrm>
-            <a:off x="4442118" y="4595340"/>
-            <a:ext cx="2901364" cy="523239"/>
+            <a:off x="4146113" y="872069"/>
+            <a:ext cx="4670173" cy="751839"/>
           </a:xfrm>
           <a:prstGeom prst="rect">
             <a:avLst/>
@@ -12084,140 +12428,32 @@
           </a:bodyPr>
           <a:lstStyle/>
           <a:p>
-            <a:pPr/>
-            <a:r>
-              <a:t>Is not prime</a:t>
-            </a:r>
-          </a:p>
-          <a:p>
-            <a:pPr/>
-            <a:r>
-              <a:t>--- 9.443579196929932 seconds ---</a:t>
-            </a:r>
-          </a:p>
-        </p:txBody>
-      </p:sp>
-      <p:sp>
-        <p:nvSpPr>
-          <p:cNvPr id="349" name="Output:"/>
-          <p:cNvSpPr txBox="1"/>
-          <p:nvPr/>
-        </p:nvSpPr>
-        <p:spPr>
-          <a:xfrm>
-            <a:off x="4458489" y="4348481"/>
-            <a:ext cx="745886" cy="307338"/>
-          </a:xfrm>
-          <a:prstGeom prst="rect">
-            <a:avLst/>
-          </a:prstGeom>
-          <a:ln w="12700">
-            <a:miter lim="400000"/>
-          </a:ln>
-          <a:extLst>
-            <a:ext uri="{C572A759-6A51-4108-AA02-DFA0A04FC94B}">
-              <ma14:wrappingTextBoxFlag xmlns:ma14="http://schemas.microsoft.com/office/mac/drawingml/2011/main" val="1"/>
-            </a:ext>
-          </a:extLst>
-        </p:spPr>
-        <p:txBody>
-          <a:bodyPr wrap="none" lIns="45718" tIns="45718" rIns="45718" bIns="45718">
-            <a:spAutoFit/>
-          </a:bodyPr>
-          <a:lstStyle>
-            <a:lvl1pPr>
-              <a:defRPr b="1">
-                <a:solidFill>
-                  <a:srgbClr val="000000"/>
-                </a:solidFill>
-              </a:defRPr>
-            </a:lvl1pPr>
-          </a:lstStyle>
-          <a:p>
-            <a:pPr/>
-            <a:r>
-              <a:t>Output:</a:t>
-            </a:r>
-          </a:p>
-        </p:txBody>
-      </p:sp>
-      <p:sp>
-        <p:nvSpPr>
-          <p:cNvPr id="350" name="Better to stop the loop here"/>
-          <p:cNvSpPr txBox="1"/>
-          <p:nvPr/>
-        </p:nvSpPr>
-        <p:spPr>
-          <a:xfrm>
-            <a:off x="6896889" y="2614931"/>
-            <a:ext cx="1703883" cy="574039"/>
-          </a:xfrm>
-          <a:prstGeom prst="rect">
-            <a:avLst/>
-          </a:prstGeom>
-          <a:ln w="12700">
-            <a:miter lim="400000"/>
-          </a:ln>
-          <a:extLst>
-            <a:ext uri="{C572A759-6A51-4108-AA02-DFA0A04FC94B}">
-              <ma14:wrappingTextBoxFlag xmlns:ma14="http://schemas.microsoft.com/office/mac/drawingml/2011/main" val="1"/>
-            </a:ext>
-          </a:extLst>
-        </p:spPr>
-        <p:txBody>
-          <a:bodyPr lIns="45718" tIns="45718" rIns="45718" bIns="45718">
-            <a:spAutoFit/>
-          </a:bodyPr>
-          <a:lstStyle>
-            <a:lvl1pPr>
-              <a:defRPr b="1" sz="1600">
-                <a:solidFill>
-                  <a:srgbClr val="F61DFB"/>
-                </a:solidFill>
-              </a:defRPr>
-            </a:lvl1pPr>
-          </a:lstStyle>
-          <a:p>
-            <a:pPr/>
-            <a:r>
-              <a:t>Better to stop the loop here</a:t>
-            </a:r>
-          </a:p>
-        </p:txBody>
-      </p:sp>
-      <p:sp>
-        <p:nvSpPr>
-          <p:cNvPr id="351" name="Line"/>
-          <p:cNvSpPr/>
-          <p:nvPr/>
-        </p:nvSpPr>
-        <p:spPr>
-          <a:xfrm flipH="1">
-            <a:off x="5400039" y="2883701"/>
-            <a:ext cx="1446092" cy="1"/>
-          </a:xfrm>
-          <a:prstGeom prst="line">
-            <a:avLst/>
-          </a:prstGeom>
-          <a:ln w="25400">
-            <a:solidFill>
-              <a:srgbClr val="F20FF0"/>
-            </a:solidFill>
-            <a:tailEnd type="triangle"/>
-          </a:ln>
-          <a:effectLst>
-            <a:outerShdw sx="100000" sy="100000" kx="0" ky="0" algn="b" rotWithShape="0" blurRad="38100" dist="23000" dir="5400000">
-              <a:srgbClr val="000000">
-                <a:alpha val="35000"/>
-              </a:srgbClr>
-            </a:outerShdw>
-          </a:effectLst>
-        </p:spPr>
-        <p:txBody>
-          <a:bodyPr lIns="45718" tIns="45718" rIns="45718" bIns="45718"/>
-          <a:lstStyle/>
-          <a:p>
-            <a:pPr/>
+            <a:pPr algn="ctr">
+              <a:defRPr sz="2200">
+                <a:solidFill>
+                  <a:schemeClr val="accent2">
+                    <a:lumOff val="-2588"/>
+                  </a:schemeClr>
+                </a:solidFill>
+              </a:defRPr>
+            </a:pPr>
+            <a:r>
+              <a:t>Creating a list of objects in a function</a:t>
+            </a:r>
+          </a:p>
+          <a:p>
+            <a:pPr algn="ctr">
+              <a:defRPr sz="2200">
+                <a:solidFill>
+                  <a:schemeClr val="accent2">
+                    <a:lumOff val="-2588"/>
+                  </a:schemeClr>
+                </a:solidFill>
+              </a:defRPr>
+            </a:pPr>
+            <a:r>
+              <a:t>and returning them</a:t>
+            </a:r>
           </a:p>
         </p:txBody>
       </p:sp>
@@ -12227,245 +12463,6 @@
     <a:masterClrMapping/>
   </p:clrMapOvr>
   <p:transition xmlns:p14="http://schemas.microsoft.com/office/powerpoint/2010/main" spd="med" advClick="1"/>
-  <p:timing>
-    <p:tnLst>
-      <p:par>
-        <p:cTn id="1" nodeType="tmRoot" restart="never" dur="indefinite" fill="hold">
-          <p:childTnLst>
-            <p:seq concurrent="1" prevAc="none" nextAc="seek">
-              <p:cTn id="2" nodeType="mainSeq" dur="indefinite" fill="hold">
-                <p:childTnLst>
-                  <p:par>
-                    <p:cTn id="3" fill="hold">
-                      <p:stCondLst>
-                        <p:cond delay="indefinite"/>
-                      </p:stCondLst>
-                      <p:childTnLst>
-                        <p:par>
-                          <p:cTn id="4" fill="hold">
-                            <p:stCondLst>
-                              <p:cond delay="0"/>
-                            </p:stCondLst>
-                            <p:childTnLst>
-                              <p:par>
-                                <p:cTn id="5" presetClass="entr" nodeType="clickEffect" presetSubtype="0" presetID="1" grpId="1" fill="hold">
-                                  <p:stCondLst>
-                                    <p:cond delay="0"/>
-                                  </p:stCondLst>
-                                  <p:iterate type="el" backwards="0">
-                                    <p:tmAbs val="0"/>
-                                  </p:iterate>
-                                  <p:childTnLst>
-                                    <p:set>
-                                      <p:cBhvr>
-                                        <p:cTn id="6" fill="hold"/>
-                                        <p:tgtEl>
-                                          <p:spTgt spid="347"/>
-                                        </p:tgtEl>
-                                        <p:attrNameLst>
-                                          <p:attrName>style.visibility</p:attrName>
-                                        </p:attrNameLst>
-                                      </p:cBhvr>
-                                      <p:to>
-                                        <p:strVal val="visible"/>
-                                      </p:to>
-                                    </p:set>
-                                  </p:childTnLst>
-                                </p:cTn>
-                              </p:par>
-                            </p:childTnLst>
-                          </p:cTn>
-                        </p:par>
-                      </p:childTnLst>
-                    </p:cTn>
-                  </p:par>
-                  <p:par>
-                    <p:cTn id="7" fill="hold">
-                      <p:stCondLst>
-                        <p:cond delay="indefinite"/>
-                      </p:stCondLst>
-                      <p:childTnLst>
-                        <p:par>
-                          <p:cTn id="8" fill="hold">
-                            <p:stCondLst>
-                              <p:cond delay="0"/>
-                            </p:stCondLst>
-                            <p:childTnLst>
-                              <p:par>
-                                <p:cTn id="9" presetClass="entr" nodeType="clickEffect" presetSubtype="0" presetID="1" grpId="2" fill="hold">
-                                  <p:stCondLst>
-                                    <p:cond delay="0"/>
-                                  </p:stCondLst>
-                                  <p:iterate type="el" backwards="0">
-                                    <p:tmAbs val="0"/>
-                                  </p:iterate>
-                                  <p:childTnLst>
-                                    <p:set>
-                                      <p:cBhvr>
-                                        <p:cTn id="10" fill="hold"/>
-                                        <p:tgtEl>
-                                          <p:spTgt spid="349"/>
-                                        </p:tgtEl>
-                                        <p:attrNameLst>
-                                          <p:attrName>style.visibility</p:attrName>
-                                        </p:attrNameLst>
-                                      </p:cBhvr>
-                                      <p:to>
-                                        <p:strVal val="visible"/>
-                                      </p:to>
-                                    </p:set>
-                                  </p:childTnLst>
-                                </p:cTn>
-                              </p:par>
-                            </p:childTnLst>
-                          </p:cTn>
-                        </p:par>
-                        <p:par>
-                          <p:cTn id="11" fill="hold">
-                            <p:stCondLst>
-                              <p:cond delay="0"/>
-                            </p:stCondLst>
-                            <p:childTnLst>
-                              <p:par>
-                                <p:cTn id="12" presetClass="entr" nodeType="afterEffect" presetSubtype="0" presetID="1" grpId="3" fill="hold">
-                                  <p:stCondLst>
-                                    <p:cond delay="0"/>
-                                  </p:stCondLst>
-                                  <p:iterate type="el" backwards="0">
-                                    <p:tmAbs val="0"/>
-                                  </p:iterate>
-                                  <p:childTnLst>
-                                    <p:set>
-                                      <p:cBhvr>
-                                        <p:cTn id="13" fill="hold"/>
-                                        <p:tgtEl>
-                                          <p:spTgt spid="348"/>
-                                        </p:tgtEl>
-                                        <p:attrNameLst>
-                                          <p:attrName>style.visibility</p:attrName>
-                                        </p:attrNameLst>
-                                      </p:cBhvr>
-                                      <p:to>
-                                        <p:strVal val="visible"/>
-                                      </p:to>
-                                    </p:set>
-                                  </p:childTnLst>
-                                </p:cTn>
-                              </p:par>
-                            </p:childTnLst>
-                          </p:cTn>
-                        </p:par>
-                      </p:childTnLst>
-                    </p:cTn>
-                  </p:par>
-                  <p:par>
-                    <p:cTn id="14" fill="hold">
-                      <p:stCondLst>
-                        <p:cond delay="indefinite"/>
-                      </p:stCondLst>
-                      <p:childTnLst>
-                        <p:par>
-                          <p:cTn id="15" fill="hold">
-                            <p:stCondLst>
-                              <p:cond delay="0"/>
-                            </p:stCondLst>
-                            <p:childTnLst>
-                              <p:par>
-                                <p:cTn id="16" presetClass="entr" nodeType="clickEffect" presetSubtype="0" presetID="1" grpId="4" fill="hold">
-                                  <p:stCondLst>
-                                    <p:cond delay="0"/>
-                                  </p:stCondLst>
-                                  <p:iterate type="el" backwards="0">
-                                    <p:tmAbs val="0"/>
-                                  </p:iterate>
-                                  <p:childTnLst>
-                                    <p:set>
-                                      <p:cBhvr>
-                                        <p:cTn id="17" fill="hold"/>
-                                        <p:tgtEl>
-                                          <p:spTgt spid="350"/>
-                                        </p:tgtEl>
-                                        <p:attrNameLst>
-                                          <p:attrName>style.visibility</p:attrName>
-                                        </p:attrNameLst>
-                                      </p:cBhvr>
-                                      <p:to>
-                                        <p:strVal val="visible"/>
-                                      </p:to>
-                                    </p:set>
-                                  </p:childTnLst>
-                                </p:cTn>
-                              </p:par>
-                            </p:childTnLst>
-                          </p:cTn>
-                        </p:par>
-                        <p:par>
-                          <p:cTn id="18" fill="hold">
-                            <p:stCondLst>
-                              <p:cond delay="0"/>
-                            </p:stCondLst>
-                            <p:childTnLst>
-                              <p:par>
-                                <p:cTn id="19" presetClass="entr" nodeType="afterEffect" presetSubtype="0" presetID="1" grpId="5" fill="hold">
-                                  <p:stCondLst>
-                                    <p:cond delay="0"/>
-                                  </p:stCondLst>
-                                  <p:iterate type="el" backwards="0">
-                                    <p:tmAbs val="0"/>
-                                  </p:iterate>
-                                  <p:childTnLst>
-                                    <p:set>
-                                      <p:cBhvr>
-                                        <p:cTn id="20" fill="hold"/>
-                                        <p:tgtEl>
-                                          <p:spTgt spid="351"/>
-                                        </p:tgtEl>
-                                        <p:attrNameLst>
-                                          <p:attrName>style.visibility</p:attrName>
-                                        </p:attrNameLst>
-                                      </p:cBhvr>
-                                      <p:to>
-                                        <p:strVal val="visible"/>
-                                      </p:to>
-                                    </p:set>
-                                  </p:childTnLst>
-                                </p:cTn>
-                              </p:par>
-                            </p:childTnLst>
-                          </p:cTn>
-                        </p:par>
-                      </p:childTnLst>
-                    </p:cTn>
-                  </p:par>
-                </p:childTnLst>
-              </p:cTn>
-              <p:prevCondLst>
-                <p:cond evt="onPrev">
-                  <p:tgtEl>
-                    <p:sldTgt/>
-                  </p:tgtEl>
-                </p:cond>
-              </p:prevCondLst>
-              <p:nextCondLst>
-                <p:cond evt="onNext">
-                  <p:tgtEl>
-                    <p:sldTgt/>
-                  </p:tgtEl>
-                </p:cond>
-              </p:nextCondLst>
-            </p:seq>
-          </p:childTnLst>
-        </p:cTn>
-      </p:par>
-    </p:tnLst>
-    <p:bldLst>
-      <p:bldP build="whole" bldLvl="1" animBg="1" rev="0" advAuto="0" spid="349" grpId="2"/>
-      <p:bldP build="whole" bldLvl="1" animBg="1" rev="0" advAuto="0" spid="350" grpId="4"/>
-      <p:bldP build="whole" bldLvl="1" animBg="1" rev="0" advAuto="0" spid="351" grpId="5"/>
-      <p:bldP build="whole" bldLvl="1" animBg="1" rev="0" advAuto="0" spid="347" grpId="1"/>
-      <p:bldP build="whole" bldLvl="1" animBg="1" rev="0" advAuto="0" spid="348" grpId="3"/>
-    </p:bldLst>
-  </p:timing>
 </p:sld>
 </file>
 
@@ -12488,7 +12485,7 @@
       </p:grpSpPr>
       <p:sp>
         <p:nvSpPr>
-          <p:cNvPr id="353" name="Slide Number Placeholder 3"/>
+          <p:cNvPr id="350" name="Slide Number Placeholder 3"/>
           <p:cNvSpPr txBox="1"/>
           <p:nvPr>
             <p:ph type="sldNum" sz="quarter" idx="2"/>
@@ -12519,14 +12516,14 @@
       </p:sp>
       <p:sp>
         <p:nvSpPr>
-          <p:cNvPr id="354" name="Breaking a loop"/>
+          <p:cNvPr id="351" name="Creating a list of objects in a function…"/>
           <p:cNvSpPr txBox="1"/>
           <p:nvPr/>
         </p:nvSpPr>
         <p:spPr>
           <a:xfrm>
-            <a:off x="3240232" y="160656"/>
-            <a:ext cx="2663536" cy="535939"/>
+            <a:off x="1011883" y="52706"/>
+            <a:ext cx="7427622" cy="751839"/>
           </a:xfrm>
           <a:prstGeom prst="rect">
             <a:avLst/>
@@ -12541,29 +12538,39 @@
           </a:extLst>
         </p:spPr>
         <p:txBody>
-          <a:bodyPr wrap="none" lIns="45718" tIns="45718" rIns="45718" bIns="45718">
+          <a:bodyPr lIns="45718" tIns="45718" rIns="45718" bIns="45718">
             <a:spAutoFit/>
           </a:bodyPr>
-          <a:lstStyle>
-            <a:lvl1pPr>
-              <a:defRPr sz="2900">
+          <a:lstStyle/>
+          <a:p>
+            <a:pPr algn="ctr">
+              <a:defRPr sz="2200">
                 <a:solidFill>
                   <a:srgbClr val="FFFFFF"/>
                 </a:solidFill>
               </a:defRPr>
-            </a:lvl1pPr>
-          </a:lstStyle>
-          <a:p>
-            <a:pPr/>
-            <a:r>
-              <a:t>Breaking a loop</a:t>
+            </a:pPr>
+            <a:r>
+              <a:t>Creating a list of objects in a function</a:t>
+            </a:r>
+          </a:p>
+          <a:p>
+            <a:pPr algn="ctr">
+              <a:defRPr sz="2200">
+                <a:solidFill>
+                  <a:srgbClr val="FFFFFF"/>
+                </a:solidFill>
+              </a:defRPr>
+            </a:pPr>
+            <a:r>
+              <a:t>and returning them</a:t>
             </a:r>
           </a:p>
         </p:txBody>
       </p:sp>
       <p:pic>
         <p:nvPicPr>
-          <p:cNvPr id="355" name="Image" descr="Image"/>
+          <p:cNvPr id="352" name="Screenshot 2021-08-11 at 22.29.22.png" descr="Screenshot 2021-08-11 at 22.29.22.png"/>
           <p:cNvPicPr>
             <a:picLocks noChangeAspect="1"/>
           </p:cNvPicPr>
@@ -12579,8 +12586,8 @@
         </p:blipFill>
         <p:spPr>
           <a:xfrm>
-            <a:off x="667043" y="866665"/>
-            <a:ext cx="3559893" cy="4165076"/>
+            <a:off x="3444491" y="935783"/>
+            <a:ext cx="2562406" cy="3812957"/>
           </a:xfrm>
           <a:prstGeom prst="rect">
             <a:avLst/>
@@ -12592,14 +12599,14 @@
       </p:pic>
       <p:sp>
         <p:nvSpPr>
-          <p:cNvPr id="356" name="# A script that takes some time: check-prime…"/>
+          <p:cNvPr id="353" name="Play time"/>
           <p:cNvSpPr txBox="1"/>
           <p:nvPr/>
         </p:nvSpPr>
         <p:spPr>
           <a:xfrm>
-            <a:off x="4404407" y="961391"/>
-            <a:ext cx="4557618" cy="3545839"/>
+            <a:off x="4308040" y="4703290"/>
+            <a:ext cx="835307" cy="307339"/>
           </a:xfrm>
           <a:prstGeom prst="rect">
             <a:avLst/>
@@ -12614,444 +12621,89 @@
           </a:extLst>
         </p:spPr>
         <p:txBody>
-          <a:bodyPr lIns="45718" tIns="45718" rIns="45718" bIns="45718">
+          <a:bodyPr wrap="none" lIns="45718" tIns="45718" rIns="45718" bIns="45718">
             <a:spAutoFit/>
           </a:bodyPr>
+          <a:lstStyle>
+            <a:lvl1pPr>
+              <a:defRPr i="1"/>
+            </a:lvl1pPr>
+          </a:lstStyle>
+          <a:p>
+            <a:pPr/>
+            <a:r>
+              <a:t>Play time</a:t>
+            </a:r>
+          </a:p>
+        </p:txBody>
+      </p:sp>
+    </p:spTree>
+  </p:cSld>
+  <p:clrMapOvr>
+    <a:masterClrMapping/>
+  </p:clrMapOvr>
+  <p:transition xmlns:p14="http://schemas.microsoft.com/office/powerpoint/2010/main" spd="med" advClick="1"/>
+</p:sld>
+</file>
+
+<file path=ppt/slides/slide5.xml><?xml version="1.0" encoding="utf-8"?>
+<p:sld xmlns:a="http://schemas.openxmlformats.org/drawingml/2006/main" xmlns:r="http://schemas.openxmlformats.org/officeDocument/2006/relationships" xmlns:p="http://schemas.openxmlformats.org/presentationml/2006/main" xmlns:m="http://schemas.openxmlformats.org/officeDocument/2006/math" xmlns:a14="http://schemas.microsoft.com/office/drawing/2010/main" showMasterSp="1" showMasterPhAnim="1">
+  <p:cSld>
+    <p:spTree>
+      <p:nvGrpSpPr>
+        <p:cNvPr id="1" name=""/>
+        <p:cNvGrpSpPr/>
+        <p:nvPr/>
+      </p:nvGrpSpPr>
+      <p:grpSpPr>
+        <a:xfrm>
+          <a:off x="0" y="0"/>
+          <a:ext cx="0" cy="0"/>
+          <a:chOff x="0" y="0"/>
+          <a:chExt cx="0" cy="0"/>
+        </a:xfrm>
+      </p:grpSpPr>
+      <p:sp>
+        <p:nvSpPr>
+          <p:cNvPr id="355" name="Slide Number Placeholder 3"/>
+          <p:cNvSpPr txBox="1"/>
+          <p:nvPr>
+            <p:ph type="sldNum" sz="quarter" idx="2"/>
+          </p:nvPr>
+        </p:nvSpPr>
+        <p:spPr>
+          <a:xfrm>
+            <a:off x="8864600" y="4787109"/>
+            <a:ext cx="127000" cy="139701"/>
+          </a:xfrm>
+          <a:prstGeom prst="rect">
+            <a:avLst/>
+          </a:prstGeom>
+          <a:extLst>
+            <a:ext uri="{C572A759-6A51-4108-AA02-DFA0A04FC94B}">
+              <ma14:wrappingTextBoxFlag xmlns:ma14="http://schemas.microsoft.com/office/mac/drawingml/2011/main" val="1"/>
+            </a:ext>
+          </a:extLst>
+        </p:spPr>
+        <p:txBody>
+          <a:bodyPr/>
           <a:lstStyle/>
           <a:p>
-            <a:pPr defTabSz="457200">
-              <a:defRPr b="1" sz="1300">
-                <a:solidFill>
-                  <a:srgbClr val="000000"/>
-                </a:solidFill>
-              </a:defRPr>
-            </a:pPr>
-            <a:r>
-              <a:t># A script that takes some time: check-prime</a:t>
-            </a:r>
-          </a:p>
-          <a:p>
-            <a:pPr defTabSz="457200">
-              <a:defRPr sz="1300">
-                <a:solidFill>
-                  <a:srgbClr val="0033B3"/>
-                </a:solidFill>
-              </a:defRPr>
-            </a:pPr>
-            <a:r>
-              <a:t>import </a:t>
-            </a:r>
-            <a:r>
-              <a:rPr>
-                <a:solidFill>
-                  <a:srgbClr val="080808"/>
-                </a:solidFill>
-              </a:rPr>
-              <a:t>time</a:t>
-            </a:r>
-            <a:endParaRPr>
-              <a:solidFill>
-                <a:srgbClr val="080808"/>
-              </a:solidFill>
-            </a:endParaRPr>
-          </a:p>
-          <a:p>
-            <a:pPr defTabSz="457200">
-              <a:defRPr sz="1300">
-                <a:solidFill>
-                  <a:srgbClr val="080808"/>
-                </a:solidFill>
-              </a:defRPr>
-            </a:pPr>
-            <a:r>
-              <a:t>start_time = time.time()</a:t>
-            </a:r>
-          </a:p>
-          <a:p>
-            <a:pPr defTabSz="457200">
-              <a:defRPr sz="1300">
-                <a:solidFill>
-                  <a:srgbClr val="1750EB"/>
-                </a:solidFill>
-              </a:defRPr>
-            </a:pPr>
-            <a:r>
-              <a:rPr>
-                <a:solidFill>
-                  <a:srgbClr val="080808"/>
-                </a:solidFill>
-              </a:rPr>
-              <a:t>n = </a:t>
-            </a:r>
-            <a:r>
-              <a:t>151153234</a:t>
-            </a:r>
-          </a:p>
-          <a:p>
-            <a:pPr defTabSz="457200">
-              <a:defRPr sz="1300">
-                <a:solidFill>
-                  <a:srgbClr val="1750EB"/>
-                </a:solidFill>
-              </a:defRPr>
-            </a:pPr>
-          </a:p>
-          <a:p>
-            <a:pPr defTabSz="457200">
-              <a:defRPr sz="1300">
-                <a:solidFill>
-                  <a:srgbClr val="080808"/>
-                </a:solidFill>
-              </a:defRPr>
-            </a:pPr>
-            <a:r>
-              <a:t>is_prime = </a:t>
-            </a:r>
-            <a:r>
-              <a:rPr>
-                <a:solidFill>
-                  <a:srgbClr val="0033B3"/>
-                </a:solidFill>
-              </a:rPr>
-              <a:t>True</a:t>
-            </a:r>
-            <a:endParaRPr>
-              <a:solidFill>
-                <a:srgbClr val="0033B3"/>
-              </a:solidFill>
-            </a:endParaRPr>
-          </a:p>
-          <a:p>
-            <a:pPr defTabSz="457200">
-              <a:defRPr sz="1300">
-                <a:solidFill>
-                  <a:srgbClr val="080808"/>
-                </a:solidFill>
-              </a:defRPr>
-            </a:pPr>
-            <a:r>
-              <a:rPr>
-                <a:solidFill>
-                  <a:srgbClr val="0033B3"/>
-                </a:solidFill>
-              </a:rPr>
-              <a:t>for </a:t>
-            </a:r>
-            <a:r>
-              <a:t>i </a:t>
-            </a:r>
-            <a:r>
-              <a:rPr>
-                <a:solidFill>
-                  <a:srgbClr val="0033B3"/>
-                </a:solidFill>
-              </a:rPr>
-              <a:t>in </a:t>
-            </a:r>
-            <a:r>
-              <a:rPr>
-                <a:solidFill>
-                  <a:srgbClr val="011480"/>
-                </a:solidFill>
-              </a:rPr>
-              <a:t>range</a:t>
-            </a:r>
-            <a:r>
-              <a:t>(</a:t>
-            </a:r>
-            <a:r>
-              <a:rPr>
-                <a:solidFill>
-                  <a:srgbClr val="1750EB"/>
-                </a:solidFill>
-              </a:rPr>
-              <a:t>2</a:t>
-            </a:r>
-            <a:r>
-              <a:t>, n):</a:t>
-            </a:r>
-          </a:p>
-          <a:p>
-            <a:pPr defTabSz="457200">
-              <a:defRPr sz="1300">
-                <a:solidFill>
-                  <a:srgbClr val="080808"/>
-                </a:solidFill>
-              </a:defRPr>
-            </a:pPr>
-            <a:r>
-              <a:t>    </a:t>
-            </a:r>
-            <a:r>
-              <a:rPr>
-                <a:solidFill>
-                  <a:srgbClr val="0033B3"/>
-                </a:solidFill>
-              </a:rPr>
-              <a:t>if </a:t>
-            </a:r>
-            <a:r>
-              <a:t>n % i == </a:t>
-            </a:r>
-            <a:r>
-              <a:rPr>
-                <a:solidFill>
-                  <a:srgbClr val="1750EB"/>
-                </a:solidFill>
-              </a:rPr>
-              <a:t>0</a:t>
-            </a:r>
-            <a:r>
-              <a:t>:</a:t>
-            </a:r>
-          </a:p>
-          <a:p>
-            <a:pPr defTabSz="457200">
-              <a:defRPr sz="1300">
-                <a:solidFill>
-                  <a:srgbClr val="080808"/>
-                </a:solidFill>
-              </a:defRPr>
-            </a:pPr>
-            <a:r>
-              <a:t>        is_prime = </a:t>
-            </a:r>
-            <a:r>
-              <a:rPr>
-                <a:solidFill>
-                  <a:srgbClr val="0033B3"/>
-                </a:solidFill>
-              </a:rPr>
-              <a:t>False</a:t>
-            </a:r>
-            <a:endParaRPr i="1">
-              <a:solidFill>
-                <a:srgbClr val="8C8C8C"/>
-              </a:solidFill>
-            </a:endParaRPr>
-          </a:p>
-          <a:p>
-            <a:pPr defTabSz="457200">
-              <a:defRPr sz="1300">
-                <a:solidFill>
-                  <a:srgbClr val="0C0FFF"/>
-                </a:solidFill>
-              </a:defRPr>
-            </a:pPr>
-            <a:r>
-              <a:rPr i="1">
-                <a:solidFill>
-                  <a:srgbClr val="8C8C8C"/>
-                </a:solidFill>
-              </a:rPr>
-              <a:t>        </a:t>
-            </a:r>
-            <a:r>
-              <a:rPr i="1"/>
-              <a:t>break</a:t>
-            </a:r>
-            <a:endParaRPr i="1">
-              <a:solidFill>
-                <a:srgbClr val="8C8C8C"/>
-              </a:solidFill>
-            </a:endParaRPr>
-          </a:p>
-          <a:p>
-            <a:pPr defTabSz="457200">
-              <a:defRPr sz="1300">
-                <a:solidFill>
-                  <a:srgbClr val="080808"/>
-                </a:solidFill>
-              </a:defRPr>
-            </a:pPr>
-            <a:r>
-              <a:rPr>
-                <a:solidFill>
-                  <a:srgbClr val="0033B3"/>
-                </a:solidFill>
-              </a:rPr>
-              <a:t>if </a:t>
-            </a:r>
-            <a:r>
-              <a:t>is_prime:</a:t>
-            </a:r>
-          </a:p>
-          <a:p>
-            <a:pPr defTabSz="457200">
-              <a:defRPr sz="1300">
-                <a:solidFill>
-                  <a:srgbClr val="008080"/>
-                </a:solidFill>
-              </a:defRPr>
-            </a:pPr>
-            <a:r>
-              <a:rPr>
-                <a:solidFill>
-                  <a:srgbClr val="080808"/>
-                </a:solidFill>
-              </a:rPr>
-              <a:t>    </a:t>
-            </a:r>
-            <a:r>
-              <a:rPr>
-                <a:solidFill>
-                  <a:srgbClr val="011480"/>
-                </a:solidFill>
-              </a:rPr>
-              <a:t>print</a:t>
-            </a:r>
-            <a:r>
-              <a:rPr>
-                <a:solidFill>
-                  <a:srgbClr val="080808"/>
-                </a:solidFill>
-              </a:rPr>
-              <a:t>(</a:t>
-            </a:r>
-            <a:r>
-              <a:rPr b="1"/>
-              <a:t>"Is prime"</a:t>
-            </a:r>
-            <a:r>
-              <a:rPr>
-                <a:solidFill>
-                  <a:srgbClr val="080808"/>
-                </a:solidFill>
-              </a:rPr>
-              <a:t>)</a:t>
-            </a:r>
-            <a:endParaRPr>
-              <a:solidFill>
-                <a:srgbClr val="080808"/>
-              </a:solidFill>
-            </a:endParaRPr>
-          </a:p>
-          <a:p>
-            <a:pPr defTabSz="457200">
-              <a:defRPr sz="1300">
-                <a:solidFill>
-                  <a:srgbClr val="0033B3"/>
-                </a:solidFill>
-              </a:defRPr>
-            </a:pPr>
-            <a:r>
-              <a:t>else</a:t>
-            </a:r>
-            <a:r>
-              <a:rPr>
-                <a:solidFill>
-                  <a:srgbClr val="080808"/>
-                </a:solidFill>
-              </a:rPr>
-              <a:t>:</a:t>
-            </a:r>
-            <a:endParaRPr>
-              <a:solidFill>
-                <a:srgbClr val="080808"/>
-              </a:solidFill>
-            </a:endParaRPr>
-          </a:p>
-          <a:p>
-            <a:pPr defTabSz="457200">
-              <a:defRPr b="1" sz="1300">
-                <a:solidFill>
-                  <a:srgbClr val="008080"/>
-                </a:solidFill>
-              </a:defRPr>
-            </a:pPr>
-            <a:r>
-              <a:rPr b="0">
-                <a:solidFill>
-                  <a:srgbClr val="080808"/>
-                </a:solidFill>
-              </a:rPr>
-              <a:t>    </a:t>
-            </a:r>
-            <a:r>
-              <a:rPr b="0">
-                <a:solidFill>
-                  <a:srgbClr val="011480"/>
-                </a:solidFill>
-              </a:rPr>
-              <a:t>print</a:t>
-            </a:r>
-            <a:r>
-              <a:rPr b="0">
-                <a:solidFill>
-                  <a:srgbClr val="080808"/>
-                </a:solidFill>
-              </a:rPr>
-              <a:t>(</a:t>
-            </a:r>
-            <a:r>
-              <a:t>"Is not prime"</a:t>
-            </a:r>
-            <a:r>
-              <a:rPr b="0">
-                <a:solidFill>
-                  <a:srgbClr val="080808"/>
-                </a:solidFill>
-              </a:rPr>
-              <a:t>)</a:t>
-            </a:r>
-            <a:endParaRPr b="0">
-              <a:solidFill>
-                <a:srgbClr val="080808"/>
-              </a:solidFill>
-            </a:endParaRPr>
-          </a:p>
-          <a:p>
-            <a:pPr defTabSz="457200">
-              <a:defRPr sz="1300">
-                <a:solidFill>
-                  <a:srgbClr val="080808"/>
-                </a:solidFill>
-              </a:defRPr>
-            </a:pPr>
-          </a:p>
-          <a:p>
-            <a:pPr defTabSz="457200">
-              <a:defRPr sz="1300">
-                <a:solidFill>
-                  <a:srgbClr val="080808"/>
-                </a:solidFill>
-              </a:defRPr>
-            </a:pPr>
-            <a:r>
-              <a:rPr>
-                <a:solidFill>
-                  <a:srgbClr val="011480"/>
-                </a:solidFill>
-              </a:rPr>
-              <a:t>print</a:t>
-            </a:r>
-            <a:r>
-              <a:t>(</a:t>
-            </a:r>
-            <a:r>
-              <a:rPr b="1">
-                <a:solidFill>
-                  <a:srgbClr val="008080"/>
-                </a:solidFill>
-              </a:rPr>
-              <a:t>"--- {} seconds ---"</a:t>
-            </a:r>
-            <a:r>
-              <a:t>.format(time.time() - start_time))</a:t>
-            </a:r>
+            <a:pPr/>
+            <a:fld id="{86CB4B4D-7CA3-9044-876B-883B54F8677D}" type="slidenum"/>
           </a:p>
         </p:txBody>
       </p:sp>
       <p:sp>
         <p:nvSpPr>
-          <p:cNvPr id="357" name="Is not prime…"/>
+          <p:cNvPr id="356" name="Returning graphical objects from functions"/>
           <p:cNvSpPr txBox="1"/>
           <p:nvPr/>
         </p:nvSpPr>
         <p:spPr>
           <a:xfrm>
-            <a:off x="4442118" y="4595340"/>
-            <a:ext cx="3316346" cy="523239"/>
+            <a:off x="1244524" y="160656"/>
+            <a:ext cx="6982609" cy="535939"/>
           </a:xfrm>
           <a:prstGeom prst="rect">
             <a:avLst/>
@@ -13069,33 +12721,33 @@
           <a:bodyPr wrap="none" lIns="45718" tIns="45718" rIns="45718" bIns="45718">
             <a:spAutoFit/>
           </a:bodyPr>
-          <a:lstStyle/>
+          <a:lstStyle>
+            <a:lvl1pPr>
+              <a:defRPr sz="2900">
+                <a:solidFill>
+                  <a:srgbClr val="FFFFFF"/>
+                </a:solidFill>
+              </a:defRPr>
+            </a:lvl1pPr>
+          </a:lstStyle>
           <a:p>
             <a:pPr/>
             <a:r>
-              <a:t>Is not prime</a:t>
-            </a:r>
-          </a:p>
-          <a:p>
-            <a:pPr>
-              <a:defRPr b="1"/>
-            </a:pPr>
-            <a:r>
-              <a:t>--- 3.123283386230469e-05 seconds ---</a:t>
+              <a:t>Returning graphical objects from functions</a:t>
             </a:r>
           </a:p>
         </p:txBody>
       </p:sp>
       <p:sp>
         <p:nvSpPr>
-          <p:cNvPr id="358" name="Output:"/>
+          <p:cNvPr id="357" name="# A function to create a single graphical object and return…"/>
           <p:cNvSpPr txBox="1"/>
           <p:nvPr/>
         </p:nvSpPr>
         <p:spPr>
           <a:xfrm>
-            <a:off x="4458489" y="4348481"/>
-            <a:ext cx="745886" cy="307339"/>
+            <a:off x="669963" y="1233170"/>
+            <a:ext cx="7621194" cy="1386839"/>
           </a:xfrm>
           <a:prstGeom prst="rect">
             <a:avLst/>
@@ -13110,36 +12762,108 @@
           </a:extLst>
         </p:spPr>
         <p:txBody>
-          <a:bodyPr wrap="none" lIns="45718" tIns="45718" rIns="45718" bIns="45718">
+          <a:bodyPr lIns="45718" tIns="45718" rIns="45718" bIns="45718">
             <a:spAutoFit/>
           </a:bodyPr>
-          <a:lstStyle>
-            <a:lvl1pPr>
+          <a:lstStyle/>
+          <a:p>
+            <a:pPr>
               <a:defRPr b="1">
                 <a:solidFill>
                   <a:srgbClr val="000000"/>
                 </a:solidFill>
               </a:defRPr>
-            </a:lvl1pPr>
-          </a:lstStyle>
-          <a:p>
-            <a:pPr/>
-            <a:r>
-              <a:t>Output:</a:t>
+            </a:pPr>
+            <a:r>
+              <a:t># A function to create a single graphical object and return</a:t>
+            </a:r>
+          </a:p>
+          <a:p>
+            <a:pPr>
+              <a:defRPr>
+                <a:solidFill>
+                  <a:srgbClr val="000000"/>
+                </a:solidFill>
+              </a:defRPr>
+            </a:pPr>
+            <a:r>
+              <a:t>def setup_graphical_object(canvas):</a:t>
+            </a:r>
+          </a:p>
+          <a:p>
+            <a:pPr>
+              <a:defRPr>
+                <a:solidFill>
+                  <a:srgbClr val="000000"/>
+                </a:solidFill>
+              </a:defRPr>
+            </a:pPr>
+            <a:r>
+              <a:t>    object_x = … </a:t>
+            </a:r>
+            <a:r>
+              <a:rPr i="1"/>
+              <a:t>&lt;some expression to compute x&gt;</a:t>
+            </a:r>
+            <a:r>
+              <a:t> …</a:t>
+            </a:r>
+          </a:p>
+          <a:p>
+            <a:pPr>
+              <a:defRPr>
+                <a:solidFill>
+                  <a:srgbClr val="000000"/>
+                </a:solidFill>
+              </a:defRPr>
+            </a:pPr>
+            <a:r>
+              <a:t>    object_y = … </a:t>
+            </a:r>
+            <a:r>
+              <a:rPr i="1"/>
+              <a:t>&lt;some expression to compute y&gt;</a:t>
+            </a:r>
+            <a:r>
+              <a:t> … </a:t>
+            </a:r>
+          </a:p>
+          <a:p>
+            <a:pPr>
+              <a:defRPr>
+                <a:solidFill>
+                  <a:srgbClr val="000000"/>
+                </a:solidFill>
+              </a:defRPr>
+            </a:pPr>
+            <a:r>
+              <a:t>    my_object = canvas.create_….(object_x, object_y, object_x+SIZE, object_y+SIZE)</a:t>
+            </a:r>
+          </a:p>
+          <a:p>
+            <a:pPr>
+              <a:defRPr>
+                <a:solidFill>
+                  <a:srgbClr val="000000"/>
+                </a:solidFill>
+              </a:defRPr>
+            </a:pPr>
+            <a:r>
+              <a:t>    return my_object</a:t>
             </a:r>
           </a:p>
         </p:txBody>
       </p:sp>
       <p:sp>
         <p:nvSpPr>
-          <p:cNvPr id="359" name="We add a break statement"/>
+          <p:cNvPr id="358" name="# A function to create multiple graphical objects, put those in a list and return the list of objects…"/>
           <p:cNvSpPr txBox="1"/>
           <p:nvPr/>
         </p:nvSpPr>
         <p:spPr>
           <a:xfrm>
-            <a:off x="6896889" y="2640331"/>
-            <a:ext cx="1703883" cy="574039"/>
+            <a:off x="659602" y="2994342"/>
+            <a:ext cx="8152454" cy="1818639"/>
           </a:xfrm>
           <a:prstGeom prst="rect">
             <a:avLst/>
@@ -13154,59 +12878,119 @@
           </a:extLst>
         </p:spPr>
         <p:txBody>
-          <a:bodyPr lIns="45718" tIns="45718" rIns="45718" bIns="45718">
+          <a:bodyPr wrap="none" lIns="45718" tIns="45718" rIns="45718" bIns="45718">
             <a:spAutoFit/>
           </a:bodyPr>
-          <a:lstStyle>
-            <a:lvl1pPr>
-              <a:defRPr b="1" sz="1600">
-                <a:solidFill>
-                  <a:srgbClr val="F61DFB"/>
-                </a:solidFill>
-              </a:defRPr>
-            </a:lvl1pPr>
-          </a:lstStyle>
-          <a:p>
-            <a:pPr/>
-            <a:r>
-              <a:t>We add a break statement</a:t>
-            </a:r>
-          </a:p>
-        </p:txBody>
-      </p:sp>
-      <p:sp>
-        <p:nvSpPr>
-          <p:cNvPr id="360" name="Line"/>
-          <p:cNvSpPr/>
-          <p:nvPr/>
-        </p:nvSpPr>
-        <p:spPr>
-          <a:xfrm flipH="1">
-            <a:off x="5400040" y="2947201"/>
-            <a:ext cx="1446092" cy="1"/>
-          </a:xfrm>
-          <a:prstGeom prst="line">
-            <a:avLst/>
-          </a:prstGeom>
-          <a:ln w="25400">
-            <a:solidFill>
-              <a:srgbClr val="F20FF0"/>
-            </a:solidFill>
-            <a:tailEnd type="triangle"/>
-          </a:ln>
-          <a:effectLst>
-            <a:outerShdw sx="100000" sy="100000" kx="0" ky="0" algn="b" rotWithShape="0" blurRad="38100" dist="23000" dir="5400000">
-              <a:srgbClr val="000000">
-                <a:alpha val="35000"/>
-              </a:srgbClr>
-            </a:outerShdw>
-          </a:effectLst>
-        </p:spPr>
-        <p:txBody>
-          <a:bodyPr lIns="45718" tIns="45718" rIns="45718" bIns="45718"/>
           <a:lstStyle/>
           <a:p>
-            <a:pPr/>
+            <a:pPr>
+              <a:defRPr b="1">
+                <a:solidFill>
+                  <a:srgbClr val="000000"/>
+                </a:solidFill>
+              </a:defRPr>
+            </a:pPr>
+            <a:r>
+              <a:t># A function to create multiple graphical objects, put those in a list and return the list of objects</a:t>
+            </a:r>
+          </a:p>
+          <a:p>
+            <a:pPr>
+              <a:defRPr>
+                <a:solidFill>
+                  <a:srgbClr val="000000"/>
+                </a:solidFill>
+              </a:defRPr>
+            </a:pPr>
+            <a:r>
+              <a:t>def setup_graphical_objects(canvas):</a:t>
+            </a:r>
+          </a:p>
+          <a:p>
+            <a:pPr>
+              <a:defRPr>
+                <a:solidFill>
+                  <a:srgbClr val="000000"/>
+                </a:solidFill>
+              </a:defRPr>
+            </a:pPr>
+            <a:r>
+              <a:t>    objects_list = []</a:t>
+            </a:r>
+          </a:p>
+          <a:p>
+            <a:pPr>
+              <a:defRPr>
+                <a:solidFill>
+                  <a:srgbClr val="000000"/>
+                </a:solidFill>
+              </a:defRPr>
+            </a:pPr>
+            <a:r>
+              <a:t>    for i in range(NUM_OBJECTS):</a:t>
+            </a:r>
+          </a:p>
+          <a:p>
+            <a:pPr>
+              <a:defRPr>
+                <a:solidFill>
+                  <a:srgbClr val="000000"/>
+                </a:solidFill>
+              </a:defRPr>
+            </a:pPr>
+            <a:r>
+              <a:t>        object_x = … </a:t>
+            </a:r>
+            <a:r>
+              <a:rPr i="1"/>
+              <a:t>&lt;some expression to compute x&gt;</a:t>
+            </a:r>
+            <a:r>
+              <a:t> …</a:t>
+            </a:r>
+          </a:p>
+          <a:p>
+            <a:pPr>
+              <a:defRPr>
+                <a:solidFill>
+                  <a:srgbClr val="000000"/>
+                </a:solidFill>
+              </a:defRPr>
+            </a:pPr>
+            <a:r>
+              <a:t>        object_y = … </a:t>
+            </a:r>
+            <a:r>
+              <a:rPr i="1"/>
+              <a:t>&lt;some expression to compute y&gt;</a:t>
+            </a:r>
+            <a:r>
+              <a:t> …</a:t>
+            </a:r>
+          </a:p>
+          <a:p>
+            <a:pPr>
+              <a:defRPr>
+                <a:solidFill>
+                  <a:srgbClr val="000000"/>
+                </a:solidFill>
+              </a:defRPr>
+            </a:pPr>
+            <a:r>
+              <a:t>        objects_list.append(canvas.create_….(object_x, object_y, object_x+SIZE, object_y+SIZE))</a:t>
+            </a:r>
+          </a:p>
+          <a:p>
+            <a:pPr>
+              <a:defRPr>
+                <a:solidFill>
+                  <a:srgbClr val="000000"/>
+                </a:solidFill>
+              </a:defRPr>
+            </a:pPr>
+            <a:r>
+              <a:t>    return objects_list</a:t>
+            </a:r>
           </a:p>
         </p:txBody>
       </p:sp>
@@ -13265,41 +13049,6 @@
                             </p:childTnLst>
                           </p:cTn>
                         </p:par>
-                        <p:par>
-                          <p:cTn id="7" fill="hold">
-                            <p:stCondLst>
-                              <p:cond delay="0"/>
-                            </p:stCondLst>
-                            <p:childTnLst>
-                              <p:par>
-                                <p:cTn id="8" presetClass="entr" nodeType="afterEffect" presetSubtype="0" presetID="1" grpId="2" fill="hold">
-                                  <p:stCondLst>
-                                    <p:cond delay="0"/>
-                                  </p:stCondLst>
-                                  <p:iterate type="el" backwards="0">
-                                    <p:tmAbs val="0"/>
-                                  </p:iterate>
-                                  <p:childTnLst>
-                                    <p:set>
-                                      <p:cBhvr>
-                                        <p:cTn id="9" fill="hold"/>
-                                        <p:tgtEl>
-                                          <p:spTgt spid="357"/>
-                                        </p:tgtEl>
-                                        <p:attrNameLst>
-                                          <p:attrName>style.visibility</p:attrName>
-                                        </p:attrNameLst>
-                                      </p:cBhvr>
-                                      <p:to>
-                                        <p:strVal val="visible"/>
-                                      </p:to>
-                                    </p:set>
-                                  </p:childTnLst>
-                                </p:cTn>
-                              </p:par>
-                            </p:childTnLst>
-                          </p:cTn>
-                        </p:par>
                       </p:childTnLst>
                     </p:cTn>
                   </p:par>
@@ -13325,14 +13074,13 @@
       </p:par>
     </p:tnLst>
     <p:bldLst>
-      <p:bldP build="whole" bldLvl="1" animBg="1" rev="0" advAuto="0" spid="357" grpId="2"/>
       <p:bldP build="whole" bldLvl="1" animBg="1" rev="0" advAuto="0" spid="358" grpId="1"/>
     </p:bldLst>
   </p:timing>
 </p:sld>
 </file>
 
-<file path=ppt/slides/slide5.xml><?xml version="1.0" encoding="utf-8"?>
+<file path=ppt/slides/slide6.xml><?xml version="1.0" encoding="utf-8"?>
 <p:sld xmlns:a="http://schemas.openxmlformats.org/drawingml/2006/main" xmlns:r="http://schemas.openxmlformats.org/officeDocument/2006/relationships" xmlns:p="http://schemas.openxmlformats.org/presentationml/2006/main" xmlns:m="http://schemas.openxmlformats.org/officeDocument/2006/math" xmlns:a14="http://schemas.microsoft.com/office/drawing/2010/main" showMasterSp="1" showMasterPhAnim="1">
   <p:cSld>
     <p:spTree>
@@ -13351,7 +13099,7 @@
       </p:grpSpPr>
       <p:sp>
         <p:nvSpPr>
-          <p:cNvPr id="362" name="Slide Number Placeholder 3"/>
+          <p:cNvPr id="360" name="Slide Number Placeholder 3"/>
           <p:cNvSpPr txBox="1"/>
           <p:nvPr>
             <p:ph type="sldNum" sz="quarter" idx="2"/>
@@ -13382,14 +13130,14 @@
       </p:sp>
       <p:sp>
         <p:nvSpPr>
-          <p:cNvPr id="363" name="Breaking an infinite loop"/>
+          <p:cNvPr id="361" name="Returning multiple values from functions"/>
           <p:cNvSpPr txBox="1"/>
           <p:nvPr/>
         </p:nvSpPr>
         <p:spPr>
           <a:xfrm>
-            <a:off x="2554345" y="145572"/>
-            <a:ext cx="4035310" cy="535939"/>
+            <a:off x="1244524" y="160656"/>
+            <a:ext cx="6654772" cy="535939"/>
           </a:xfrm>
           <a:prstGeom prst="rect">
             <a:avLst/>
@@ -13419,897 +13167,234 @@
           <a:p>
             <a:pPr/>
             <a:r>
-              <a:t>Breaking an infinite loop</a:t>
-            </a:r>
+              <a:t>Returning multiple values from functions</a:t>
+            </a:r>
+          </a:p>
+        </p:txBody>
+      </p:sp>
+      <p:pic>
+        <p:nvPicPr>
+          <p:cNvPr id="362" name="Google Shape;80;p17" descr="Google Shape;80;p17"/>
+          <p:cNvPicPr>
+            <a:picLocks noChangeAspect="1"/>
+          </p:cNvPicPr>
+          <p:nvPr/>
+        </p:nvPicPr>
+        <p:blipFill>
+          <a:blip r:embed="rId2">
+            <a:extLst/>
+          </a:blip>
+          <a:stretch>
+            <a:fillRect/>
+          </a:stretch>
+        </p:blipFill>
+        <p:spPr>
+          <a:xfrm>
+            <a:off x="2132409" y="1273413"/>
+            <a:ext cx="4879182" cy="2921795"/>
+          </a:xfrm>
+          <a:prstGeom prst="rect">
+            <a:avLst/>
+          </a:prstGeom>
+          <a:ln w="12700">
+            <a:miter lim="400000"/>
+          </a:ln>
+        </p:spPr>
+      </p:pic>
+      <p:sp>
+        <p:nvSpPr>
+          <p:cNvPr id="363" name="Google Shape;81;p17"/>
+          <p:cNvSpPr/>
+          <p:nvPr/>
+        </p:nvSpPr>
+        <p:spPr>
+          <a:xfrm>
+            <a:off x="3325350" y="2702815"/>
+            <a:ext cx="2053952" cy="367801"/>
+          </a:xfrm>
+          <a:prstGeom prst="roundRect">
+            <a:avLst>
+              <a:gd name="adj" fmla="val 16667"/>
+            </a:avLst>
+          </a:prstGeom>
+          <a:ln w="38100">
+            <a:solidFill>
+              <a:srgbClr val="FF9900"/>
+            </a:solidFill>
+          </a:ln>
+        </p:spPr>
+        <p:txBody>
+          <a:bodyPr lIns="0" tIns="0" rIns="0" bIns="0" anchor="ctr"/>
+          <a:lstStyle/>
+          <a:p>
+            <a:pPr>
+              <a:defRPr>
+                <a:solidFill>
+                  <a:srgbClr val="000000"/>
+                </a:solidFill>
+                <a:latin typeface="+mn-lt"/>
+                <a:ea typeface="+mn-ea"/>
+                <a:cs typeface="+mn-cs"/>
+                <a:sym typeface="Arial"/>
+              </a:defRPr>
+            </a:pPr>
           </a:p>
         </p:txBody>
       </p:sp>
       <p:sp>
         <p:nvSpPr>
-          <p:cNvPr id="364" name="user_ints= []…"/>
-          <p:cNvSpPr txBox="1"/>
+          <p:cNvPr id="364" name="Google Shape;82;p17"/>
+          <p:cNvSpPr/>
           <p:nvPr/>
         </p:nvSpPr>
         <p:spPr>
           <a:xfrm>
-            <a:off x="415292" y="1520190"/>
-            <a:ext cx="3091176" cy="1513839"/>
+            <a:off x="2503581" y="3938575"/>
+            <a:ext cx="4612555" cy="376801"/>
           </a:xfrm>
-          <a:prstGeom prst="rect">
-            <a:avLst/>
-          </a:prstGeom>
-          <a:ln w="12700">
-            <a:miter lim="400000"/>
+          <a:prstGeom prst="roundRect">
+            <a:avLst>
+              <a:gd name="adj" fmla="val 16667"/>
+            </a:avLst>
+          </a:prstGeom>
+          <a:ln w="38100">
+            <a:solidFill>
+              <a:srgbClr val="FF9900"/>
+            </a:solidFill>
           </a:ln>
-          <a:extLst>
-            <a:ext uri="{C572A759-6A51-4108-AA02-DFA0A04FC94B}">
-              <ma14:wrappingTextBoxFlag xmlns:ma14="http://schemas.microsoft.com/office/mac/drawingml/2011/main" val="1"/>
-            </a:ext>
-          </a:extLst>
         </p:spPr>
         <p:txBody>
-          <a:bodyPr wrap="none" lIns="45718" tIns="45718" rIns="45718" bIns="45718">
-            <a:spAutoFit/>
-          </a:bodyPr>
+          <a:bodyPr lIns="0" tIns="0" rIns="0" bIns="0" anchor="ctr"/>
           <a:lstStyle/>
           <a:p>
-            <a:pPr defTabSz="457200">
-              <a:defRPr sz="1300">
-                <a:solidFill>
-                  <a:srgbClr val="080808"/>
-                </a:solidFill>
+            <a:pPr>
+              <a:defRPr>
+                <a:solidFill>
+                  <a:srgbClr val="000000"/>
+                </a:solidFill>
+                <a:latin typeface="+mn-lt"/>
+                <a:ea typeface="+mn-ea"/>
+                <a:cs typeface="+mn-cs"/>
+                <a:sym typeface="Arial"/>
               </a:defRPr>
             </a:pPr>
-            <a:r>
-              <a:t>user_ints= []</a:t>
-            </a:r>
-          </a:p>
-          <a:p>
-            <a:pPr defTabSz="457200">
-              <a:defRPr b="1" sz="1300">
-                <a:solidFill>
-                  <a:srgbClr val="008080"/>
-                </a:solidFill>
-              </a:defRPr>
-            </a:pPr>
-            <a:r>
-              <a:rPr b="0">
-                <a:solidFill>
-                  <a:srgbClr val="080808"/>
-                </a:solidFill>
-              </a:rPr>
-              <a:t>value = </a:t>
-            </a:r>
-            <a:r>
-              <a:rPr b="0">
-                <a:solidFill>
-                  <a:srgbClr val="011480"/>
-                </a:solidFill>
-              </a:rPr>
-              <a:t>int</a:t>
-            </a:r>
-            <a:r>
-              <a:rPr b="0">
-                <a:solidFill>
-                  <a:srgbClr val="080808"/>
-                </a:solidFill>
-              </a:rPr>
-              <a:t>(</a:t>
-            </a:r>
-            <a:r>
-              <a:rPr b="0">
-                <a:solidFill>
-                  <a:srgbClr val="011480"/>
-                </a:solidFill>
-              </a:rPr>
-              <a:t>input</a:t>
-            </a:r>
-            <a:r>
-              <a:rPr b="0">
-                <a:solidFill>
-                  <a:srgbClr val="080808"/>
-                </a:solidFill>
-              </a:rPr>
-              <a:t>(</a:t>
-            </a:r>
-            <a:r>
-              <a:t>"Enter an integer:"</a:t>
-            </a:r>
-            <a:r>
-              <a:rPr b="0">
-                <a:solidFill>
-                  <a:srgbClr val="080808"/>
-                </a:solidFill>
-              </a:rPr>
-              <a:t>))</a:t>
-            </a:r>
-            <a:endParaRPr b="0">
-              <a:solidFill>
-                <a:srgbClr val="080808"/>
-              </a:solidFill>
-            </a:endParaRPr>
-          </a:p>
-          <a:p>
-            <a:pPr defTabSz="457200">
-              <a:defRPr sz="1300">
-                <a:solidFill>
-                  <a:srgbClr val="080808"/>
-                </a:solidFill>
-              </a:defRPr>
-            </a:pPr>
-            <a:r>
-              <a:rPr>
-                <a:solidFill>
-                  <a:srgbClr val="0033B3"/>
-                </a:solidFill>
-              </a:rPr>
-              <a:t>while </a:t>
-            </a:r>
-            <a:r>
-              <a:t>value &gt; </a:t>
-            </a:r>
-            <a:r>
-              <a:rPr>
-                <a:solidFill>
-                  <a:srgbClr val="1750EB"/>
-                </a:solidFill>
-              </a:rPr>
-              <a:t>0</a:t>
-            </a:r>
-            <a:r>
-              <a:t>:</a:t>
-            </a:r>
-          </a:p>
-          <a:p>
-            <a:pPr defTabSz="457200">
-              <a:defRPr sz="1300">
-                <a:solidFill>
-                  <a:srgbClr val="080808"/>
-                </a:solidFill>
-              </a:defRPr>
-            </a:pPr>
-            <a:r>
-              <a:t>    user_ints.append(value)</a:t>
-            </a:r>
-          </a:p>
-          <a:p>
-            <a:pPr defTabSz="457200">
-              <a:defRPr sz="1300">
-                <a:solidFill>
-                  <a:srgbClr val="008080"/>
-                </a:solidFill>
-              </a:defRPr>
-            </a:pPr>
-            <a:r>
-              <a:rPr>
-                <a:solidFill>
-                  <a:srgbClr val="080808"/>
-                </a:solidFill>
-              </a:rPr>
-              <a:t>    value = </a:t>
-            </a:r>
-            <a:r>
-              <a:rPr>
-                <a:solidFill>
-                  <a:srgbClr val="011480"/>
-                </a:solidFill>
-              </a:rPr>
-              <a:t>int</a:t>
-            </a:r>
-            <a:r>
-              <a:rPr>
-                <a:solidFill>
-                  <a:srgbClr val="080808"/>
-                </a:solidFill>
-              </a:rPr>
-              <a:t>(</a:t>
-            </a:r>
-            <a:r>
-              <a:rPr>
-                <a:solidFill>
-                  <a:srgbClr val="011480"/>
-                </a:solidFill>
-              </a:rPr>
-              <a:t>input</a:t>
-            </a:r>
-            <a:r>
-              <a:rPr>
-                <a:solidFill>
-                  <a:srgbClr val="080808"/>
-                </a:solidFill>
-              </a:rPr>
-              <a:t>(</a:t>
-            </a:r>
-            <a:r>
-              <a:rPr b="1"/>
-              <a:t>"Enter an integer:"</a:t>
-            </a:r>
-            <a:r>
-              <a:rPr>
-                <a:solidFill>
-                  <a:srgbClr val="080808"/>
-                </a:solidFill>
-              </a:rPr>
-              <a:t>))</a:t>
-            </a:r>
-            <a:endParaRPr>
-              <a:solidFill>
-                <a:srgbClr val="080808"/>
-              </a:solidFill>
-            </a:endParaRPr>
-          </a:p>
-          <a:p>
-            <a:pPr defTabSz="457200">
-              <a:defRPr sz="1300">
-                <a:solidFill>
-                  <a:srgbClr val="008080"/>
-                </a:solidFill>
-              </a:defRPr>
-            </a:pPr>
-            <a:r>
-              <a:rPr>
-                <a:solidFill>
-                  <a:srgbClr val="011480"/>
-                </a:solidFill>
-              </a:rPr>
-              <a:t>print</a:t>
-            </a:r>
-            <a:r>
-              <a:rPr>
-                <a:solidFill>
-                  <a:srgbClr val="080808"/>
-                </a:solidFill>
-              </a:rPr>
-              <a:t>(</a:t>
-            </a:r>
-            <a:r>
-              <a:rPr b="1"/>
-              <a:t>"Your inputs:" </a:t>
-            </a:r>
-            <a:r>
-              <a:rPr>
-                <a:solidFill>
-                  <a:srgbClr val="080808"/>
-                </a:solidFill>
-              </a:rPr>
-              <a:t>+ </a:t>
-            </a:r>
-            <a:r>
-              <a:rPr>
-                <a:solidFill>
-                  <a:srgbClr val="011480"/>
-                </a:solidFill>
-              </a:rPr>
-              <a:t>str</a:t>
-            </a:r>
-            <a:r>
-              <a:rPr>
-                <a:solidFill>
-                  <a:srgbClr val="080808"/>
-                </a:solidFill>
-              </a:rPr>
-              <a:t>(user_ints))</a:t>
-            </a:r>
-            <a:endParaRPr>
-              <a:solidFill>
-                <a:srgbClr val="080808"/>
-              </a:solidFill>
-            </a:endParaRPr>
           </a:p>
         </p:txBody>
       </p:sp>
       <p:sp>
         <p:nvSpPr>
-          <p:cNvPr id="365" name="user_ints= []…"/>
-          <p:cNvSpPr txBox="1"/>
+          <p:cNvPr id="365" name="Google Shape;83;p17"/>
+          <p:cNvSpPr/>
           <p:nvPr/>
         </p:nvSpPr>
         <p:spPr>
-          <a:xfrm>
-            <a:off x="4915689" y="1433831"/>
-            <a:ext cx="4035310" cy="1920239"/>
+          <a:xfrm flipH="1">
+            <a:off x="3123114" y="2981004"/>
+            <a:ext cx="490869" cy="981440"/>
           </a:xfrm>
-          <a:prstGeom prst="rect">
-            <a:avLst/>
-          </a:prstGeom>
-          <a:ln w="12700">
-            <a:miter lim="400000"/>
+          <a:prstGeom prst="line">
+            <a:avLst/>
+          </a:prstGeom>
+          <a:ln w="38100">
+            <a:solidFill>
+              <a:srgbClr val="FF9900"/>
+            </a:solidFill>
+            <a:tailEnd type="triangle"/>
           </a:ln>
-          <a:extLst>
-            <a:ext uri="{C572A759-6A51-4108-AA02-DFA0A04FC94B}">
-              <ma14:wrappingTextBoxFlag xmlns:ma14="http://schemas.microsoft.com/office/mac/drawingml/2011/main" val="1"/>
-            </a:ext>
-          </a:extLst>
         </p:spPr>
         <p:txBody>
-          <a:bodyPr lIns="45718" tIns="45718" rIns="45718" bIns="45718">
-            <a:spAutoFit/>
-          </a:bodyPr>
+          <a:bodyPr lIns="0" tIns="0" rIns="0" bIns="0"/>
           <a:lstStyle/>
           <a:p>
-            <a:pPr defTabSz="457200">
-              <a:defRPr sz="1300">
-                <a:solidFill>
-                  <a:srgbClr val="080808"/>
-                </a:solidFill>
+            <a:pPr>
+              <a:defRPr>
+                <a:solidFill>
+                  <a:srgbClr val="000000"/>
+                </a:solidFill>
+                <a:latin typeface="+mn-lt"/>
+                <a:ea typeface="+mn-ea"/>
+                <a:cs typeface="+mn-cs"/>
+                <a:sym typeface="Arial"/>
               </a:defRPr>
             </a:pPr>
-            <a:r>
-              <a:t>user_ints= []</a:t>
-            </a:r>
-          </a:p>
-          <a:p>
-            <a:pPr defTabSz="457200">
-              <a:defRPr sz="1300">
-                <a:solidFill>
-                  <a:srgbClr val="0033B3"/>
-                </a:solidFill>
-              </a:defRPr>
-            </a:pPr>
-            <a:r>
-              <a:t>while True</a:t>
-            </a:r>
-            <a:r>
-              <a:rPr>
-                <a:solidFill>
-                  <a:srgbClr val="080808"/>
-                </a:solidFill>
-              </a:rPr>
-              <a:t>:</a:t>
-            </a:r>
-            <a:endParaRPr>
-              <a:solidFill>
-                <a:srgbClr val="080808"/>
-              </a:solidFill>
-            </a:endParaRPr>
-          </a:p>
-          <a:p>
-            <a:pPr defTabSz="457200">
-              <a:defRPr sz="1300">
-                <a:solidFill>
-                  <a:srgbClr val="008080"/>
-                </a:solidFill>
-              </a:defRPr>
-            </a:pPr>
-            <a:r>
-              <a:rPr>
-                <a:solidFill>
-                  <a:srgbClr val="080808"/>
-                </a:solidFill>
-              </a:rPr>
-              <a:t>    value = </a:t>
-            </a:r>
-            <a:r>
-              <a:rPr>
-                <a:solidFill>
-                  <a:srgbClr val="011480"/>
-                </a:solidFill>
-              </a:rPr>
-              <a:t>int</a:t>
-            </a:r>
-            <a:r>
-              <a:rPr>
-                <a:solidFill>
-                  <a:srgbClr val="080808"/>
-                </a:solidFill>
-              </a:rPr>
-              <a:t>(</a:t>
-            </a:r>
-            <a:r>
-              <a:rPr>
-                <a:solidFill>
-                  <a:srgbClr val="011480"/>
-                </a:solidFill>
-              </a:rPr>
-              <a:t>input</a:t>
-            </a:r>
-            <a:r>
-              <a:rPr>
-                <a:solidFill>
-                  <a:srgbClr val="080808"/>
-                </a:solidFill>
-              </a:rPr>
-              <a:t>(</a:t>
-            </a:r>
-            <a:r>
-              <a:rPr b="1"/>
-              <a:t>"Enter an integer:"</a:t>
-            </a:r>
-            <a:r>
-              <a:rPr>
-                <a:solidFill>
-                  <a:srgbClr val="080808"/>
-                </a:solidFill>
-              </a:rPr>
-              <a:t>))</a:t>
-            </a:r>
-            <a:endParaRPr>
-              <a:solidFill>
-                <a:srgbClr val="080808"/>
-              </a:solidFill>
-            </a:endParaRPr>
-          </a:p>
-          <a:p>
-            <a:pPr defTabSz="457200">
-              <a:defRPr sz="1300">
-                <a:solidFill>
-                  <a:srgbClr val="080808"/>
-                </a:solidFill>
-              </a:defRPr>
-            </a:pPr>
-            <a:r>
-              <a:t>    </a:t>
-            </a:r>
-            <a:r>
-              <a:rPr>
-                <a:solidFill>
-                  <a:srgbClr val="0033B3"/>
-                </a:solidFill>
-              </a:rPr>
-              <a:t>if </a:t>
-            </a:r>
-            <a:r>
-              <a:t>value &gt; </a:t>
-            </a:r>
-            <a:r>
-              <a:rPr>
-                <a:solidFill>
-                  <a:srgbClr val="1750EB"/>
-                </a:solidFill>
-              </a:rPr>
-              <a:t>0</a:t>
-            </a:r>
-            <a:r>
-              <a:t>:</a:t>
-            </a:r>
-          </a:p>
-          <a:p>
-            <a:pPr defTabSz="457200">
-              <a:defRPr sz="1300">
-                <a:solidFill>
-                  <a:srgbClr val="080808"/>
-                </a:solidFill>
-              </a:defRPr>
-            </a:pPr>
-            <a:r>
-              <a:t>        user_ints.append(value)</a:t>
-            </a:r>
-          </a:p>
-          <a:p>
-            <a:pPr defTabSz="457200">
-              <a:defRPr sz="1300">
-                <a:solidFill>
-                  <a:srgbClr val="080808"/>
-                </a:solidFill>
-              </a:defRPr>
-            </a:pPr>
-            <a:r>
-              <a:t>    </a:t>
-            </a:r>
-            <a:r>
-              <a:rPr>
-                <a:solidFill>
-                  <a:srgbClr val="0033B3"/>
-                </a:solidFill>
-              </a:rPr>
-              <a:t>else</a:t>
-            </a:r>
-            <a:r>
-              <a:t>:</a:t>
-            </a:r>
-          </a:p>
-          <a:p>
-            <a:pPr defTabSz="457200">
-              <a:defRPr sz="1300">
-                <a:solidFill>
-                  <a:srgbClr val="080808"/>
-                </a:solidFill>
-              </a:defRPr>
-            </a:pPr>
-            <a:r>
-              <a:t>        </a:t>
-            </a:r>
-            <a:r>
-              <a:rPr>
-                <a:solidFill>
-                  <a:srgbClr val="0033B3"/>
-                </a:solidFill>
-              </a:rPr>
-              <a:t>break</a:t>
-            </a:r>
-            <a:endParaRPr>
-              <a:solidFill>
-                <a:srgbClr val="0033B3"/>
-              </a:solidFill>
-            </a:endParaRPr>
-          </a:p>
-          <a:p>
-            <a:pPr defTabSz="457200">
-              <a:defRPr sz="1300">
-                <a:solidFill>
-                  <a:srgbClr val="008080"/>
-                </a:solidFill>
-              </a:defRPr>
-            </a:pPr>
-            <a:r>
-              <a:rPr>
-                <a:solidFill>
-                  <a:srgbClr val="011480"/>
-                </a:solidFill>
-              </a:rPr>
-              <a:t>print</a:t>
-            </a:r>
-            <a:r>
-              <a:rPr>
-                <a:solidFill>
-                  <a:srgbClr val="080808"/>
-                </a:solidFill>
-              </a:rPr>
-              <a:t>(</a:t>
-            </a:r>
-            <a:r>
-              <a:rPr b="1"/>
-              <a:t>"Your inputs:" </a:t>
-            </a:r>
-            <a:r>
-              <a:rPr>
-                <a:solidFill>
-                  <a:srgbClr val="080808"/>
-                </a:solidFill>
-              </a:rPr>
-              <a:t>+ </a:t>
-            </a:r>
-            <a:r>
-              <a:rPr>
-                <a:solidFill>
-                  <a:srgbClr val="011480"/>
-                </a:solidFill>
-              </a:rPr>
-              <a:t>str</a:t>
-            </a:r>
-            <a:r>
-              <a:rPr>
-                <a:solidFill>
-                  <a:srgbClr val="080808"/>
-                </a:solidFill>
-              </a:rPr>
-              <a:t>(user_ints))</a:t>
-            </a:r>
-            <a:endParaRPr>
-              <a:solidFill>
-                <a:srgbClr val="080808"/>
-              </a:solidFill>
-            </a:endParaRPr>
           </a:p>
         </p:txBody>
       </p:sp>
       <p:sp>
         <p:nvSpPr>
-          <p:cNvPr id="366" name="Reading positive integers from a user:"/>
-          <p:cNvSpPr txBox="1"/>
+          <p:cNvPr id="366" name="Google Shape;84;p17"/>
+          <p:cNvSpPr/>
           <p:nvPr/>
         </p:nvSpPr>
         <p:spPr>
-          <a:xfrm>
-            <a:off x="374169" y="1087915"/>
-            <a:ext cx="4039254" cy="345439"/>
+          <a:xfrm flipH="1">
+            <a:off x="4069944" y="2986650"/>
+            <a:ext cx="170738" cy="964644"/>
           </a:xfrm>
-          <a:prstGeom prst="rect">
-            <a:avLst/>
-          </a:prstGeom>
-          <a:ln w="12700">
-            <a:miter lim="400000"/>
+          <a:prstGeom prst="line">
+            <a:avLst/>
+          </a:prstGeom>
+          <a:ln w="38100">
+            <a:solidFill>
+              <a:srgbClr val="FF9900"/>
+            </a:solidFill>
+            <a:tailEnd type="triangle"/>
           </a:ln>
-          <a:extLst>
-            <a:ext uri="{C572A759-6A51-4108-AA02-DFA0A04FC94B}">
-              <ma14:wrappingTextBoxFlag xmlns:ma14="http://schemas.microsoft.com/office/mac/drawingml/2011/main" val="1"/>
-            </a:ext>
-          </a:extLst>
         </p:spPr>
         <p:txBody>
-          <a:bodyPr wrap="none" lIns="45718" tIns="45718" rIns="45718" bIns="45718">
-            <a:spAutoFit/>
-          </a:bodyPr>
-          <a:lstStyle>
-            <a:lvl1pPr>
-              <a:defRPr b="1" sz="1700">
+          <a:bodyPr lIns="0" tIns="0" rIns="0" bIns="0"/>
+          <a:lstStyle/>
+          <a:p>
+            <a:pPr>
+              <a:defRPr>
                 <a:solidFill>
                   <a:srgbClr val="000000"/>
                 </a:solidFill>
-              </a:defRPr>
-            </a:lvl1pPr>
-          </a:lstStyle>
-          <a:p>
-            <a:pPr/>
-            <a:r>
-              <a:t>Reading positive integers from a user:</a:t>
-            </a:r>
+                <a:latin typeface="+mn-lt"/>
+                <a:ea typeface="+mn-ea"/>
+                <a:cs typeface="+mn-cs"/>
+                <a:sym typeface="Arial"/>
+              </a:defRPr>
+            </a:pPr>
           </a:p>
         </p:txBody>
       </p:sp>
       <p:sp>
         <p:nvSpPr>
-          <p:cNvPr id="367" name="Enter an integer:1…"/>
-          <p:cNvSpPr txBox="1"/>
+          <p:cNvPr id="367" name="Google Shape;85;p17"/>
+          <p:cNvSpPr/>
           <p:nvPr/>
         </p:nvSpPr>
         <p:spPr>
           <a:xfrm>
-            <a:off x="1146042" y="3300731"/>
-            <a:ext cx="1629676" cy="1386838"/>
+            <a:off x="5044426" y="3037099"/>
+            <a:ext cx="1" cy="860426"/>
           </a:xfrm>
-          <a:prstGeom prst="rect">
-            <a:avLst/>
-          </a:prstGeom>
-          <a:ln w="12700">
-            <a:miter lim="400000"/>
+          <a:prstGeom prst="line">
+            <a:avLst/>
+          </a:prstGeom>
+          <a:ln w="38100">
+            <a:solidFill>
+              <a:srgbClr val="FF9900"/>
+            </a:solidFill>
+            <a:tailEnd type="triangle"/>
           </a:ln>
-          <a:extLst>
-            <a:ext uri="{C572A759-6A51-4108-AA02-DFA0A04FC94B}">
-              <ma14:wrappingTextBoxFlag xmlns:ma14="http://schemas.microsoft.com/office/mac/drawingml/2011/main" val="1"/>
-            </a:ext>
-          </a:extLst>
         </p:spPr>
         <p:txBody>
-          <a:bodyPr wrap="none" lIns="45718" tIns="45718" rIns="45718" bIns="45718">
-            <a:spAutoFit/>
-          </a:bodyPr>
+          <a:bodyPr lIns="0" tIns="0" rIns="0" bIns="0"/>
           <a:lstStyle/>
           <a:p>
-            <a:pPr/>
-            <a:r>
-              <a:t>Enter an integer:</a:t>
-            </a:r>
-            <a:r>
-              <a:rPr b="1">
-                <a:solidFill>
-                  <a:srgbClr val="0002FF"/>
-                </a:solidFill>
-              </a:rPr>
-              <a:t>1</a:t>
-            </a:r>
-          </a:p>
-          <a:p>
-            <a:pPr/>
-            <a:r>
-              <a:t>Enter an integer:</a:t>
-            </a:r>
-            <a:r>
-              <a:rPr b="1">
-                <a:solidFill>
-                  <a:srgbClr val="0000F8"/>
-                </a:solidFill>
-              </a:rPr>
-              <a:t>2</a:t>
-            </a:r>
-          </a:p>
-          <a:p>
-            <a:pPr/>
-            <a:r>
-              <a:t>Enter an integer:</a:t>
-            </a:r>
-            <a:r>
-              <a:rPr b="1">
-                <a:solidFill>
-                  <a:srgbClr val="0000F8"/>
-                </a:solidFill>
-              </a:rPr>
-              <a:t>3</a:t>
-            </a:r>
-          </a:p>
-          <a:p>
-            <a:pPr/>
-            <a:r>
-              <a:t>Enter an integer:</a:t>
-            </a:r>
-            <a:r>
-              <a:rPr b="1">
-                <a:solidFill>
-                  <a:srgbClr val="0000F8"/>
-                </a:solidFill>
-              </a:rPr>
-              <a:t>-8</a:t>
-            </a:r>
-          </a:p>
-          <a:p>
-            <a:pPr/>
-            <a:r>
-              <a:t>Your inputs:[1, 2, 3]</a:t>
-            </a:r>
-          </a:p>
-        </p:txBody>
-      </p:sp>
-      <p:sp>
-        <p:nvSpPr>
-          <p:cNvPr id="368" name="Output:"/>
-          <p:cNvSpPr txBox="1"/>
-          <p:nvPr/>
-        </p:nvSpPr>
-        <p:spPr>
-          <a:xfrm>
-            <a:off x="455449" y="3289776"/>
-            <a:ext cx="745886" cy="307339"/>
-          </a:xfrm>
-          <a:prstGeom prst="rect">
-            <a:avLst/>
-          </a:prstGeom>
-          <a:ln w="12700">
-            <a:miter lim="400000"/>
-          </a:ln>
-          <a:extLst>
-            <a:ext uri="{C572A759-6A51-4108-AA02-DFA0A04FC94B}">
-              <ma14:wrappingTextBoxFlag xmlns:ma14="http://schemas.microsoft.com/office/mac/drawingml/2011/main" val="1"/>
-            </a:ext>
-          </a:extLst>
-        </p:spPr>
-        <p:txBody>
-          <a:bodyPr wrap="none" lIns="45718" tIns="45718" rIns="45718" bIns="45718">
-            <a:spAutoFit/>
-          </a:bodyPr>
-          <a:lstStyle>
-            <a:lvl1pPr>
-              <a:defRPr b="1">
+            <a:pPr>
+              <a:defRPr>
                 <a:solidFill>
                   <a:srgbClr val="000000"/>
                 </a:solidFill>
-              </a:defRPr>
-            </a:lvl1pPr>
-          </a:lstStyle>
-          <a:p>
-            <a:pPr/>
-            <a:r>
-              <a:t>Output:</a:t>
-            </a:r>
-          </a:p>
-        </p:txBody>
-      </p:sp>
-      <p:sp>
-        <p:nvSpPr>
-          <p:cNvPr id="369" name="Output:"/>
-          <p:cNvSpPr txBox="1"/>
-          <p:nvPr/>
-        </p:nvSpPr>
-        <p:spPr>
-          <a:xfrm>
-            <a:off x="4875049" y="3289776"/>
-            <a:ext cx="745886" cy="307339"/>
-          </a:xfrm>
-          <a:prstGeom prst="rect">
-            <a:avLst/>
-          </a:prstGeom>
-          <a:ln w="12700">
-            <a:miter lim="400000"/>
-          </a:ln>
-          <a:extLst>
-            <a:ext uri="{C572A759-6A51-4108-AA02-DFA0A04FC94B}">
-              <ma14:wrappingTextBoxFlag xmlns:ma14="http://schemas.microsoft.com/office/mac/drawingml/2011/main" val="1"/>
-            </a:ext>
-          </a:extLst>
-        </p:spPr>
-        <p:txBody>
-          <a:bodyPr wrap="none" lIns="45718" tIns="45718" rIns="45718" bIns="45718">
-            <a:spAutoFit/>
-          </a:bodyPr>
-          <a:lstStyle>
-            <a:lvl1pPr>
-              <a:defRPr b="1">
-                <a:solidFill>
-                  <a:srgbClr val="000000"/>
-                </a:solidFill>
-              </a:defRPr>
-            </a:lvl1pPr>
-          </a:lstStyle>
-          <a:p>
-            <a:pPr/>
-            <a:r>
-              <a:t>Output:</a:t>
-            </a:r>
-          </a:p>
-        </p:txBody>
-      </p:sp>
-      <p:sp>
-        <p:nvSpPr>
-          <p:cNvPr id="370" name="Enter an integer:3…"/>
-          <p:cNvSpPr txBox="1"/>
-          <p:nvPr/>
-        </p:nvSpPr>
-        <p:spPr>
-          <a:xfrm>
-            <a:off x="5568401" y="3304541"/>
-            <a:ext cx="1827358" cy="1602739"/>
-          </a:xfrm>
-          <a:prstGeom prst="rect">
-            <a:avLst/>
-          </a:prstGeom>
-          <a:ln w="12700">
-            <a:miter lim="400000"/>
-          </a:ln>
-          <a:extLst>
-            <a:ext uri="{C572A759-6A51-4108-AA02-DFA0A04FC94B}">
-              <ma14:wrappingTextBoxFlag xmlns:ma14="http://schemas.microsoft.com/office/mac/drawingml/2011/main" val="1"/>
-            </a:ext>
-          </a:extLst>
-        </p:spPr>
-        <p:txBody>
-          <a:bodyPr wrap="none" lIns="45718" tIns="45718" rIns="45718" bIns="45718">
-            <a:spAutoFit/>
-          </a:bodyPr>
-          <a:lstStyle/>
-          <a:p>
-            <a:pPr/>
-            <a:r>
-              <a:t>Enter an integer:</a:t>
-            </a:r>
-            <a:r>
-              <a:rPr b="1">
-                <a:solidFill>
-                  <a:srgbClr val="0000F8"/>
-                </a:solidFill>
-              </a:rPr>
-              <a:t>3</a:t>
-            </a:r>
-          </a:p>
-          <a:p>
-            <a:pPr/>
-            <a:r>
-              <a:t>Enter an integer:</a:t>
-            </a:r>
-            <a:r>
-              <a:rPr b="1">
-                <a:solidFill>
-                  <a:srgbClr val="0000F8"/>
-                </a:solidFill>
-              </a:rPr>
-              <a:t>2</a:t>
-            </a:r>
-          </a:p>
-          <a:p>
-            <a:pPr/>
-            <a:r>
-              <a:t>Enter an integer:</a:t>
-            </a:r>
-            <a:r>
-              <a:rPr b="1">
-                <a:solidFill>
-                  <a:srgbClr val="0000F8"/>
-                </a:solidFill>
-              </a:rPr>
-              <a:t>4</a:t>
-            </a:r>
-          </a:p>
-          <a:p>
-            <a:pPr/>
-            <a:r>
-              <a:t>Enter an integer:</a:t>
-            </a:r>
-            <a:r>
-              <a:rPr b="1">
-                <a:solidFill>
-                  <a:srgbClr val="0000F8"/>
-                </a:solidFill>
-              </a:rPr>
-              <a:t>5</a:t>
-            </a:r>
-          </a:p>
-          <a:p>
-            <a:pPr/>
-            <a:r>
-              <a:t>Enter an integer:</a:t>
-            </a:r>
-            <a:r>
-              <a:rPr b="1">
-                <a:solidFill>
-                  <a:srgbClr val="0000F8"/>
-                </a:solidFill>
-              </a:rPr>
-              <a:t>-7</a:t>
-            </a:r>
-          </a:p>
-          <a:p>
-            <a:pPr/>
-            <a:r>
-              <a:t>Your inputs:[3, 2, 4, 5]</a:t>
-            </a:r>
+                <a:latin typeface="+mn-lt"/>
+                <a:ea typeface="+mn-ea"/>
+                <a:cs typeface="+mn-cs"/>
+                <a:sym typeface="Arial"/>
+              </a:defRPr>
+            </a:pPr>
           </a:p>
         </p:txBody>
       </p:sp>
@@ -14352,7 +13437,7 @@
                                       <p:cBhvr>
                                         <p:cTn id="6" fill="hold"/>
                                         <p:tgtEl>
-                                          <p:spTgt spid="368"/>
+                                          <p:spTgt spid="363"/>
                                         </p:tgtEl>
                                         <p:attrNameLst>
                                           <p:attrName>style.visibility</p:attrName>
@@ -14403,15 +13488,972 @@
                             </p:childTnLst>
                           </p:cTn>
                         </p:par>
+                        <p:par>
+                          <p:cTn id="10" fill="hold">
+                            <p:stCondLst>
+                              <p:cond delay="0"/>
+                            </p:stCondLst>
+                            <p:childTnLst>
+                              <p:par>
+                                <p:cTn id="11" presetClass="entr" nodeType="afterEffect" presetSubtype="0" presetID="1" grpId="3" fill="hold">
+                                  <p:stCondLst>
+                                    <p:cond delay="0"/>
+                                  </p:stCondLst>
+                                  <p:iterate type="el" backwards="0">
+                                    <p:tmAbs val="0"/>
+                                  </p:iterate>
+                                  <p:childTnLst>
+                                    <p:set>
+                                      <p:cBhvr>
+                                        <p:cTn id="12" fill="hold"/>
+                                        <p:tgtEl>
+                                          <p:spTgt spid="366"/>
+                                        </p:tgtEl>
+                                        <p:attrNameLst>
+                                          <p:attrName>style.visibility</p:attrName>
+                                        </p:attrNameLst>
+                                      </p:cBhvr>
+                                      <p:to>
+                                        <p:strVal val="visible"/>
+                                      </p:to>
+                                    </p:set>
+                                  </p:childTnLst>
+                                </p:cTn>
+                              </p:par>
+                            </p:childTnLst>
+                          </p:cTn>
+                        </p:par>
+                        <p:par>
+                          <p:cTn id="13" fill="hold">
+                            <p:stCondLst>
+                              <p:cond delay="0"/>
+                            </p:stCondLst>
+                            <p:childTnLst>
+                              <p:par>
+                                <p:cTn id="14" presetClass="entr" nodeType="afterEffect" presetSubtype="0" presetID="1" grpId="4" fill="hold">
+                                  <p:stCondLst>
+                                    <p:cond delay="0"/>
+                                  </p:stCondLst>
+                                  <p:iterate type="el" backwards="0">
+                                    <p:tmAbs val="0"/>
+                                  </p:iterate>
+                                  <p:childTnLst>
+                                    <p:set>
+                                      <p:cBhvr>
+                                        <p:cTn id="15" fill="hold"/>
+                                        <p:tgtEl>
+                                          <p:spTgt spid="365"/>
+                                        </p:tgtEl>
+                                        <p:attrNameLst>
+                                          <p:attrName>style.visibility</p:attrName>
+                                        </p:attrNameLst>
+                                      </p:cBhvr>
+                                      <p:to>
+                                        <p:strVal val="visible"/>
+                                      </p:to>
+                                    </p:set>
+                                  </p:childTnLst>
+                                </p:cTn>
+                              </p:par>
+                            </p:childTnLst>
+                          </p:cTn>
+                        </p:par>
+                        <p:par>
+                          <p:cTn id="16" fill="hold">
+                            <p:stCondLst>
+                              <p:cond delay="0"/>
+                            </p:stCondLst>
+                            <p:childTnLst>
+                              <p:par>
+                                <p:cTn id="17" presetClass="entr" nodeType="afterEffect" presetSubtype="0" presetID="1" grpId="5" fill="hold">
+                                  <p:stCondLst>
+                                    <p:cond delay="0"/>
+                                  </p:stCondLst>
+                                  <p:iterate type="el" backwards="0">
+                                    <p:tmAbs val="0"/>
+                                  </p:iterate>
+                                  <p:childTnLst>
+                                    <p:set>
+                                      <p:cBhvr>
+                                        <p:cTn id="18" fill="hold"/>
+                                        <p:tgtEl>
+                                          <p:spTgt spid="364"/>
+                                        </p:tgtEl>
+                                        <p:attrNameLst>
+                                          <p:attrName>style.visibility</p:attrName>
+                                        </p:attrNameLst>
+                                      </p:cBhvr>
+                                      <p:to>
+                                        <p:strVal val="visible"/>
+                                      </p:to>
+                                    </p:set>
+                                  </p:childTnLst>
+                                </p:cTn>
+                              </p:par>
+                            </p:childTnLst>
+                          </p:cTn>
+                        </p:par>
+                      </p:childTnLst>
+                    </p:cTn>
+                  </p:par>
+                </p:childTnLst>
+              </p:cTn>
+              <p:prevCondLst>
+                <p:cond evt="onPrev">
+                  <p:tgtEl>
+                    <p:sldTgt/>
+                  </p:tgtEl>
+                </p:cond>
+              </p:prevCondLst>
+              <p:nextCondLst>
+                <p:cond evt="onNext">
+                  <p:tgtEl>
+                    <p:sldTgt/>
+                  </p:tgtEl>
+                </p:cond>
+              </p:nextCondLst>
+            </p:seq>
+          </p:childTnLst>
+        </p:cTn>
+      </p:par>
+    </p:tnLst>
+    <p:bldLst>
+      <p:bldP build="whole" bldLvl="1" animBg="1" rev="0" advAuto="0" spid="367" grpId="2"/>
+      <p:bldP build="whole" bldLvl="1" animBg="1" rev="0" advAuto="0" spid="365" grpId="4"/>
+      <p:bldP build="whole" bldLvl="1" animBg="1" rev="0" advAuto="0" spid="364" grpId="5"/>
+      <p:bldP build="whole" bldLvl="1" animBg="1" rev="0" advAuto="0" spid="363" grpId="1"/>
+      <p:bldP build="whole" bldLvl="1" animBg="1" rev="0" advAuto="0" spid="366" grpId="3"/>
+    </p:bldLst>
+  </p:timing>
+</p:sld>
+</file>
+
+<file path=ppt/slides/slide7.xml><?xml version="1.0" encoding="utf-8"?>
+<p:sld xmlns:a="http://schemas.openxmlformats.org/drawingml/2006/main" xmlns:r="http://schemas.openxmlformats.org/officeDocument/2006/relationships" xmlns:p="http://schemas.openxmlformats.org/presentationml/2006/main" xmlns:m="http://schemas.openxmlformats.org/officeDocument/2006/math" xmlns:a14="http://schemas.microsoft.com/office/drawing/2010/main" showMasterSp="1" showMasterPhAnim="1">
+  <p:cSld>
+    <p:spTree>
+      <p:nvGrpSpPr>
+        <p:cNvPr id="1" name=""/>
+        <p:cNvGrpSpPr/>
+        <p:nvPr/>
+      </p:nvGrpSpPr>
+      <p:grpSpPr>
+        <a:xfrm>
+          <a:off x="0" y="0"/>
+          <a:ext cx="0" cy="0"/>
+          <a:chOff x="0" y="0"/>
+          <a:chExt cx="0" cy="0"/>
+        </a:xfrm>
+      </p:grpSpPr>
+      <p:sp>
+        <p:nvSpPr>
+          <p:cNvPr id="369" name="Slide Number Placeholder 3"/>
+          <p:cNvSpPr txBox="1"/>
+          <p:nvPr>
+            <p:ph type="sldNum" sz="quarter" idx="2"/>
+          </p:nvPr>
+        </p:nvSpPr>
+        <p:spPr>
+          <a:xfrm>
+            <a:off x="8864600" y="4787109"/>
+            <a:ext cx="127000" cy="139701"/>
+          </a:xfrm>
+          <a:prstGeom prst="rect">
+            <a:avLst/>
+          </a:prstGeom>
+          <a:extLst>
+            <a:ext uri="{C572A759-6A51-4108-AA02-DFA0A04FC94B}">
+              <ma14:wrappingTextBoxFlag xmlns:ma14="http://schemas.microsoft.com/office/mac/drawingml/2011/main" val="1"/>
+            </a:ext>
+          </a:extLst>
+        </p:spPr>
+        <p:txBody>
+          <a:bodyPr/>
+          <a:lstStyle/>
+          <a:p>
+            <a:pPr/>
+            <a:fld id="{86CB4B4D-7CA3-9044-876B-883B54F8677D}" type="slidenum"/>
+          </a:p>
+        </p:txBody>
+      </p:sp>
+      <p:sp>
+        <p:nvSpPr>
+          <p:cNvPr id="370" name="Breaking a loop"/>
+          <p:cNvSpPr txBox="1"/>
+          <p:nvPr/>
+        </p:nvSpPr>
+        <p:spPr>
+          <a:xfrm>
+            <a:off x="3240232" y="160656"/>
+            <a:ext cx="2663536" cy="535939"/>
+          </a:xfrm>
+          <a:prstGeom prst="rect">
+            <a:avLst/>
+          </a:prstGeom>
+          <a:ln w="12700">
+            <a:miter lim="400000"/>
+          </a:ln>
+          <a:extLst>
+            <a:ext uri="{C572A759-6A51-4108-AA02-DFA0A04FC94B}">
+              <ma14:wrappingTextBoxFlag xmlns:ma14="http://schemas.microsoft.com/office/mac/drawingml/2011/main" val="1"/>
+            </a:ext>
+          </a:extLst>
+        </p:spPr>
+        <p:txBody>
+          <a:bodyPr wrap="none" lIns="45718" tIns="45718" rIns="45718" bIns="45718">
+            <a:spAutoFit/>
+          </a:bodyPr>
+          <a:lstStyle>
+            <a:lvl1pPr>
+              <a:defRPr sz="2900">
+                <a:solidFill>
+                  <a:srgbClr val="FFFFFF"/>
+                </a:solidFill>
+              </a:defRPr>
+            </a:lvl1pPr>
+          </a:lstStyle>
+          <a:p>
+            <a:pPr/>
+            <a:r>
+              <a:t>Breaking a loop</a:t>
+            </a:r>
+          </a:p>
+        </p:txBody>
+      </p:sp>
+      <p:pic>
+        <p:nvPicPr>
+          <p:cNvPr id="371" name="Image" descr="Image"/>
+          <p:cNvPicPr>
+            <a:picLocks noChangeAspect="1"/>
+          </p:cNvPicPr>
+          <p:nvPr/>
+        </p:nvPicPr>
+        <p:blipFill>
+          <a:blip r:embed="rId2">
+            <a:extLst/>
+          </a:blip>
+          <a:stretch>
+            <a:fillRect/>
+          </a:stretch>
+        </p:blipFill>
+        <p:spPr>
+          <a:xfrm>
+            <a:off x="667043" y="866665"/>
+            <a:ext cx="3559893" cy="4165076"/>
+          </a:xfrm>
+          <a:prstGeom prst="rect">
+            <a:avLst/>
+          </a:prstGeom>
+          <a:ln w="12700">
+            <a:miter lim="400000"/>
+          </a:ln>
+        </p:spPr>
+      </p:pic>
+      <p:sp>
+        <p:nvSpPr>
+          <p:cNvPr id="372" name="# A script that takes some time: check-prime…"/>
+          <p:cNvSpPr txBox="1"/>
+          <p:nvPr/>
+        </p:nvSpPr>
+        <p:spPr>
+          <a:xfrm>
+            <a:off x="4404407" y="961391"/>
+            <a:ext cx="4557618" cy="3545839"/>
+          </a:xfrm>
+          <a:prstGeom prst="rect">
+            <a:avLst/>
+          </a:prstGeom>
+          <a:ln w="12700">
+            <a:miter lim="400000"/>
+          </a:ln>
+          <a:extLst>
+            <a:ext uri="{C572A759-6A51-4108-AA02-DFA0A04FC94B}">
+              <ma14:wrappingTextBoxFlag xmlns:ma14="http://schemas.microsoft.com/office/mac/drawingml/2011/main" val="1"/>
+            </a:ext>
+          </a:extLst>
+        </p:spPr>
+        <p:txBody>
+          <a:bodyPr lIns="45718" tIns="45718" rIns="45718" bIns="45718">
+            <a:spAutoFit/>
+          </a:bodyPr>
+          <a:lstStyle/>
+          <a:p>
+            <a:pPr defTabSz="457200">
+              <a:defRPr b="1" sz="1300">
+                <a:solidFill>
+                  <a:srgbClr val="000000"/>
+                </a:solidFill>
+              </a:defRPr>
+            </a:pPr>
+            <a:r>
+              <a:t># A script that takes some time: check-prime</a:t>
+            </a:r>
+          </a:p>
+          <a:p>
+            <a:pPr defTabSz="457200">
+              <a:defRPr sz="1300">
+                <a:solidFill>
+                  <a:srgbClr val="0033B3"/>
+                </a:solidFill>
+              </a:defRPr>
+            </a:pPr>
+            <a:r>
+              <a:t>import </a:t>
+            </a:r>
+            <a:r>
+              <a:rPr>
+                <a:solidFill>
+                  <a:srgbClr val="080808"/>
+                </a:solidFill>
+              </a:rPr>
+              <a:t>time</a:t>
+            </a:r>
+            <a:endParaRPr>
+              <a:solidFill>
+                <a:srgbClr val="080808"/>
+              </a:solidFill>
+            </a:endParaRPr>
+          </a:p>
+          <a:p>
+            <a:pPr defTabSz="457200">
+              <a:defRPr sz="1300">
+                <a:solidFill>
+                  <a:srgbClr val="080808"/>
+                </a:solidFill>
+              </a:defRPr>
+            </a:pPr>
+            <a:r>
+              <a:t>start_time = time.time()</a:t>
+            </a:r>
+          </a:p>
+          <a:p>
+            <a:pPr defTabSz="457200">
+              <a:defRPr sz="1300">
+                <a:solidFill>
+                  <a:srgbClr val="1750EB"/>
+                </a:solidFill>
+              </a:defRPr>
+            </a:pPr>
+            <a:r>
+              <a:rPr>
+                <a:solidFill>
+                  <a:srgbClr val="080808"/>
+                </a:solidFill>
+              </a:rPr>
+              <a:t>n = </a:t>
+            </a:r>
+            <a:r>
+              <a:t>151153234</a:t>
+            </a:r>
+          </a:p>
+          <a:p>
+            <a:pPr defTabSz="457200">
+              <a:defRPr sz="1300">
+                <a:solidFill>
+                  <a:srgbClr val="1750EB"/>
+                </a:solidFill>
+              </a:defRPr>
+            </a:pPr>
+          </a:p>
+          <a:p>
+            <a:pPr defTabSz="457200">
+              <a:defRPr sz="1300">
+                <a:solidFill>
+                  <a:srgbClr val="080808"/>
+                </a:solidFill>
+              </a:defRPr>
+            </a:pPr>
+            <a:r>
+              <a:t>is_prime = </a:t>
+            </a:r>
+            <a:r>
+              <a:rPr>
+                <a:solidFill>
+                  <a:srgbClr val="0033B3"/>
+                </a:solidFill>
+              </a:rPr>
+              <a:t>True</a:t>
+            </a:r>
+            <a:endParaRPr>
+              <a:solidFill>
+                <a:srgbClr val="0033B3"/>
+              </a:solidFill>
+            </a:endParaRPr>
+          </a:p>
+          <a:p>
+            <a:pPr defTabSz="457200">
+              <a:defRPr sz="1300">
+                <a:solidFill>
+                  <a:srgbClr val="080808"/>
+                </a:solidFill>
+              </a:defRPr>
+            </a:pPr>
+            <a:r>
+              <a:rPr>
+                <a:solidFill>
+                  <a:srgbClr val="0033B3"/>
+                </a:solidFill>
+              </a:rPr>
+              <a:t>for </a:t>
+            </a:r>
+            <a:r>
+              <a:t>i </a:t>
+            </a:r>
+            <a:r>
+              <a:rPr>
+                <a:solidFill>
+                  <a:srgbClr val="0033B3"/>
+                </a:solidFill>
+              </a:rPr>
+              <a:t>in </a:t>
+            </a:r>
+            <a:r>
+              <a:rPr>
+                <a:solidFill>
+                  <a:srgbClr val="011480"/>
+                </a:solidFill>
+              </a:rPr>
+              <a:t>range</a:t>
+            </a:r>
+            <a:r>
+              <a:t>(</a:t>
+            </a:r>
+            <a:r>
+              <a:rPr>
+                <a:solidFill>
+                  <a:srgbClr val="1750EB"/>
+                </a:solidFill>
+              </a:rPr>
+              <a:t>2</a:t>
+            </a:r>
+            <a:r>
+              <a:t>, n):</a:t>
+            </a:r>
+          </a:p>
+          <a:p>
+            <a:pPr defTabSz="457200">
+              <a:defRPr sz="1300">
+                <a:solidFill>
+                  <a:srgbClr val="080808"/>
+                </a:solidFill>
+              </a:defRPr>
+            </a:pPr>
+            <a:r>
+              <a:t>    </a:t>
+            </a:r>
+            <a:r>
+              <a:rPr>
+                <a:solidFill>
+                  <a:srgbClr val="0033B3"/>
+                </a:solidFill>
+              </a:rPr>
+              <a:t>if </a:t>
+            </a:r>
+            <a:r>
+              <a:t>n % i == </a:t>
+            </a:r>
+            <a:r>
+              <a:rPr>
+                <a:solidFill>
+                  <a:srgbClr val="1750EB"/>
+                </a:solidFill>
+              </a:rPr>
+              <a:t>0</a:t>
+            </a:r>
+            <a:r>
+              <a:t>:</a:t>
+            </a:r>
+          </a:p>
+          <a:p>
+            <a:pPr defTabSz="457200">
+              <a:defRPr sz="1300">
+                <a:solidFill>
+                  <a:srgbClr val="080808"/>
+                </a:solidFill>
+              </a:defRPr>
+            </a:pPr>
+            <a:r>
+              <a:t>        is_prime = </a:t>
+            </a:r>
+            <a:r>
+              <a:rPr>
+                <a:solidFill>
+                  <a:srgbClr val="0033B3"/>
+                </a:solidFill>
+              </a:rPr>
+              <a:t>False</a:t>
+            </a:r>
+            <a:endParaRPr i="1">
+              <a:solidFill>
+                <a:srgbClr val="8C8C8C"/>
+              </a:solidFill>
+            </a:endParaRPr>
+          </a:p>
+          <a:p>
+            <a:pPr defTabSz="457200">
+              <a:defRPr sz="1300">
+                <a:solidFill>
+                  <a:srgbClr val="080808"/>
+                </a:solidFill>
+              </a:defRPr>
+            </a:pPr>
+            <a:endParaRPr i="1">
+              <a:solidFill>
+                <a:srgbClr val="8C8C8C"/>
+              </a:solidFill>
+            </a:endParaRPr>
+          </a:p>
+          <a:p>
+            <a:pPr defTabSz="457200">
+              <a:defRPr sz="1300">
+                <a:solidFill>
+                  <a:srgbClr val="080808"/>
+                </a:solidFill>
+              </a:defRPr>
+            </a:pPr>
+            <a:r>
+              <a:rPr>
+                <a:solidFill>
+                  <a:srgbClr val="0033B3"/>
+                </a:solidFill>
+              </a:rPr>
+              <a:t>if </a:t>
+            </a:r>
+            <a:r>
+              <a:t>is_prime:</a:t>
+            </a:r>
+          </a:p>
+          <a:p>
+            <a:pPr defTabSz="457200">
+              <a:defRPr sz="1300">
+                <a:solidFill>
+                  <a:srgbClr val="008080"/>
+                </a:solidFill>
+              </a:defRPr>
+            </a:pPr>
+            <a:r>
+              <a:rPr>
+                <a:solidFill>
+                  <a:srgbClr val="080808"/>
+                </a:solidFill>
+              </a:rPr>
+              <a:t>    </a:t>
+            </a:r>
+            <a:r>
+              <a:rPr>
+                <a:solidFill>
+                  <a:srgbClr val="011480"/>
+                </a:solidFill>
+              </a:rPr>
+              <a:t>print</a:t>
+            </a:r>
+            <a:r>
+              <a:rPr>
+                <a:solidFill>
+                  <a:srgbClr val="080808"/>
+                </a:solidFill>
+              </a:rPr>
+              <a:t>(</a:t>
+            </a:r>
+            <a:r>
+              <a:rPr b="1"/>
+              <a:t>"Is prime"</a:t>
+            </a:r>
+            <a:r>
+              <a:rPr>
+                <a:solidFill>
+                  <a:srgbClr val="080808"/>
+                </a:solidFill>
+              </a:rPr>
+              <a:t>)</a:t>
+            </a:r>
+            <a:endParaRPr>
+              <a:solidFill>
+                <a:srgbClr val="080808"/>
+              </a:solidFill>
+            </a:endParaRPr>
+          </a:p>
+          <a:p>
+            <a:pPr defTabSz="457200">
+              <a:defRPr sz="1300">
+                <a:solidFill>
+                  <a:srgbClr val="0033B3"/>
+                </a:solidFill>
+              </a:defRPr>
+            </a:pPr>
+            <a:r>
+              <a:t>else</a:t>
+            </a:r>
+            <a:r>
+              <a:rPr>
+                <a:solidFill>
+                  <a:srgbClr val="080808"/>
+                </a:solidFill>
+              </a:rPr>
+              <a:t>:</a:t>
+            </a:r>
+            <a:endParaRPr>
+              <a:solidFill>
+                <a:srgbClr val="080808"/>
+              </a:solidFill>
+            </a:endParaRPr>
+          </a:p>
+          <a:p>
+            <a:pPr defTabSz="457200">
+              <a:defRPr b="1" sz="1300">
+                <a:solidFill>
+                  <a:srgbClr val="008080"/>
+                </a:solidFill>
+              </a:defRPr>
+            </a:pPr>
+            <a:r>
+              <a:rPr b="0">
+                <a:solidFill>
+                  <a:srgbClr val="080808"/>
+                </a:solidFill>
+              </a:rPr>
+              <a:t>    </a:t>
+            </a:r>
+            <a:r>
+              <a:rPr b="0">
+                <a:solidFill>
+                  <a:srgbClr val="011480"/>
+                </a:solidFill>
+              </a:rPr>
+              <a:t>print</a:t>
+            </a:r>
+            <a:r>
+              <a:rPr b="0">
+                <a:solidFill>
+                  <a:srgbClr val="080808"/>
+                </a:solidFill>
+              </a:rPr>
+              <a:t>(</a:t>
+            </a:r>
+            <a:r>
+              <a:t>"Is not prime"</a:t>
+            </a:r>
+            <a:r>
+              <a:rPr b="0">
+                <a:solidFill>
+                  <a:srgbClr val="080808"/>
+                </a:solidFill>
+              </a:rPr>
+              <a:t>)</a:t>
+            </a:r>
+            <a:endParaRPr b="0">
+              <a:solidFill>
+                <a:srgbClr val="080808"/>
+              </a:solidFill>
+            </a:endParaRPr>
+          </a:p>
+          <a:p>
+            <a:pPr defTabSz="457200">
+              <a:defRPr sz="1300">
+                <a:solidFill>
+                  <a:srgbClr val="080808"/>
+                </a:solidFill>
+              </a:defRPr>
+            </a:pPr>
+          </a:p>
+          <a:p>
+            <a:pPr defTabSz="457200">
+              <a:defRPr sz="1300">
+                <a:solidFill>
+                  <a:srgbClr val="080808"/>
+                </a:solidFill>
+              </a:defRPr>
+            </a:pPr>
+            <a:r>
+              <a:rPr>
+                <a:solidFill>
+                  <a:srgbClr val="011480"/>
+                </a:solidFill>
+              </a:rPr>
+              <a:t>print</a:t>
+            </a:r>
+            <a:r>
+              <a:t>(</a:t>
+            </a:r>
+            <a:r>
+              <a:rPr b="1">
+                <a:solidFill>
+                  <a:srgbClr val="008080"/>
+                </a:solidFill>
+              </a:rPr>
+              <a:t>"--- {} seconds ---"</a:t>
+            </a:r>
+            <a:r>
+              <a:t>.format(time.time() - start_time))</a:t>
+            </a:r>
+          </a:p>
+        </p:txBody>
+      </p:sp>
+      <p:sp>
+        <p:nvSpPr>
+          <p:cNvPr id="373" name="Is not prime…"/>
+          <p:cNvSpPr txBox="1"/>
+          <p:nvPr/>
+        </p:nvSpPr>
+        <p:spPr>
+          <a:xfrm>
+            <a:off x="4442118" y="4595340"/>
+            <a:ext cx="2901364" cy="523239"/>
+          </a:xfrm>
+          <a:prstGeom prst="rect">
+            <a:avLst/>
+          </a:prstGeom>
+          <a:ln w="12700">
+            <a:miter lim="400000"/>
+          </a:ln>
+          <a:extLst>
+            <a:ext uri="{C572A759-6A51-4108-AA02-DFA0A04FC94B}">
+              <ma14:wrappingTextBoxFlag xmlns:ma14="http://schemas.microsoft.com/office/mac/drawingml/2011/main" val="1"/>
+            </a:ext>
+          </a:extLst>
+        </p:spPr>
+        <p:txBody>
+          <a:bodyPr wrap="none" lIns="45718" tIns="45718" rIns="45718" bIns="45718">
+            <a:spAutoFit/>
+          </a:bodyPr>
+          <a:lstStyle/>
+          <a:p>
+            <a:pPr/>
+            <a:r>
+              <a:t>Is not prime</a:t>
+            </a:r>
+          </a:p>
+          <a:p>
+            <a:pPr/>
+            <a:r>
+              <a:t>--- 9.443579196929932 seconds ---</a:t>
+            </a:r>
+          </a:p>
+        </p:txBody>
+      </p:sp>
+      <p:sp>
+        <p:nvSpPr>
+          <p:cNvPr id="374" name="Output:"/>
+          <p:cNvSpPr txBox="1"/>
+          <p:nvPr/>
+        </p:nvSpPr>
+        <p:spPr>
+          <a:xfrm>
+            <a:off x="4458489" y="4348481"/>
+            <a:ext cx="745886" cy="307339"/>
+          </a:xfrm>
+          <a:prstGeom prst="rect">
+            <a:avLst/>
+          </a:prstGeom>
+          <a:ln w="12700">
+            <a:miter lim="400000"/>
+          </a:ln>
+          <a:extLst>
+            <a:ext uri="{C572A759-6A51-4108-AA02-DFA0A04FC94B}">
+              <ma14:wrappingTextBoxFlag xmlns:ma14="http://schemas.microsoft.com/office/mac/drawingml/2011/main" val="1"/>
+            </a:ext>
+          </a:extLst>
+        </p:spPr>
+        <p:txBody>
+          <a:bodyPr wrap="none" lIns="45718" tIns="45718" rIns="45718" bIns="45718">
+            <a:spAutoFit/>
+          </a:bodyPr>
+          <a:lstStyle>
+            <a:lvl1pPr>
+              <a:defRPr b="1">
+                <a:solidFill>
+                  <a:srgbClr val="000000"/>
+                </a:solidFill>
+              </a:defRPr>
+            </a:lvl1pPr>
+          </a:lstStyle>
+          <a:p>
+            <a:pPr/>
+            <a:r>
+              <a:t>Output:</a:t>
+            </a:r>
+          </a:p>
+        </p:txBody>
+      </p:sp>
+      <p:sp>
+        <p:nvSpPr>
+          <p:cNvPr id="375" name="Better to stop the loop here"/>
+          <p:cNvSpPr txBox="1"/>
+          <p:nvPr/>
+        </p:nvSpPr>
+        <p:spPr>
+          <a:xfrm>
+            <a:off x="6896889" y="2614931"/>
+            <a:ext cx="1703883" cy="574039"/>
+          </a:xfrm>
+          <a:prstGeom prst="rect">
+            <a:avLst/>
+          </a:prstGeom>
+          <a:ln w="12700">
+            <a:miter lim="400000"/>
+          </a:ln>
+          <a:extLst>
+            <a:ext uri="{C572A759-6A51-4108-AA02-DFA0A04FC94B}">
+              <ma14:wrappingTextBoxFlag xmlns:ma14="http://schemas.microsoft.com/office/mac/drawingml/2011/main" val="1"/>
+            </a:ext>
+          </a:extLst>
+        </p:spPr>
+        <p:txBody>
+          <a:bodyPr lIns="45718" tIns="45718" rIns="45718" bIns="45718">
+            <a:spAutoFit/>
+          </a:bodyPr>
+          <a:lstStyle>
+            <a:lvl1pPr>
+              <a:defRPr b="1" sz="1600">
+                <a:solidFill>
+                  <a:srgbClr val="F61DFB"/>
+                </a:solidFill>
+              </a:defRPr>
+            </a:lvl1pPr>
+          </a:lstStyle>
+          <a:p>
+            <a:pPr/>
+            <a:r>
+              <a:t>Better to stop the loop here</a:t>
+            </a:r>
+          </a:p>
+        </p:txBody>
+      </p:sp>
+      <p:sp>
+        <p:nvSpPr>
+          <p:cNvPr id="376" name="Line"/>
+          <p:cNvSpPr/>
+          <p:nvPr/>
+        </p:nvSpPr>
+        <p:spPr>
+          <a:xfrm flipH="1">
+            <a:off x="5400040" y="2883701"/>
+            <a:ext cx="1446092" cy="1"/>
+          </a:xfrm>
+          <a:prstGeom prst="line">
+            <a:avLst/>
+          </a:prstGeom>
+          <a:ln w="25400">
+            <a:solidFill>
+              <a:srgbClr val="F20FF0"/>
+            </a:solidFill>
+            <a:tailEnd type="triangle"/>
+          </a:ln>
+          <a:effectLst>
+            <a:outerShdw sx="100000" sy="100000" kx="0" ky="0" algn="b" rotWithShape="0" blurRad="38100" dist="23000" dir="5400000">
+              <a:srgbClr val="000000">
+                <a:alpha val="35000"/>
+              </a:srgbClr>
+            </a:outerShdw>
+          </a:effectLst>
+        </p:spPr>
+        <p:txBody>
+          <a:bodyPr lIns="45718" tIns="45718" rIns="45718" bIns="45718"/>
+          <a:lstStyle/>
+          <a:p>
+            <a:pPr/>
+          </a:p>
+        </p:txBody>
+      </p:sp>
+    </p:spTree>
+  </p:cSld>
+  <p:clrMapOvr>
+    <a:masterClrMapping/>
+  </p:clrMapOvr>
+  <p:transition xmlns:p14="http://schemas.microsoft.com/office/powerpoint/2010/main" spd="med" advClick="1"/>
+  <p:timing>
+    <p:tnLst>
+      <p:par>
+        <p:cTn id="1" nodeType="tmRoot" restart="never" dur="indefinite" fill="hold">
+          <p:childTnLst>
+            <p:seq concurrent="1" prevAc="none" nextAc="seek">
+              <p:cTn id="2" nodeType="mainSeq" dur="indefinite" fill="hold">
+                <p:childTnLst>
+                  <p:par>
+                    <p:cTn id="3" fill="hold">
+                      <p:stCondLst>
+                        <p:cond delay="indefinite"/>
+                      </p:stCondLst>
+                      <p:childTnLst>
+                        <p:par>
+                          <p:cTn id="4" fill="hold">
+                            <p:stCondLst>
+                              <p:cond delay="0"/>
+                            </p:stCondLst>
+                            <p:childTnLst>
+                              <p:par>
+                                <p:cTn id="5" presetClass="entr" nodeType="clickEffect" presetSubtype="0" presetID="1" grpId="1" fill="hold">
+                                  <p:stCondLst>
+                                    <p:cond delay="0"/>
+                                  </p:stCondLst>
+                                  <p:iterate type="el" backwards="0">
+                                    <p:tmAbs val="0"/>
+                                  </p:iterate>
+                                  <p:childTnLst>
+                                    <p:set>
+                                      <p:cBhvr>
+                                        <p:cTn id="6" fill="hold"/>
+                                        <p:tgtEl>
+                                          <p:spTgt spid="372"/>
+                                        </p:tgtEl>
+                                        <p:attrNameLst>
+                                          <p:attrName>style.visibility</p:attrName>
+                                        </p:attrNameLst>
+                                      </p:cBhvr>
+                                      <p:to>
+                                        <p:strVal val="visible"/>
+                                      </p:to>
+                                    </p:set>
+                                  </p:childTnLst>
+                                </p:cTn>
+                              </p:par>
+                            </p:childTnLst>
+                          </p:cTn>
+                        </p:par>
                       </p:childTnLst>
                     </p:cTn>
                   </p:par>
                   <p:par>
-                    <p:cTn id="10" fill="hold">
+                    <p:cTn id="7" fill="hold">
                       <p:stCondLst>
                         <p:cond delay="indefinite"/>
                       </p:stCondLst>
                       <p:childTnLst>
+                        <p:par>
+                          <p:cTn id="8" fill="hold">
+                            <p:stCondLst>
+                              <p:cond delay="0"/>
+                            </p:stCondLst>
+                            <p:childTnLst>
+                              <p:par>
+                                <p:cTn id="9" presetClass="entr" nodeType="clickEffect" presetSubtype="0" presetID="1" grpId="2" fill="hold">
+                                  <p:stCondLst>
+                                    <p:cond delay="0"/>
+                                  </p:stCondLst>
+                                  <p:iterate type="el" backwards="0">
+                                    <p:tmAbs val="0"/>
+                                  </p:iterate>
+                                  <p:childTnLst>
+                                    <p:set>
+                                      <p:cBhvr>
+                                        <p:cTn id="10" fill="hold"/>
+                                        <p:tgtEl>
+                                          <p:spTgt spid="374"/>
+                                        </p:tgtEl>
+                                        <p:attrNameLst>
+                                          <p:attrName>style.visibility</p:attrName>
+                                        </p:attrNameLst>
+                                      </p:cBhvr>
+                                      <p:to>
+                                        <p:strVal val="visible"/>
+                                      </p:to>
+                                    </p:set>
+                                  </p:childTnLst>
+                                </p:cTn>
+                              </p:par>
+                            </p:childTnLst>
+                          </p:cTn>
+                        </p:par>
                         <p:par>
                           <p:cTn id="11" fill="hold">
                             <p:stCondLst>
@@ -14419,7 +14461,7 @@
                             </p:stCondLst>
                             <p:childTnLst>
                               <p:par>
-                                <p:cTn id="12" presetClass="entr" nodeType="clickEffect" presetSubtype="0" presetID="1" grpId="3" fill="hold">
+                                <p:cTn id="12" presetClass="entr" nodeType="afterEffect" presetSubtype="0" presetID="1" grpId="3" fill="hold">
                                   <p:stCondLst>
                                     <p:cond delay="0"/>
                                   </p:stCondLst>
@@ -14431,7 +14473,7 @@
                                       <p:cBhvr>
                                         <p:cTn id="13" fill="hold"/>
                                         <p:tgtEl>
-                                          <p:spTgt spid="365"/>
+                                          <p:spTgt spid="373"/>
                                         </p:tgtEl>
                                         <p:attrNameLst>
                                           <p:attrName>style.visibility</p:attrName>
@@ -14475,7 +14517,7 @@
                                       <p:cBhvr>
                                         <p:cTn id="17" fill="hold"/>
                                         <p:tgtEl>
-                                          <p:spTgt spid="369"/>
+                                          <p:spTgt spid="375"/>
                                         </p:tgtEl>
                                         <p:attrNameLst>
                                           <p:attrName>style.visibility</p:attrName>
@@ -14510,7 +14552,7 @@
                                       <p:cBhvr>
                                         <p:cTn id="20" fill="hold"/>
                                         <p:tgtEl>
-                                          <p:spTgt spid="370"/>
+                                          <p:spTgt spid="376"/>
                                         </p:tgtEl>
                                         <p:attrNameLst>
                                           <p:attrName>style.visibility</p:attrName>
@@ -14551,17 +14593,17 @@
       </p:par>
     </p:tnLst>
     <p:bldLst>
-      <p:bldP build="whole" bldLvl="1" animBg="1" rev="0" advAuto="0" spid="367" grpId="2"/>
-      <p:bldP build="whole" bldLvl="1" animBg="1" rev="0" advAuto="0" spid="365" grpId="3"/>
-      <p:bldP build="whole" bldLvl="1" animBg="1" rev="0" advAuto="0" spid="369" grpId="4"/>
-      <p:bldP build="whole" bldLvl="1" animBg="1" rev="0" advAuto="0" spid="368" grpId="1"/>
-      <p:bldP build="whole" bldLvl="1" animBg="1" rev="0" advAuto="0" spid="370" grpId="5"/>
+      <p:bldP build="whole" bldLvl="1" animBg="1" rev="0" advAuto="0" spid="376" grpId="5"/>
+      <p:bldP build="whole" bldLvl="1" animBg="1" rev="0" advAuto="0" spid="373" grpId="3"/>
+      <p:bldP build="whole" bldLvl="1" animBg="1" rev="0" advAuto="0" spid="372" grpId="1"/>
+      <p:bldP build="whole" bldLvl="1" animBg="1" rev="0" advAuto="0" spid="374" grpId="2"/>
+      <p:bldP build="whole" bldLvl="1" animBg="1" rev="0" advAuto="0" spid="375" grpId="4"/>
     </p:bldLst>
   </p:timing>
 </p:sld>
 </file>
 
-<file path=ppt/slides/slide6.xml><?xml version="1.0" encoding="utf-8"?>
+<file path=ppt/slides/slide8.xml><?xml version="1.0" encoding="utf-8"?>
 <p:sld xmlns:a="http://schemas.openxmlformats.org/drawingml/2006/main" xmlns:r="http://schemas.openxmlformats.org/officeDocument/2006/relationships" xmlns:p="http://schemas.openxmlformats.org/presentationml/2006/main" xmlns:m="http://schemas.openxmlformats.org/officeDocument/2006/math" xmlns:a14="http://schemas.microsoft.com/office/drawing/2010/main" showMasterSp="1" showMasterPhAnim="1">
   <p:cSld>
     <p:spTree>
@@ -14580,7 +14622,7 @@
       </p:grpSpPr>
       <p:sp>
         <p:nvSpPr>
-          <p:cNvPr id="372" name="Slide Number Placeholder 3"/>
+          <p:cNvPr id="378" name="Slide Number Placeholder 3"/>
           <p:cNvSpPr txBox="1"/>
           <p:nvPr>
             <p:ph type="sldNum" sz="quarter" idx="2"/>
@@ -14611,14 +14653,14 @@
       </p:sp>
       <p:sp>
         <p:nvSpPr>
-          <p:cNvPr id="373" name="Creating a list of objects in a function…"/>
+          <p:cNvPr id="379" name="Breaking a loop"/>
           <p:cNvSpPr txBox="1"/>
           <p:nvPr/>
         </p:nvSpPr>
         <p:spPr>
           <a:xfrm>
-            <a:off x="1011883" y="52706"/>
-            <a:ext cx="7427622" cy="751839"/>
+            <a:off x="3240232" y="160656"/>
+            <a:ext cx="2663536" cy="535939"/>
           </a:xfrm>
           <a:prstGeom prst="rect">
             <a:avLst/>
@@ -14633,39 +14675,29 @@
           </a:extLst>
         </p:spPr>
         <p:txBody>
-          <a:bodyPr lIns="45718" tIns="45718" rIns="45718" bIns="45718">
+          <a:bodyPr wrap="none" lIns="45718" tIns="45718" rIns="45718" bIns="45718">
             <a:spAutoFit/>
           </a:bodyPr>
-          <a:lstStyle/>
-          <a:p>
-            <a:pPr algn="ctr">
-              <a:defRPr sz="2200">
+          <a:lstStyle>
+            <a:lvl1pPr>
+              <a:defRPr sz="2900">
                 <a:solidFill>
                   <a:srgbClr val="FFFFFF"/>
                 </a:solidFill>
               </a:defRPr>
-            </a:pPr>
-            <a:r>
-              <a:t>Creating a list of objects in a function</a:t>
-            </a:r>
-          </a:p>
-          <a:p>
-            <a:pPr algn="ctr">
-              <a:defRPr sz="2200">
-                <a:solidFill>
-                  <a:srgbClr val="FFFFFF"/>
-                </a:solidFill>
-              </a:defRPr>
-            </a:pPr>
-            <a:r>
-              <a:t>and returning them</a:t>
+            </a:lvl1pPr>
+          </a:lstStyle>
+          <a:p>
+            <a:pPr/>
+            <a:r>
+              <a:t>Breaking a loop</a:t>
             </a:r>
           </a:p>
         </p:txBody>
       </p:sp>
       <p:pic>
         <p:nvPicPr>
-          <p:cNvPr id="374" name="Screenshot 2021-08-11 at 22.29.22.png" descr="Screenshot 2021-08-11 at 22.29.22.png"/>
+          <p:cNvPr id="380" name="Image" descr="Image"/>
           <p:cNvPicPr>
             <a:picLocks noChangeAspect="1"/>
           </p:cNvPicPr>
@@ -14681,8 +14713,8 @@
         </p:blipFill>
         <p:spPr>
           <a:xfrm>
-            <a:off x="3444491" y="935783"/>
-            <a:ext cx="2562406" cy="3812957"/>
+            <a:off x="667043" y="866665"/>
+            <a:ext cx="3559893" cy="4165076"/>
           </a:xfrm>
           <a:prstGeom prst="rect">
             <a:avLst/>
@@ -14692,73 +14724,16 @@
           </a:ln>
         </p:spPr>
       </p:pic>
-    </p:spTree>
-  </p:cSld>
-  <p:clrMapOvr>
-    <a:masterClrMapping/>
-  </p:clrMapOvr>
-  <p:transition xmlns:p14="http://schemas.microsoft.com/office/powerpoint/2010/main" spd="med" advClick="1"/>
-</p:sld>
-</file>
-
-<file path=ppt/slides/slide7.xml><?xml version="1.0" encoding="utf-8"?>
-<p:sld xmlns:a="http://schemas.openxmlformats.org/drawingml/2006/main" xmlns:r="http://schemas.openxmlformats.org/officeDocument/2006/relationships" xmlns:p="http://schemas.openxmlformats.org/presentationml/2006/main" xmlns:m="http://schemas.openxmlformats.org/officeDocument/2006/math" xmlns:a14="http://schemas.microsoft.com/office/drawing/2010/main" showMasterSp="1" showMasterPhAnim="1">
-  <p:cSld>
-    <p:spTree>
-      <p:nvGrpSpPr>
-        <p:cNvPr id="1" name=""/>
-        <p:cNvGrpSpPr/>
-        <p:nvPr/>
-      </p:nvGrpSpPr>
-      <p:grpSpPr>
-        <a:xfrm>
-          <a:off x="0" y="0"/>
-          <a:ext cx="0" cy="0"/>
-          <a:chOff x="0" y="0"/>
-          <a:chExt cx="0" cy="0"/>
-        </a:xfrm>
-      </p:grpSpPr>
       <p:sp>
         <p:nvSpPr>
-          <p:cNvPr id="376" name="Slide Number Placeholder 3"/>
-          <p:cNvSpPr txBox="1"/>
-          <p:nvPr>
-            <p:ph type="sldNum" sz="quarter" idx="2"/>
-          </p:nvPr>
-        </p:nvSpPr>
-        <p:spPr>
-          <a:xfrm>
-            <a:off x="8864600" y="4787109"/>
-            <a:ext cx="127000" cy="139701"/>
-          </a:xfrm>
-          <a:prstGeom prst="rect">
-            <a:avLst/>
-          </a:prstGeom>
-          <a:extLst>
-            <a:ext uri="{C572A759-6A51-4108-AA02-DFA0A04FC94B}">
-              <ma14:wrappingTextBoxFlag xmlns:ma14="http://schemas.microsoft.com/office/mac/drawingml/2011/main" val="1"/>
-            </a:ext>
-          </a:extLst>
-        </p:spPr>
-        <p:txBody>
-          <a:bodyPr/>
-          <a:lstStyle/>
-          <a:p>
-            <a:pPr/>
-            <a:fld id="{86CB4B4D-7CA3-9044-876B-883B54F8677D}" type="slidenum"/>
-          </a:p>
-        </p:txBody>
-      </p:sp>
-      <p:sp>
-        <p:nvSpPr>
-          <p:cNvPr id="377" name="Returning graphical objects from functions"/>
+          <p:cNvPr id="381" name="# A script that takes some time: check-prime…"/>
           <p:cNvSpPr txBox="1"/>
           <p:nvPr/>
         </p:nvSpPr>
         <p:spPr>
           <a:xfrm>
-            <a:off x="1244524" y="160656"/>
-            <a:ext cx="6982609" cy="535939"/>
+            <a:off x="4404407" y="961391"/>
+            <a:ext cx="4557618" cy="3545839"/>
           </a:xfrm>
           <a:prstGeom prst="rect">
             <a:avLst/>
@@ -14773,36 +14748,444 @@
           </a:extLst>
         </p:spPr>
         <p:txBody>
-          <a:bodyPr wrap="none" lIns="45718" tIns="45718" rIns="45718" bIns="45718">
+          <a:bodyPr lIns="45718" tIns="45718" rIns="45718" bIns="45718">
             <a:spAutoFit/>
           </a:bodyPr>
-          <a:lstStyle>
-            <a:lvl1pPr>
-              <a:defRPr sz="2900">
-                <a:solidFill>
-                  <a:srgbClr val="FFFFFF"/>
-                </a:solidFill>
-              </a:defRPr>
-            </a:lvl1pPr>
-          </a:lstStyle>
-          <a:p>
-            <a:pPr/>
-            <a:r>
-              <a:t>Returning graphical objects from functions</a:t>
+          <a:lstStyle/>
+          <a:p>
+            <a:pPr defTabSz="457200">
+              <a:defRPr b="1" sz="1300">
+                <a:solidFill>
+                  <a:srgbClr val="000000"/>
+                </a:solidFill>
+              </a:defRPr>
+            </a:pPr>
+            <a:r>
+              <a:t># A script that takes some time: check-prime</a:t>
+            </a:r>
+          </a:p>
+          <a:p>
+            <a:pPr defTabSz="457200">
+              <a:defRPr sz="1300">
+                <a:solidFill>
+                  <a:srgbClr val="0033B3"/>
+                </a:solidFill>
+              </a:defRPr>
+            </a:pPr>
+            <a:r>
+              <a:t>import </a:t>
+            </a:r>
+            <a:r>
+              <a:rPr>
+                <a:solidFill>
+                  <a:srgbClr val="080808"/>
+                </a:solidFill>
+              </a:rPr>
+              <a:t>time</a:t>
+            </a:r>
+            <a:endParaRPr>
+              <a:solidFill>
+                <a:srgbClr val="080808"/>
+              </a:solidFill>
+            </a:endParaRPr>
+          </a:p>
+          <a:p>
+            <a:pPr defTabSz="457200">
+              <a:defRPr sz="1300">
+                <a:solidFill>
+                  <a:srgbClr val="080808"/>
+                </a:solidFill>
+              </a:defRPr>
+            </a:pPr>
+            <a:r>
+              <a:t>start_time = time.time()</a:t>
+            </a:r>
+          </a:p>
+          <a:p>
+            <a:pPr defTabSz="457200">
+              <a:defRPr sz="1300">
+                <a:solidFill>
+                  <a:srgbClr val="1750EB"/>
+                </a:solidFill>
+              </a:defRPr>
+            </a:pPr>
+            <a:r>
+              <a:rPr>
+                <a:solidFill>
+                  <a:srgbClr val="080808"/>
+                </a:solidFill>
+              </a:rPr>
+              <a:t>n = </a:t>
+            </a:r>
+            <a:r>
+              <a:t>151153234</a:t>
+            </a:r>
+          </a:p>
+          <a:p>
+            <a:pPr defTabSz="457200">
+              <a:defRPr sz="1300">
+                <a:solidFill>
+                  <a:srgbClr val="1750EB"/>
+                </a:solidFill>
+              </a:defRPr>
+            </a:pPr>
+          </a:p>
+          <a:p>
+            <a:pPr defTabSz="457200">
+              <a:defRPr sz="1300">
+                <a:solidFill>
+                  <a:srgbClr val="080808"/>
+                </a:solidFill>
+              </a:defRPr>
+            </a:pPr>
+            <a:r>
+              <a:t>is_prime = </a:t>
+            </a:r>
+            <a:r>
+              <a:rPr>
+                <a:solidFill>
+                  <a:srgbClr val="0033B3"/>
+                </a:solidFill>
+              </a:rPr>
+              <a:t>True</a:t>
+            </a:r>
+            <a:endParaRPr>
+              <a:solidFill>
+                <a:srgbClr val="0033B3"/>
+              </a:solidFill>
+            </a:endParaRPr>
+          </a:p>
+          <a:p>
+            <a:pPr defTabSz="457200">
+              <a:defRPr sz="1300">
+                <a:solidFill>
+                  <a:srgbClr val="080808"/>
+                </a:solidFill>
+              </a:defRPr>
+            </a:pPr>
+            <a:r>
+              <a:rPr>
+                <a:solidFill>
+                  <a:srgbClr val="0033B3"/>
+                </a:solidFill>
+              </a:rPr>
+              <a:t>for </a:t>
+            </a:r>
+            <a:r>
+              <a:t>i </a:t>
+            </a:r>
+            <a:r>
+              <a:rPr>
+                <a:solidFill>
+                  <a:srgbClr val="0033B3"/>
+                </a:solidFill>
+              </a:rPr>
+              <a:t>in </a:t>
+            </a:r>
+            <a:r>
+              <a:rPr>
+                <a:solidFill>
+                  <a:srgbClr val="011480"/>
+                </a:solidFill>
+              </a:rPr>
+              <a:t>range</a:t>
+            </a:r>
+            <a:r>
+              <a:t>(</a:t>
+            </a:r>
+            <a:r>
+              <a:rPr>
+                <a:solidFill>
+                  <a:srgbClr val="1750EB"/>
+                </a:solidFill>
+              </a:rPr>
+              <a:t>2</a:t>
+            </a:r>
+            <a:r>
+              <a:t>, n):</a:t>
+            </a:r>
+          </a:p>
+          <a:p>
+            <a:pPr defTabSz="457200">
+              <a:defRPr sz="1300">
+                <a:solidFill>
+                  <a:srgbClr val="080808"/>
+                </a:solidFill>
+              </a:defRPr>
+            </a:pPr>
+            <a:r>
+              <a:t>    </a:t>
+            </a:r>
+            <a:r>
+              <a:rPr>
+                <a:solidFill>
+                  <a:srgbClr val="0033B3"/>
+                </a:solidFill>
+              </a:rPr>
+              <a:t>if </a:t>
+            </a:r>
+            <a:r>
+              <a:t>n % i == </a:t>
+            </a:r>
+            <a:r>
+              <a:rPr>
+                <a:solidFill>
+                  <a:srgbClr val="1750EB"/>
+                </a:solidFill>
+              </a:rPr>
+              <a:t>0</a:t>
+            </a:r>
+            <a:r>
+              <a:t>:</a:t>
+            </a:r>
+          </a:p>
+          <a:p>
+            <a:pPr defTabSz="457200">
+              <a:defRPr sz="1300">
+                <a:solidFill>
+                  <a:srgbClr val="080808"/>
+                </a:solidFill>
+              </a:defRPr>
+            </a:pPr>
+            <a:r>
+              <a:t>        is_prime = </a:t>
+            </a:r>
+            <a:r>
+              <a:rPr>
+                <a:solidFill>
+                  <a:srgbClr val="0033B3"/>
+                </a:solidFill>
+              </a:rPr>
+              <a:t>False</a:t>
+            </a:r>
+            <a:endParaRPr i="1">
+              <a:solidFill>
+                <a:srgbClr val="8C8C8C"/>
+              </a:solidFill>
+            </a:endParaRPr>
+          </a:p>
+          <a:p>
+            <a:pPr defTabSz="457200">
+              <a:defRPr sz="1300">
+                <a:solidFill>
+                  <a:srgbClr val="0C0FFF"/>
+                </a:solidFill>
+              </a:defRPr>
+            </a:pPr>
+            <a:r>
+              <a:rPr i="1">
+                <a:solidFill>
+                  <a:srgbClr val="8C8C8C"/>
+                </a:solidFill>
+              </a:rPr>
+              <a:t>        </a:t>
+            </a:r>
+            <a:r>
+              <a:rPr i="1"/>
+              <a:t>break</a:t>
+            </a:r>
+            <a:endParaRPr i="1">
+              <a:solidFill>
+                <a:srgbClr val="8C8C8C"/>
+              </a:solidFill>
+            </a:endParaRPr>
+          </a:p>
+          <a:p>
+            <a:pPr defTabSz="457200">
+              <a:defRPr sz="1300">
+                <a:solidFill>
+                  <a:srgbClr val="080808"/>
+                </a:solidFill>
+              </a:defRPr>
+            </a:pPr>
+            <a:r>
+              <a:rPr>
+                <a:solidFill>
+                  <a:srgbClr val="0033B3"/>
+                </a:solidFill>
+              </a:rPr>
+              <a:t>if </a:t>
+            </a:r>
+            <a:r>
+              <a:t>is_prime:</a:t>
+            </a:r>
+          </a:p>
+          <a:p>
+            <a:pPr defTabSz="457200">
+              <a:defRPr sz="1300">
+                <a:solidFill>
+                  <a:srgbClr val="008080"/>
+                </a:solidFill>
+              </a:defRPr>
+            </a:pPr>
+            <a:r>
+              <a:rPr>
+                <a:solidFill>
+                  <a:srgbClr val="080808"/>
+                </a:solidFill>
+              </a:rPr>
+              <a:t>    </a:t>
+            </a:r>
+            <a:r>
+              <a:rPr>
+                <a:solidFill>
+                  <a:srgbClr val="011480"/>
+                </a:solidFill>
+              </a:rPr>
+              <a:t>print</a:t>
+            </a:r>
+            <a:r>
+              <a:rPr>
+                <a:solidFill>
+                  <a:srgbClr val="080808"/>
+                </a:solidFill>
+              </a:rPr>
+              <a:t>(</a:t>
+            </a:r>
+            <a:r>
+              <a:rPr b="1"/>
+              <a:t>"Is prime"</a:t>
+            </a:r>
+            <a:r>
+              <a:rPr>
+                <a:solidFill>
+                  <a:srgbClr val="080808"/>
+                </a:solidFill>
+              </a:rPr>
+              <a:t>)</a:t>
+            </a:r>
+            <a:endParaRPr>
+              <a:solidFill>
+                <a:srgbClr val="080808"/>
+              </a:solidFill>
+            </a:endParaRPr>
+          </a:p>
+          <a:p>
+            <a:pPr defTabSz="457200">
+              <a:defRPr sz="1300">
+                <a:solidFill>
+                  <a:srgbClr val="0033B3"/>
+                </a:solidFill>
+              </a:defRPr>
+            </a:pPr>
+            <a:r>
+              <a:t>else</a:t>
+            </a:r>
+            <a:r>
+              <a:rPr>
+                <a:solidFill>
+                  <a:srgbClr val="080808"/>
+                </a:solidFill>
+              </a:rPr>
+              <a:t>:</a:t>
+            </a:r>
+            <a:endParaRPr>
+              <a:solidFill>
+                <a:srgbClr val="080808"/>
+              </a:solidFill>
+            </a:endParaRPr>
+          </a:p>
+          <a:p>
+            <a:pPr defTabSz="457200">
+              <a:defRPr b="1" sz="1300">
+                <a:solidFill>
+                  <a:srgbClr val="008080"/>
+                </a:solidFill>
+              </a:defRPr>
+            </a:pPr>
+            <a:r>
+              <a:rPr b="0">
+                <a:solidFill>
+                  <a:srgbClr val="080808"/>
+                </a:solidFill>
+              </a:rPr>
+              <a:t>    </a:t>
+            </a:r>
+            <a:r>
+              <a:rPr b="0">
+                <a:solidFill>
+                  <a:srgbClr val="011480"/>
+                </a:solidFill>
+              </a:rPr>
+              <a:t>print</a:t>
+            </a:r>
+            <a:r>
+              <a:rPr b="0">
+                <a:solidFill>
+                  <a:srgbClr val="080808"/>
+                </a:solidFill>
+              </a:rPr>
+              <a:t>(</a:t>
+            </a:r>
+            <a:r>
+              <a:t>"Is not prime"</a:t>
+            </a:r>
+            <a:r>
+              <a:rPr b="0">
+                <a:solidFill>
+                  <a:srgbClr val="080808"/>
+                </a:solidFill>
+              </a:rPr>
+              <a:t>)</a:t>
+            </a:r>
+            <a:endParaRPr b="0">
+              <a:solidFill>
+                <a:srgbClr val="080808"/>
+              </a:solidFill>
+            </a:endParaRPr>
+          </a:p>
+          <a:p>
+            <a:pPr defTabSz="457200">
+              <a:defRPr sz="1300">
+                <a:solidFill>
+                  <a:srgbClr val="080808"/>
+                </a:solidFill>
+              </a:defRPr>
+            </a:pPr>
+          </a:p>
+          <a:p>
+            <a:pPr defTabSz="457200">
+              <a:defRPr sz="1300">
+                <a:solidFill>
+                  <a:srgbClr val="080808"/>
+                </a:solidFill>
+              </a:defRPr>
+            </a:pPr>
+            <a:r>
+              <a:rPr>
+                <a:solidFill>
+                  <a:srgbClr val="011480"/>
+                </a:solidFill>
+              </a:rPr>
+              <a:t>print</a:t>
+            </a:r>
+            <a:r>
+              <a:t>(</a:t>
+            </a:r>
+            <a:r>
+              <a:rPr b="1">
+                <a:solidFill>
+                  <a:srgbClr val="008080"/>
+                </a:solidFill>
+              </a:rPr>
+              <a:t>"--- {} seconds ---"</a:t>
+            </a:r>
+            <a:r>
+              <a:t>.format(time.time() - start_time))</a:t>
             </a:r>
           </a:p>
         </p:txBody>
       </p:sp>
       <p:sp>
         <p:nvSpPr>
-          <p:cNvPr id="378" name="# A function to create a single graphical object and return…"/>
+          <p:cNvPr id="382" name="Is not prime…"/>
           <p:cNvSpPr txBox="1"/>
           <p:nvPr/>
         </p:nvSpPr>
         <p:spPr>
           <a:xfrm>
-            <a:off x="669963" y="1233170"/>
-            <a:ext cx="7621194" cy="1386839"/>
+            <a:off x="4442118" y="4595340"/>
+            <a:ext cx="3316346" cy="523239"/>
           </a:xfrm>
           <a:prstGeom prst="rect">
             <a:avLst/>
@@ -14817,94 +15200,36 @@
           </a:extLst>
         </p:spPr>
         <p:txBody>
-          <a:bodyPr lIns="45718" tIns="45718" rIns="45718" bIns="45718">
+          <a:bodyPr wrap="none" lIns="45718" tIns="45718" rIns="45718" bIns="45718">
             <a:spAutoFit/>
           </a:bodyPr>
           <a:lstStyle/>
           <a:p>
+            <a:pPr/>
+            <a:r>
+              <a:t>Is not prime</a:t>
+            </a:r>
+          </a:p>
+          <a:p>
             <a:pPr>
-              <a:defRPr b="1">
-                <a:solidFill>
-                  <a:srgbClr val="000000"/>
-                </a:solidFill>
-              </a:defRPr>
+              <a:defRPr b="1"/>
             </a:pPr>
             <a:r>
-              <a:t># A function to create a single graphical object and return</a:t>
-            </a:r>
-          </a:p>
-          <a:p>
-            <a:pPr>
-              <a:defRPr>
-                <a:solidFill>
-                  <a:srgbClr val="000000"/>
-                </a:solidFill>
-              </a:defRPr>
-            </a:pPr>
-            <a:r>
-              <a:t>def setup_graphical_object(canvas):</a:t>
-            </a:r>
-          </a:p>
-          <a:p>
-            <a:pPr>
-              <a:defRPr>
-                <a:solidFill>
-                  <a:srgbClr val="000000"/>
-                </a:solidFill>
-              </a:defRPr>
-            </a:pPr>
-            <a:r>
-              <a:t>    object_x = … some expression to compute x …</a:t>
-            </a:r>
-          </a:p>
-          <a:p>
-            <a:pPr>
-              <a:defRPr>
-                <a:solidFill>
-                  <a:srgbClr val="000000"/>
-                </a:solidFill>
-              </a:defRPr>
-            </a:pPr>
-            <a:r>
-              <a:t>    object_y = … some expression to compute x … </a:t>
-            </a:r>
-          </a:p>
-          <a:p>
-            <a:pPr>
-              <a:defRPr>
-                <a:solidFill>
-                  <a:srgbClr val="000000"/>
-                </a:solidFill>
-              </a:defRPr>
-            </a:pPr>
-            <a:r>
-              <a:t>    my_object = canvas.create_….(object_x, object_y, object_x+SIZE, object_y+SIZE)</a:t>
-            </a:r>
-          </a:p>
-          <a:p>
-            <a:pPr>
-              <a:defRPr>
-                <a:solidFill>
-                  <a:srgbClr val="000000"/>
-                </a:solidFill>
-              </a:defRPr>
-            </a:pPr>
-            <a:r>
-              <a:t>    return my_object</a:t>
+              <a:t>--- 3.123283386230469e-05 seconds ---</a:t>
             </a:r>
           </a:p>
         </p:txBody>
       </p:sp>
       <p:sp>
         <p:nvSpPr>
-          <p:cNvPr id="379" name="# A function to create multiple graphical objects, put those in a list and return the list of objects…"/>
+          <p:cNvPr id="383" name="Output:"/>
           <p:cNvSpPr txBox="1"/>
           <p:nvPr/>
         </p:nvSpPr>
         <p:spPr>
           <a:xfrm>
-            <a:off x="659602" y="2994342"/>
-            <a:ext cx="8152454" cy="1818639"/>
+            <a:off x="4458489" y="4348481"/>
+            <a:ext cx="745886" cy="307339"/>
           </a:xfrm>
           <a:prstGeom prst="rect">
             <a:avLst/>
@@ -14922,102 +15247,100 @@
           <a:bodyPr wrap="none" lIns="45718" tIns="45718" rIns="45718" bIns="45718">
             <a:spAutoFit/>
           </a:bodyPr>
+          <a:lstStyle>
+            <a:lvl1pPr>
+              <a:defRPr b="1">
+                <a:solidFill>
+                  <a:srgbClr val="000000"/>
+                </a:solidFill>
+              </a:defRPr>
+            </a:lvl1pPr>
+          </a:lstStyle>
+          <a:p>
+            <a:pPr/>
+            <a:r>
+              <a:t>Output:</a:t>
+            </a:r>
+          </a:p>
+        </p:txBody>
+      </p:sp>
+      <p:sp>
+        <p:nvSpPr>
+          <p:cNvPr id="384" name="We add a break statement"/>
+          <p:cNvSpPr txBox="1"/>
+          <p:nvPr/>
+        </p:nvSpPr>
+        <p:spPr>
+          <a:xfrm>
+            <a:off x="6896889" y="2640331"/>
+            <a:ext cx="1703883" cy="574039"/>
+          </a:xfrm>
+          <a:prstGeom prst="rect">
+            <a:avLst/>
+          </a:prstGeom>
+          <a:ln w="12700">
+            <a:miter lim="400000"/>
+          </a:ln>
+          <a:extLst>
+            <a:ext uri="{C572A759-6A51-4108-AA02-DFA0A04FC94B}">
+              <ma14:wrappingTextBoxFlag xmlns:ma14="http://schemas.microsoft.com/office/mac/drawingml/2011/main" val="1"/>
+            </a:ext>
+          </a:extLst>
+        </p:spPr>
+        <p:txBody>
+          <a:bodyPr lIns="45718" tIns="45718" rIns="45718" bIns="45718">
+            <a:spAutoFit/>
+          </a:bodyPr>
+          <a:lstStyle>
+            <a:lvl1pPr>
+              <a:defRPr b="1" sz="1600">
+                <a:solidFill>
+                  <a:srgbClr val="F61DFB"/>
+                </a:solidFill>
+              </a:defRPr>
+            </a:lvl1pPr>
+          </a:lstStyle>
+          <a:p>
+            <a:pPr/>
+            <a:r>
+              <a:t>We add a break statement</a:t>
+            </a:r>
+          </a:p>
+        </p:txBody>
+      </p:sp>
+      <p:sp>
+        <p:nvSpPr>
+          <p:cNvPr id="385" name="Line"/>
+          <p:cNvSpPr/>
+          <p:nvPr/>
+        </p:nvSpPr>
+        <p:spPr>
+          <a:xfrm flipH="1">
+            <a:off x="5400040" y="2947201"/>
+            <a:ext cx="1446092" cy="1"/>
+          </a:xfrm>
+          <a:prstGeom prst="line">
+            <a:avLst/>
+          </a:prstGeom>
+          <a:ln w="25400">
+            <a:solidFill>
+              <a:srgbClr val="F20FF0"/>
+            </a:solidFill>
+            <a:tailEnd type="triangle"/>
+          </a:ln>
+          <a:effectLst>
+            <a:outerShdw sx="100000" sy="100000" kx="0" ky="0" algn="b" rotWithShape="0" blurRad="38100" dist="23000" dir="5400000">
+              <a:srgbClr val="000000">
+                <a:alpha val="35000"/>
+              </a:srgbClr>
+            </a:outerShdw>
+          </a:effectLst>
+        </p:spPr>
+        <p:txBody>
+          <a:bodyPr lIns="45718" tIns="45718" rIns="45718" bIns="45718"/>
           <a:lstStyle/>
           <a:p>
-            <a:pPr>
-              <a:defRPr b="1">
-                <a:solidFill>
-                  <a:srgbClr val="000000"/>
-                </a:solidFill>
-              </a:defRPr>
-            </a:pPr>
-            <a:r>
-              <a:t># A function to create multiple graphical objects, put those in a list and return the list of objects</a:t>
-            </a:r>
-          </a:p>
-          <a:p>
-            <a:pPr>
-              <a:defRPr>
-                <a:solidFill>
-                  <a:srgbClr val="000000"/>
-                </a:solidFill>
-              </a:defRPr>
-            </a:pPr>
-            <a:r>
-              <a:t>def setup_graphical_objects(canvas):</a:t>
-            </a:r>
-          </a:p>
-          <a:p>
-            <a:pPr>
-              <a:defRPr>
-                <a:solidFill>
-                  <a:srgbClr val="000000"/>
-                </a:solidFill>
-              </a:defRPr>
-            </a:pPr>
-            <a:r>
-              <a:t>    objects_list = []</a:t>
-            </a:r>
-          </a:p>
-          <a:p>
-            <a:pPr>
-              <a:defRPr>
-                <a:solidFill>
-                  <a:srgbClr val="000000"/>
-                </a:solidFill>
-              </a:defRPr>
-            </a:pPr>
-            <a:r>
-              <a:t>    for i in range(NUM_OBJECTS):</a:t>
-            </a:r>
-          </a:p>
-          <a:p>
-            <a:pPr>
-              <a:defRPr>
-                <a:solidFill>
-                  <a:srgbClr val="000000"/>
-                </a:solidFill>
-              </a:defRPr>
-            </a:pPr>
-            <a:r>
-              <a:t>        object_x = … some expression to compute x …</a:t>
-            </a:r>
-          </a:p>
-          <a:p>
-            <a:pPr>
-              <a:defRPr>
-                <a:solidFill>
-                  <a:srgbClr val="000000"/>
-                </a:solidFill>
-              </a:defRPr>
-            </a:pPr>
-            <a:r>
-              <a:t>        object_y = … some expression to compute x …</a:t>
-            </a:r>
-          </a:p>
-          <a:p>
-            <a:pPr>
-              <a:defRPr>
-                <a:solidFill>
-                  <a:srgbClr val="000000"/>
-                </a:solidFill>
-              </a:defRPr>
-            </a:pPr>
-            <a:r>
-              <a:t>        objects_list.append(canvas.create_….(object_x, object_y, object_x+SIZE, object_y+SIZE))</a:t>
-            </a:r>
-          </a:p>
-          <a:p>
-            <a:pPr>
-              <a:defRPr>
-                <a:solidFill>
-                  <a:srgbClr val="000000"/>
-                </a:solidFill>
-              </a:defRPr>
-            </a:pPr>
-            <a:r>
-              <a:t>    return objects_list</a:t>
-            </a:r>
+            <a:pPr/>
           </a:p>
         </p:txBody>
       </p:sp>
@@ -15060,7 +15383,42 @@
                                       <p:cBhvr>
                                         <p:cTn id="6" fill="hold"/>
                                         <p:tgtEl>
-                                          <p:spTgt spid="379"/>
+                                          <p:spTgt spid="383"/>
+                                        </p:tgtEl>
+                                        <p:attrNameLst>
+                                          <p:attrName>style.visibility</p:attrName>
+                                        </p:attrNameLst>
+                                      </p:cBhvr>
+                                      <p:to>
+                                        <p:strVal val="visible"/>
+                                      </p:to>
+                                    </p:set>
+                                  </p:childTnLst>
+                                </p:cTn>
+                              </p:par>
+                            </p:childTnLst>
+                          </p:cTn>
+                        </p:par>
+                        <p:par>
+                          <p:cTn id="7" fill="hold">
+                            <p:stCondLst>
+                              <p:cond delay="0"/>
+                            </p:stCondLst>
+                            <p:childTnLst>
+                              <p:par>
+                                <p:cTn id="8" presetClass="entr" nodeType="afterEffect" presetSubtype="0" presetID="1" grpId="2" fill="hold">
+                                  <p:stCondLst>
+                                    <p:cond delay="0"/>
+                                  </p:stCondLst>
+                                  <p:iterate type="el" backwards="0">
+                                    <p:tmAbs val="0"/>
+                                  </p:iterate>
+                                  <p:childTnLst>
+                                    <p:set>
+                                      <p:cBhvr>
+                                        <p:cTn id="9" fill="hold"/>
+                                        <p:tgtEl>
+                                          <p:spTgt spid="382"/>
                                         </p:tgtEl>
                                         <p:attrNameLst>
                                           <p:attrName>style.visibility</p:attrName>
@@ -15101,13 +15459,14 @@
       </p:par>
     </p:tnLst>
     <p:bldLst>
-      <p:bldP build="whole" bldLvl="1" animBg="1" rev="0" advAuto="0" spid="379" grpId="1"/>
+      <p:bldP build="whole" bldLvl="1" animBg="1" rev="0" advAuto="0" spid="383" grpId="1"/>
+      <p:bldP build="whole" bldLvl="1" animBg="1" rev="0" advAuto="0" spid="382" grpId="2"/>
     </p:bldLst>
   </p:timing>
 </p:sld>
 </file>
 
-<file path=ppt/slides/slide8.xml><?xml version="1.0" encoding="utf-8"?>
+<file path=ppt/slides/slide9.xml><?xml version="1.0" encoding="utf-8"?>
 <p:sld xmlns:a="http://schemas.openxmlformats.org/drawingml/2006/main" xmlns:r="http://schemas.openxmlformats.org/officeDocument/2006/relationships" xmlns:p="http://schemas.openxmlformats.org/presentationml/2006/main" xmlns:m="http://schemas.openxmlformats.org/officeDocument/2006/math" xmlns:a14="http://schemas.microsoft.com/office/drawing/2010/main" showMasterSp="1" showMasterPhAnim="1">
   <p:cSld>
     <p:spTree>
@@ -15126,7 +15485,7 @@
       </p:grpSpPr>
       <p:sp>
         <p:nvSpPr>
-          <p:cNvPr id="381" name="Slide Number Placeholder 3"/>
+          <p:cNvPr id="387" name="Slide Number Placeholder 3"/>
           <p:cNvSpPr txBox="1"/>
           <p:nvPr>
             <p:ph type="sldNum" sz="quarter" idx="2"/>
@@ -15157,14 +15516,14 @@
       </p:sp>
       <p:sp>
         <p:nvSpPr>
-          <p:cNvPr id="382" name="Returning multiple values from functions"/>
+          <p:cNvPr id="388" name="Breaking an infinite loop"/>
           <p:cNvSpPr txBox="1"/>
           <p:nvPr/>
         </p:nvSpPr>
         <p:spPr>
           <a:xfrm>
-            <a:off x="1244524" y="160656"/>
-            <a:ext cx="6654772" cy="535939"/>
+            <a:off x="2554345" y="145572"/>
+            <a:ext cx="4035310" cy="535939"/>
           </a:xfrm>
           <a:prstGeom prst="rect">
             <a:avLst/>
@@ -15194,234 +15553,897 @@
           <a:p>
             <a:pPr/>
             <a:r>
-              <a:t>Returning multiple values from functions</a:t>
-            </a:r>
-          </a:p>
-        </p:txBody>
-      </p:sp>
-      <p:pic>
-        <p:nvPicPr>
-          <p:cNvPr id="383" name="Google Shape;80;p17" descr="Google Shape;80;p17"/>
-          <p:cNvPicPr>
-            <a:picLocks noChangeAspect="1"/>
-          </p:cNvPicPr>
-          <p:nvPr/>
-        </p:nvPicPr>
-        <p:blipFill>
-          <a:blip r:embed="rId2">
-            <a:extLst/>
-          </a:blip>
-          <a:stretch>
-            <a:fillRect/>
-          </a:stretch>
-        </p:blipFill>
-        <p:spPr>
-          <a:xfrm>
-            <a:off x="2132409" y="1273413"/>
-            <a:ext cx="4879182" cy="2921795"/>
-          </a:xfrm>
-          <a:prstGeom prst="rect">
-            <a:avLst/>
-          </a:prstGeom>
-          <a:ln w="12700">
-            <a:miter lim="400000"/>
-          </a:ln>
-        </p:spPr>
-      </p:pic>
-      <p:sp>
-        <p:nvSpPr>
-          <p:cNvPr id="384" name="Google Shape;81;p17"/>
-          <p:cNvSpPr/>
-          <p:nvPr/>
-        </p:nvSpPr>
-        <p:spPr>
-          <a:xfrm>
-            <a:off x="3325349" y="2702815"/>
-            <a:ext cx="2053953" cy="367801"/>
-          </a:xfrm>
-          <a:prstGeom prst="roundRect">
-            <a:avLst>
-              <a:gd name="adj" fmla="val 16667"/>
-            </a:avLst>
-          </a:prstGeom>
-          <a:ln w="38100">
-            <a:solidFill>
-              <a:srgbClr val="FF9900"/>
-            </a:solidFill>
-          </a:ln>
-        </p:spPr>
-        <p:txBody>
-          <a:bodyPr lIns="0" tIns="0" rIns="0" bIns="0" anchor="ctr"/>
-          <a:lstStyle/>
-          <a:p>
-            <a:pPr>
-              <a:defRPr>
-                <a:solidFill>
-                  <a:srgbClr val="000000"/>
-                </a:solidFill>
-                <a:latin typeface="+mn-lt"/>
-                <a:ea typeface="+mn-ea"/>
-                <a:cs typeface="+mn-cs"/>
-                <a:sym typeface="Arial"/>
-              </a:defRPr>
-            </a:pPr>
+              <a:t>Breaking an infinite loop</a:t>
+            </a:r>
           </a:p>
         </p:txBody>
       </p:sp>
       <p:sp>
         <p:nvSpPr>
-          <p:cNvPr id="385" name="Google Shape;82;p17"/>
-          <p:cNvSpPr/>
+          <p:cNvPr id="389" name="user_ints= []…"/>
+          <p:cNvSpPr txBox="1"/>
           <p:nvPr/>
         </p:nvSpPr>
         <p:spPr>
           <a:xfrm>
-            <a:off x="2503581" y="3938575"/>
-            <a:ext cx="4612555" cy="376801"/>
+            <a:off x="415292" y="1520190"/>
+            <a:ext cx="3091176" cy="1513839"/>
           </a:xfrm>
-          <a:prstGeom prst="roundRect">
-            <a:avLst>
-              <a:gd name="adj" fmla="val 16667"/>
-            </a:avLst>
-          </a:prstGeom>
-          <a:ln w="38100">
-            <a:solidFill>
-              <a:srgbClr val="FF9900"/>
-            </a:solidFill>
+          <a:prstGeom prst="rect">
+            <a:avLst/>
+          </a:prstGeom>
+          <a:ln w="12700">
+            <a:miter lim="400000"/>
           </a:ln>
+          <a:extLst>
+            <a:ext uri="{C572A759-6A51-4108-AA02-DFA0A04FC94B}">
+              <ma14:wrappingTextBoxFlag xmlns:ma14="http://schemas.microsoft.com/office/mac/drawingml/2011/main" val="1"/>
+            </a:ext>
+          </a:extLst>
         </p:spPr>
         <p:txBody>
-          <a:bodyPr lIns="0" tIns="0" rIns="0" bIns="0" anchor="ctr"/>
+          <a:bodyPr wrap="none" lIns="45718" tIns="45718" rIns="45718" bIns="45718">
+            <a:spAutoFit/>
+          </a:bodyPr>
           <a:lstStyle/>
           <a:p>
-            <a:pPr>
-              <a:defRPr>
-                <a:solidFill>
-                  <a:srgbClr val="000000"/>
-                </a:solidFill>
-                <a:latin typeface="+mn-lt"/>
-                <a:ea typeface="+mn-ea"/>
-                <a:cs typeface="+mn-cs"/>
-                <a:sym typeface="Arial"/>
+            <a:pPr defTabSz="457200">
+              <a:defRPr sz="1300">
+                <a:solidFill>
+                  <a:srgbClr val="080808"/>
+                </a:solidFill>
               </a:defRPr>
             </a:pPr>
+            <a:r>
+              <a:t>user_ints= []</a:t>
+            </a:r>
+          </a:p>
+          <a:p>
+            <a:pPr defTabSz="457200">
+              <a:defRPr b="1" sz="1300">
+                <a:solidFill>
+                  <a:srgbClr val="008080"/>
+                </a:solidFill>
+              </a:defRPr>
+            </a:pPr>
+            <a:r>
+              <a:rPr b="0">
+                <a:solidFill>
+                  <a:srgbClr val="080808"/>
+                </a:solidFill>
+              </a:rPr>
+              <a:t>value = </a:t>
+            </a:r>
+            <a:r>
+              <a:rPr b="0">
+                <a:solidFill>
+                  <a:srgbClr val="011480"/>
+                </a:solidFill>
+              </a:rPr>
+              <a:t>int</a:t>
+            </a:r>
+            <a:r>
+              <a:rPr b="0">
+                <a:solidFill>
+                  <a:srgbClr val="080808"/>
+                </a:solidFill>
+              </a:rPr>
+              <a:t>(</a:t>
+            </a:r>
+            <a:r>
+              <a:rPr b="0">
+                <a:solidFill>
+                  <a:srgbClr val="011480"/>
+                </a:solidFill>
+              </a:rPr>
+              <a:t>input</a:t>
+            </a:r>
+            <a:r>
+              <a:rPr b="0">
+                <a:solidFill>
+                  <a:srgbClr val="080808"/>
+                </a:solidFill>
+              </a:rPr>
+              <a:t>(</a:t>
+            </a:r>
+            <a:r>
+              <a:t>"Enter an integer:"</a:t>
+            </a:r>
+            <a:r>
+              <a:rPr b="0">
+                <a:solidFill>
+                  <a:srgbClr val="080808"/>
+                </a:solidFill>
+              </a:rPr>
+              <a:t>))</a:t>
+            </a:r>
+            <a:endParaRPr b="0">
+              <a:solidFill>
+                <a:srgbClr val="080808"/>
+              </a:solidFill>
+            </a:endParaRPr>
+          </a:p>
+          <a:p>
+            <a:pPr defTabSz="457200">
+              <a:defRPr sz="1300">
+                <a:solidFill>
+                  <a:srgbClr val="080808"/>
+                </a:solidFill>
+              </a:defRPr>
+            </a:pPr>
+            <a:r>
+              <a:rPr>
+                <a:solidFill>
+                  <a:srgbClr val="0033B3"/>
+                </a:solidFill>
+              </a:rPr>
+              <a:t>while </a:t>
+            </a:r>
+            <a:r>
+              <a:t>value &gt; </a:t>
+            </a:r>
+            <a:r>
+              <a:rPr>
+                <a:solidFill>
+                  <a:srgbClr val="1750EB"/>
+                </a:solidFill>
+              </a:rPr>
+              <a:t>0</a:t>
+            </a:r>
+            <a:r>
+              <a:t>:</a:t>
+            </a:r>
+          </a:p>
+          <a:p>
+            <a:pPr defTabSz="457200">
+              <a:defRPr sz="1300">
+                <a:solidFill>
+                  <a:srgbClr val="080808"/>
+                </a:solidFill>
+              </a:defRPr>
+            </a:pPr>
+            <a:r>
+              <a:t>    user_ints.append(value)</a:t>
+            </a:r>
+          </a:p>
+          <a:p>
+            <a:pPr defTabSz="457200">
+              <a:defRPr sz="1300">
+                <a:solidFill>
+                  <a:srgbClr val="008080"/>
+                </a:solidFill>
+              </a:defRPr>
+            </a:pPr>
+            <a:r>
+              <a:rPr>
+                <a:solidFill>
+                  <a:srgbClr val="080808"/>
+                </a:solidFill>
+              </a:rPr>
+              <a:t>    value = </a:t>
+            </a:r>
+            <a:r>
+              <a:rPr>
+                <a:solidFill>
+                  <a:srgbClr val="011480"/>
+                </a:solidFill>
+              </a:rPr>
+              <a:t>int</a:t>
+            </a:r>
+            <a:r>
+              <a:rPr>
+                <a:solidFill>
+                  <a:srgbClr val="080808"/>
+                </a:solidFill>
+              </a:rPr>
+              <a:t>(</a:t>
+            </a:r>
+            <a:r>
+              <a:rPr>
+                <a:solidFill>
+                  <a:srgbClr val="011480"/>
+                </a:solidFill>
+              </a:rPr>
+              <a:t>input</a:t>
+            </a:r>
+            <a:r>
+              <a:rPr>
+                <a:solidFill>
+                  <a:srgbClr val="080808"/>
+                </a:solidFill>
+              </a:rPr>
+              <a:t>(</a:t>
+            </a:r>
+            <a:r>
+              <a:rPr b="1"/>
+              <a:t>"Enter an integer:"</a:t>
+            </a:r>
+            <a:r>
+              <a:rPr>
+                <a:solidFill>
+                  <a:srgbClr val="080808"/>
+                </a:solidFill>
+              </a:rPr>
+              <a:t>))</a:t>
+            </a:r>
+            <a:endParaRPr>
+              <a:solidFill>
+                <a:srgbClr val="080808"/>
+              </a:solidFill>
+            </a:endParaRPr>
+          </a:p>
+          <a:p>
+            <a:pPr defTabSz="457200">
+              <a:defRPr sz="1300">
+                <a:solidFill>
+                  <a:srgbClr val="008080"/>
+                </a:solidFill>
+              </a:defRPr>
+            </a:pPr>
+            <a:r>
+              <a:rPr>
+                <a:solidFill>
+                  <a:srgbClr val="011480"/>
+                </a:solidFill>
+              </a:rPr>
+              <a:t>print</a:t>
+            </a:r>
+            <a:r>
+              <a:rPr>
+                <a:solidFill>
+                  <a:srgbClr val="080808"/>
+                </a:solidFill>
+              </a:rPr>
+              <a:t>(</a:t>
+            </a:r>
+            <a:r>
+              <a:rPr b="1"/>
+              <a:t>"Your inputs:" </a:t>
+            </a:r>
+            <a:r>
+              <a:rPr>
+                <a:solidFill>
+                  <a:srgbClr val="080808"/>
+                </a:solidFill>
+              </a:rPr>
+              <a:t>+ </a:t>
+            </a:r>
+            <a:r>
+              <a:rPr>
+                <a:solidFill>
+                  <a:srgbClr val="011480"/>
+                </a:solidFill>
+              </a:rPr>
+              <a:t>str</a:t>
+            </a:r>
+            <a:r>
+              <a:rPr>
+                <a:solidFill>
+                  <a:srgbClr val="080808"/>
+                </a:solidFill>
+              </a:rPr>
+              <a:t>(user_ints))</a:t>
+            </a:r>
+            <a:endParaRPr>
+              <a:solidFill>
+                <a:srgbClr val="080808"/>
+              </a:solidFill>
+            </a:endParaRPr>
           </a:p>
         </p:txBody>
       </p:sp>
       <p:sp>
         <p:nvSpPr>
-          <p:cNvPr id="386" name="Google Shape;83;p17"/>
-          <p:cNvSpPr/>
+          <p:cNvPr id="390" name="user_ints= []…"/>
+          <p:cNvSpPr txBox="1"/>
           <p:nvPr/>
         </p:nvSpPr>
         <p:spPr>
-          <a:xfrm flipH="1">
-            <a:off x="3123115" y="2981004"/>
-            <a:ext cx="490868" cy="981440"/>
+          <a:xfrm>
+            <a:off x="4915689" y="1433830"/>
+            <a:ext cx="4035310" cy="1920239"/>
           </a:xfrm>
-          <a:prstGeom prst="line">
-            <a:avLst/>
-          </a:prstGeom>
-          <a:ln w="38100">
-            <a:solidFill>
-              <a:srgbClr val="FF9900"/>
-            </a:solidFill>
-            <a:tailEnd type="triangle"/>
+          <a:prstGeom prst="rect">
+            <a:avLst/>
+          </a:prstGeom>
+          <a:ln w="12700">
+            <a:miter lim="400000"/>
           </a:ln>
+          <a:extLst>
+            <a:ext uri="{C572A759-6A51-4108-AA02-DFA0A04FC94B}">
+              <ma14:wrappingTextBoxFlag xmlns:ma14="http://schemas.microsoft.com/office/mac/drawingml/2011/main" val="1"/>
+            </a:ext>
+          </a:extLst>
         </p:spPr>
         <p:txBody>
-          <a:bodyPr lIns="0" tIns="0" rIns="0" bIns="0"/>
+          <a:bodyPr lIns="45718" tIns="45718" rIns="45718" bIns="45718">
+            <a:spAutoFit/>
+          </a:bodyPr>
           <a:lstStyle/>
           <a:p>
-            <a:pPr>
-              <a:defRPr>
-                <a:solidFill>
-                  <a:srgbClr val="000000"/>
-                </a:solidFill>
-                <a:latin typeface="+mn-lt"/>
-                <a:ea typeface="+mn-ea"/>
-                <a:cs typeface="+mn-cs"/>
-                <a:sym typeface="Arial"/>
+            <a:pPr defTabSz="457200">
+              <a:defRPr sz="1300">
+                <a:solidFill>
+                  <a:srgbClr val="080808"/>
+                </a:solidFill>
               </a:defRPr>
             </a:pPr>
+            <a:r>
+              <a:t>user_ints= []</a:t>
+            </a:r>
+          </a:p>
+          <a:p>
+            <a:pPr defTabSz="457200">
+              <a:defRPr sz="1300">
+                <a:solidFill>
+                  <a:srgbClr val="0033B3"/>
+                </a:solidFill>
+              </a:defRPr>
+            </a:pPr>
+            <a:r>
+              <a:t>while True</a:t>
+            </a:r>
+            <a:r>
+              <a:rPr>
+                <a:solidFill>
+                  <a:srgbClr val="080808"/>
+                </a:solidFill>
+              </a:rPr>
+              <a:t>:</a:t>
+            </a:r>
+            <a:endParaRPr>
+              <a:solidFill>
+                <a:srgbClr val="080808"/>
+              </a:solidFill>
+            </a:endParaRPr>
+          </a:p>
+          <a:p>
+            <a:pPr defTabSz="457200">
+              <a:defRPr sz="1300">
+                <a:solidFill>
+                  <a:srgbClr val="008080"/>
+                </a:solidFill>
+              </a:defRPr>
+            </a:pPr>
+            <a:r>
+              <a:rPr>
+                <a:solidFill>
+                  <a:srgbClr val="080808"/>
+                </a:solidFill>
+              </a:rPr>
+              <a:t>    value = </a:t>
+            </a:r>
+            <a:r>
+              <a:rPr>
+                <a:solidFill>
+                  <a:srgbClr val="011480"/>
+                </a:solidFill>
+              </a:rPr>
+              <a:t>int</a:t>
+            </a:r>
+            <a:r>
+              <a:rPr>
+                <a:solidFill>
+                  <a:srgbClr val="080808"/>
+                </a:solidFill>
+              </a:rPr>
+              <a:t>(</a:t>
+            </a:r>
+            <a:r>
+              <a:rPr>
+                <a:solidFill>
+                  <a:srgbClr val="011480"/>
+                </a:solidFill>
+              </a:rPr>
+              <a:t>input</a:t>
+            </a:r>
+            <a:r>
+              <a:rPr>
+                <a:solidFill>
+                  <a:srgbClr val="080808"/>
+                </a:solidFill>
+              </a:rPr>
+              <a:t>(</a:t>
+            </a:r>
+            <a:r>
+              <a:rPr b="1"/>
+              <a:t>"Enter an integer:"</a:t>
+            </a:r>
+            <a:r>
+              <a:rPr>
+                <a:solidFill>
+                  <a:srgbClr val="080808"/>
+                </a:solidFill>
+              </a:rPr>
+              <a:t>))</a:t>
+            </a:r>
+            <a:endParaRPr>
+              <a:solidFill>
+                <a:srgbClr val="080808"/>
+              </a:solidFill>
+            </a:endParaRPr>
+          </a:p>
+          <a:p>
+            <a:pPr defTabSz="457200">
+              <a:defRPr sz="1300">
+                <a:solidFill>
+                  <a:srgbClr val="080808"/>
+                </a:solidFill>
+              </a:defRPr>
+            </a:pPr>
+            <a:r>
+              <a:t>    </a:t>
+            </a:r>
+            <a:r>
+              <a:rPr>
+                <a:solidFill>
+                  <a:srgbClr val="0033B3"/>
+                </a:solidFill>
+              </a:rPr>
+              <a:t>if </a:t>
+            </a:r>
+            <a:r>
+              <a:t>value &gt; </a:t>
+            </a:r>
+            <a:r>
+              <a:rPr>
+                <a:solidFill>
+                  <a:srgbClr val="1750EB"/>
+                </a:solidFill>
+              </a:rPr>
+              <a:t>0</a:t>
+            </a:r>
+            <a:r>
+              <a:t>:</a:t>
+            </a:r>
+          </a:p>
+          <a:p>
+            <a:pPr defTabSz="457200">
+              <a:defRPr sz="1300">
+                <a:solidFill>
+                  <a:srgbClr val="080808"/>
+                </a:solidFill>
+              </a:defRPr>
+            </a:pPr>
+            <a:r>
+              <a:t>        user_ints.append(value)</a:t>
+            </a:r>
+          </a:p>
+          <a:p>
+            <a:pPr defTabSz="457200">
+              <a:defRPr sz="1300">
+                <a:solidFill>
+                  <a:srgbClr val="080808"/>
+                </a:solidFill>
+              </a:defRPr>
+            </a:pPr>
+            <a:r>
+              <a:t>    </a:t>
+            </a:r>
+            <a:r>
+              <a:rPr>
+                <a:solidFill>
+                  <a:srgbClr val="0033B3"/>
+                </a:solidFill>
+              </a:rPr>
+              <a:t>else</a:t>
+            </a:r>
+            <a:r>
+              <a:t>:</a:t>
+            </a:r>
+          </a:p>
+          <a:p>
+            <a:pPr defTabSz="457200">
+              <a:defRPr sz="1300">
+                <a:solidFill>
+                  <a:srgbClr val="080808"/>
+                </a:solidFill>
+              </a:defRPr>
+            </a:pPr>
+            <a:r>
+              <a:t>        </a:t>
+            </a:r>
+            <a:r>
+              <a:rPr>
+                <a:solidFill>
+                  <a:srgbClr val="0033B3"/>
+                </a:solidFill>
+              </a:rPr>
+              <a:t>break</a:t>
+            </a:r>
+            <a:endParaRPr>
+              <a:solidFill>
+                <a:srgbClr val="0033B3"/>
+              </a:solidFill>
+            </a:endParaRPr>
+          </a:p>
+          <a:p>
+            <a:pPr defTabSz="457200">
+              <a:defRPr sz="1300">
+                <a:solidFill>
+                  <a:srgbClr val="008080"/>
+                </a:solidFill>
+              </a:defRPr>
+            </a:pPr>
+            <a:r>
+              <a:rPr>
+                <a:solidFill>
+                  <a:srgbClr val="011480"/>
+                </a:solidFill>
+              </a:rPr>
+              <a:t>print</a:t>
+            </a:r>
+            <a:r>
+              <a:rPr>
+                <a:solidFill>
+                  <a:srgbClr val="080808"/>
+                </a:solidFill>
+              </a:rPr>
+              <a:t>(</a:t>
+            </a:r>
+            <a:r>
+              <a:rPr b="1"/>
+              <a:t>"Your inputs:" </a:t>
+            </a:r>
+            <a:r>
+              <a:rPr>
+                <a:solidFill>
+                  <a:srgbClr val="080808"/>
+                </a:solidFill>
+              </a:rPr>
+              <a:t>+ </a:t>
+            </a:r>
+            <a:r>
+              <a:rPr>
+                <a:solidFill>
+                  <a:srgbClr val="011480"/>
+                </a:solidFill>
+              </a:rPr>
+              <a:t>str</a:t>
+            </a:r>
+            <a:r>
+              <a:rPr>
+                <a:solidFill>
+                  <a:srgbClr val="080808"/>
+                </a:solidFill>
+              </a:rPr>
+              <a:t>(user_ints))</a:t>
+            </a:r>
+            <a:endParaRPr>
+              <a:solidFill>
+                <a:srgbClr val="080808"/>
+              </a:solidFill>
+            </a:endParaRPr>
           </a:p>
         </p:txBody>
       </p:sp>
       <p:sp>
         <p:nvSpPr>
-          <p:cNvPr id="387" name="Google Shape;84;p17"/>
-          <p:cNvSpPr/>
+          <p:cNvPr id="391" name="Reading positive integers from a user:"/>
+          <p:cNvSpPr txBox="1"/>
           <p:nvPr/>
         </p:nvSpPr>
         <p:spPr>
-          <a:xfrm flipH="1">
-            <a:off x="4069944" y="2986649"/>
-            <a:ext cx="170738" cy="964645"/>
+          <a:xfrm>
+            <a:off x="374169" y="1087915"/>
+            <a:ext cx="4039254" cy="345439"/>
           </a:xfrm>
-          <a:prstGeom prst="line">
-            <a:avLst/>
-          </a:prstGeom>
-          <a:ln w="38100">
-            <a:solidFill>
-              <a:srgbClr val="FF9900"/>
-            </a:solidFill>
-            <a:tailEnd type="triangle"/>
+          <a:prstGeom prst="rect">
+            <a:avLst/>
+          </a:prstGeom>
+          <a:ln w="12700">
+            <a:miter lim="400000"/>
           </a:ln>
+          <a:extLst>
+            <a:ext uri="{C572A759-6A51-4108-AA02-DFA0A04FC94B}">
+              <ma14:wrappingTextBoxFlag xmlns:ma14="http://schemas.microsoft.com/office/mac/drawingml/2011/main" val="1"/>
+            </a:ext>
+          </a:extLst>
         </p:spPr>
         <p:txBody>
-          <a:bodyPr lIns="0" tIns="0" rIns="0" bIns="0"/>
-          <a:lstStyle/>
-          <a:p>
-            <a:pPr>
-              <a:defRPr>
+          <a:bodyPr wrap="none" lIns="45718" tIns="45718" rIns="45718" bIns="45718">
+            <a:spAutoFit/>
+          </a:bodyPr>
+          <a:lstStyle>
+            <a:lvl1pPr>
+              <a:defRPr b="1" sz="1700">
                 <a:solidFill>
                   <a:srgbClr val="000000"/>
                 </a:solidFill>
-                <a:latin typeface="+mn-lt"/>
-                <a:ea typeface="+mn-ea"/>
-                <a:cs typeface="+mn-cs"/>
-                <a:sym typeface="Arial"/>
-              </a:defRPr>
-            </a:pPr>
+              </a:defRPr>
+            </a:lvl1pPr>
+          </a:lstStyle>
+          <a:p>
+            <a:pPr/>
+            <a:r>
+              <a:t>Reading positive integers from a user:</a:t>
+            </a:r>
           </a:p>
         </p:txBody>
       </p:sp>
       <p:sp>
         <p:nvSpPr>
-          <p:cNvPr id="388" name="Google Shape;85;p17"/>
-          <p:cNvSpPr/>
+          <p:cNvPr id="392" name="Enter an integer:1…"/>
+          <p:cNvSpPr txBox="1"/>
           <p:nvPr/>
         </p:nvSpPr>
         <p:spPr>
           <a:xfrm>
-            <a:off x="5044426" y="3037099"/>
-            <a:ext cx="1" cy="860426"/>
+            <a:off x="1146042" y="3300731"/>
+            <a:ext cx="1629676" cy="1386839"/>
           </a:xfrm>
-          <a:prstGeom prst="line">
-            <a:avLst/>
-          </a:prstGeom>
-          <a:ln w="38100">
-            <a:solidFill>
-              <a:srgbClr val="FF9900"/>
-            </a:solidFill>
-            <a:tailEnd type="triangle"/>
+          <a:prstGeom prst="rect">
+            <a:avLst/>
+          </a:prstGeom>
+          <a:ln w="12700">
+            <a:miter lim="400000"/>
           </a:ln>
+          <a:extLst>
+            <a:ext uri="{C572A759-6A51-4108-AA02-DFA0A04FC94B}">
+              <ma14:wrappingTextBoxFlag xmlns:ma14="http://schemas.microsoft.com/office/mac/drawingml/2011/main" val="1"/>
+            </a:ext>
+          </a:extLst>
         </p:spPr>
         <p:txBody>
-          <a:bodyPr lIns="0" tIns="0" rIns="0" bIns="0"/>
+          <a:bodyPr wrap="none" lIns="45718" tIns="45718" rIns="45718" bIns="45718">
+            <a:spAutoFit/>
+          </a:bodyPr>
           <a:lstStyle/>
           <a:p>
-            <a:pPr>
-              <a:defRPr>
+            <a:pPr/>
+            <a:r>
+              <a:t>Enter an integer:</a:t>
+            </a:r>
+            <a:r>
+              <a:rPr b="1">
+                <a:solidFill>
+                  <a:srgbClr val="0002FF"/>
+                </a:solidFill>
+              </a:rPr>
+              <a:t>1</a:t>
+            </a:r>
+          </a:p>
+          <a:p>
+            <a:pPr/>
+            <a:r>
+              <a:t>Enter an integer:</a:t>
+            </a:r>
+            <a:r>
+              <a:rPr b="1">
+                <a:solidFill>
+                  <a:srgbClr val="0000F8"/>
+                </a:solidFill>
+              </a:rPr>
+              <a:t>2</a:t>
+            </a:r>
+          </a:p>
+          <a:p>
+            <a:pPr/>
+            <a:r>
+              <a:t>Enter an integer:</a:t>
+            </a:r>
+            <a:r>
+              <a:rPr b="1">
+                <a:solidFill>
+                  <a:srgbClr val="0000F8"/>
+                </a:solidFill>
+              </a:rPr>
+              <a:t>3</a:t>
+            </a:r>
+          </a:p>
+          <a:p>
+            <a:pPr/>
+            <a:r>
+              <a:t>Enter an integer:</a:t>
+            </a:r>
+            <a:r>
+              <a:rPr b="1">
+                <a:solidFill>
+                  <a:srgbClr val="0000F8"/>
+                </a:solidFill>
+              </a:rPr>
+              <a:t>-8</a:t>
+            </a:r>
+          </a:p>
+          <a:p>
+            <a:pPr/>
+            <a:r>
+              <a:t>Your inputs:[1, 2, 3]</a:t>
+            </a:r>
+          </a:p>
+        </p:txBody>
+      </p:sp>
+      <p:sp>
+        <p:nvSpPr>
+          <p:cNvPr id="393" name="Output:"/>
+          <p:cNvSpPr txBox="1"/>
+          <p:nvPr/>
+        </p:nvSpPr>
+        <p:spPr>
+          <a:xfrm>
+            <a:off x="455449" y="3289776"/>
+            <a:ext cx="745886" cy="307339"/>
+          </a:xfrm>
+          <a:prstGeom prst="rect">
+            <a:avLst/>
+          </a:prstGeom>
+          <a:ln w="12700">
+            <a:miter lim="400000"/>
+          </a:ln>
+          <a:extLst>
+            <a:ext uri="{C572A759-6A51-4108-AA02-DFA0A04FC94B}">
+              <ma14:wrappingTextBoxFlag xmlns:ma14="http://schemas.microsoft.com/office/mac/drawingml/2011/main" val="1"/>
+            </a:ext>
+          </a:extLst>
+        </p:spPr>
+        <p:txBody>
+          <a:bodyPr wrap="none" lIns="45718" tIns="45718" rIns="45718" bIns="45718">
+            <a:spAutoFit/>
+          </a:bodyPr>
+          <a:lstStyle>
+            <a:lvl1pPr>
+              <a:defRPr b="1">
                 <a:solidFill>
                   <a:srgbClr val="000000"/>
                 </a:solidFill>
-                <a:latin typeface="+mn-lt"/>
-                <a:ea typeface="+mn-ea"/>
-                <a:cs typeface="+mn-cs"/>
-                <a:sym typeface="Arial"/>
-              </a:defRPr>
-            </a:pPr>
+              </a:defRPr>
+            </a:lvl1pPr>
+          </a:lstStyle>
+          <a:p>
+            <a:pPr/>
+            <a:r>
+              <a:t>Output:</a:t>
+            </a:r>
+          </a:p>
+        </p:txBody>
+      </p:sp>
+      <p:sp>
+        <p:nvSpPr>
+          <p:cNvPr id="394" name="Output:"/>
+          <p:cNvSpPr txBox="1"/>
+          <p:nvPr/>
+        </p:nvSpPr>
+        <p:spPr>
+          <a:xfrm>
+            <a:off x="4875049" y="3289776"/>
+            <a:ext cx="745886" cy="307339"/>
+          </a:xfrm>
+          <a:prstGeom prst="rect">
+            <a:avLst/>
+          </a:prstGeom>
+          <a:ln w="12700">
+            <a:miter lim="400000"/>
+          </a:ln>
+          <a:extLst>
+            <a:ext uri="{C572A759-6A51-4108-AA02-DFA0A04FC94B}">
+              <ma14:wrappingTextBoxFlag xmlns:ma14="http://schemas.microsoft.com/office/mac/drawingml/2011/main" val="1"/>
+            </a:ext>
+          </a:extLst>
+        </p:spPr>
+        <p:txBody>
+          <a:bodyPr wrap="none" lIns="45718" tIns="45718" rIns="45718" bIns="45718">
+            <a:spAutoFit/>
+          </a:bodyPr>
+          <a:lstStyle>
+            <a:lvl1pPr>
+              <a:defRPr b="1">
+                <a:solidFill>
+                  <a:srgbClr val="000000"/>
+                </a:solidFill>
+              </a:defRPr>
+            </a:lvl1pPr>
+          </a:lstStyle>
+          <a:p>
+            <a:pPr/>
+            <a:r>
+              <a:t>Output:</a:t>
+            </a:r>
+          </a:p>
+        </p:txBody>
+      </p:sp>
+      <p:sp>
+        <p:nvSpPr>
+          <p:cNvPr id="395" name="Enter an integer:3…"/>
+          <p:cNvSpPr txBox="1"/>
+          <p:nvPr/>
+        </p:nvSpPr>
+        <p:spPr>
+          <a:xfrm>
+            <a:off x="5568401" y="3304540"/>
+            <a:ext cx="1827358" cy="1602739"/>
+          </a:xfrm>
+          <a:prstGeom prst="rect">
+            <a:avLst/>
+          </a:prstGeom>
+          <a:ln w="12700">
+            <a:miter lim="400000"/>
+          </a:ln>
+          <a:extLst>
+            <a:ext uri="{C572A759-6A51-4108-AA02-DFA0A04FC94B}">
+              <ma14:wrappingTextBoxFlag xmlns:ma14="http://schemas.microsoft.com/office/mac/drawingml/2011/main" val="1"/>
+            </a:ext>
+          </a:extLst>
+        </p:spPr>
+        <p:txBody>
+          <a:bodyPr wrap="none" lIns="45718" tIns="45718" rIns="45718" bIns="45718">
+            <a:spAutoFit/>
+          </a:bodyPr>
+          <a:lstStyle/>
+          <a:p>
+            <a:pPr/>
+            <a:r>
+              <a:t>Enter an integer:</a:t>
+            </a:r>
+            <a:r>
+              <a:rPr b="1">
+                <a:solidFill>
+                  <a:srgbClr val="0000F8"/>
+                </a:solidFill>
+              </a:rPr>
+              <a:t>3</a:t>
+            </a:r>
+          </a:p>
+          <a:p>
+            <a:pPr/>
+            <a:r>
+              <a:t>Enter an integer:</a:t>
+            </a:r>
+            <a:r>
+              <a:rPr b="1">
+                <a:solidFill>
+                  <a:srgbClr val="0000F8"/>
+                </a:solidFill>
+              </a:rPr>
+              <a:t>2</a:t>
+            </a:r>
+          </a:p>
+          <a:p>
+            <a:pPr/>
+            <a:r>
+              <a:t>Enter an integer:</a:t>
+            </a:r>
+            <a:r>
+              <a:rPr b="1">
+                <a:solidFill>
+                  <a:srgbClr val="0000F8"/>
+                </a:solidFill>
+              </a:rPr>
+              <a:t>4</a:t>
+            </a:r>
+          </a:p>
+          <a:p>
+            <a:pPr/>
+            <a:r>
+              <a:t>Enter an integer:</a:t>
+            </a:r>
+            <a:r>
+              <a:rPr b="1">
+                <a:solidFill>
+                  <a:srgbClr val="0000F8"/>
+                </a:solidFill>
+              </a:rPr>
+              <a:t>5</a:t>
+            </a:r>
+          </a:p>
+          <a:p>
+            <a:pPr/>
+            <a:r>
+              <a:t>Enter an integer:</a:t>
+            </a:r>
+            <a:r>
+              <a:rPr b="1">
+                <a:solidFill>
+                  <a:srgbClr val="0000F8"/>
+                </a:solidFill>
+              </a:rPr>
+              <a:t>-7</a:t>
+            </a:r>
+          </a:p>
+          <a:p>
+            <a:pPr/>
+            <a:r>
+              <a:t>Your inputs:[3, 2, 4, 5]</a:t>
+            </a:r>
           </a:p>
         </p:txBody>
       </p:sp>
@@ -15464,7 +16486,7 @@
                                       <p:cBhvr>
                                         <p:cTn id="6" fill="hold"/>
                                         <p:tgtEl>
-                                          <p:spTgt spid="384"/>
+                                          <p:spTgt spid="393"/>
                                         </p:tgtEl>
                                         <p:attrNameLst>
                                           <p:attrName>style.visibility</p:attrName>
@@ -15499,7 +16521,95 @@
                                       <p:cBhvr>
                                         <p:cTn id="9" fill="hold"/>
                                         <p:tgtEl>
-                                          <p:spTgt spid="388"/>
+                                          <p:spTgt spid="392"/>
+                                        </p:tgtEl>
+                                        <p:attrNameLst>
+                                          <p:attrName>style.visibility</p:attrName>
+                                        </p:attrNameLst>
+                                      </p:cBhvr>
+                                      <p:to>
+                                        <p:strVal val="visible"/>
+                                      </p:to>
+                                    </p:set>
+                                  </p:childTnLst>
+                                </p:cTn>
+                              </p:par>
+                            </p:childTnLst>
+                          </p:cTn>
+                        </p:par>
+                      </p:childTnLst>
+                    </p:cTn>
+                  </p:par>
+                  <p:par>
+                    <p:cTn id="10" fill="hold">
+                      <p:stCondLst>
+                        <p:cond delay="indefinite"/>
+                      </p:stCondLst>
+                      <p:childTnLst>
+                        <p:par>
+                          <p:cTn id="11" fill="hold">
+                            <p:stCondLst>
+                              <p:cond delay="0"/>
+                            </p:stCondLst>
+                            <p:childTnLst>
+                              <p:par>
+                                <p:cTn id="12" presetClass="entr" nodeType="clickEffect" presetSubtype="0" presetID="1" grpId="3" fill="hold">
+                                  <p:stCondLst>
+                                    <p:cond delay="0"/>
+                                  </p:stCondLst>
+                                  <p:iterate type="el" backwards="0">
+                                    <p:tmAbs val="0"/>
+                                  </p:iterate>
+                                  <p:childTnLst>
+                                    <p:set>
+                                      <p:cBhvr>
+                                        <p:cTn id="13" fill="hold"/>
+                                        <p:tgtEl>
+                                          <p:spTgt spid="390"/>
+                                        </p:tgtEl>
+                                        <p:attrNameLst>
+                                          <p:attrName>style.visibility</p:attrName>
+                                        </p:attrNameLst>
+                                      </p:cBhvr>
+                                      <p:to>
+                                        <p:strVal val="visible"/>
+                                      </p:to>
+                                    </p:set>
+                                  </p:childTnLst>
+                                </p:cTn>
+                              </p:par>
+                            </p:childTnLst>
+                          </p:cTn>
+                        </p:par>
+                      </p:childTnLst>
+                    </p:cTn>
+                  </p:par>
+                  <p:par>
+                    <p:cTn id="14" fill="hold">
+                      <p:stCondLst>
+                        <p:cond delay="indefinite"/>
+                      </p:stCondLst>
+                      <p:childTnLst>
+                        <p:par>
+                          <p:cTn id="15" fill="hold">
+                            <p:stCondLst>
+                              <p:cond delay="0"/>
+                            </p:stCondLst>
+                            <p:childTnLst>
+                              <p:par>
+                                <p:cTn id="16" presetClass="entr" nodeType="clickEffect" presetSubtype="0" presetID="1" grpId="4" fill="hold">
+                                  <p:stCondLst>
+                                    <p:cond delay="0"/>
+                                  </p:stCondLst>
+                                  <p:iterate type="el" backwards="0">
+                                    <p:tmAbs val="0"/>
+                                  </p:iterate>
+                                  <p:childTnLst>
+                                    <p:set>
+                                      <p:cBhvr>
+                                        <p:cTn id="17" fill="hold"/>
+                                        <p:tgtEl>
+                                          <p:spTgt spid="394"/>
                                         </p:tgtEl>
                                         <p:attrNameLst>
                                           <p:attrName>style.visibility</p:attrName>
@@ -15516,13 +16626,13 @@
                           </p:cTn>
                         </p:par>
                         <p:par>
-                          <p:cTn id="10" fill="hold">
+                          <p:cTn id="18" fill="hold">
                             <p:stCondLst>
                               <p:cond delay="0"/>
                             </p:stCondLst>
                             <p:childTnLst>
                               <p:par>
-                                <p:cTn id="11" presetClass="entr" nodeType="afterEffect" presetSubtype="0" presetID="1" grpId="3" fill="hold">
+                                <p:cTn id="19" presetClass="entr" nodeType="afterEffect" presetSubtype="0" presetID="1" grpId="5" fill="hold">
                                   <p:stCondLst>
                                     <p:cond delay="0"/>
                                   </p:stCondLst>
@@ -15532,79 +16642,9 @@
                                   <p:childTnLst>
                                     <p:set>
                                       <p:cBhvr>
-                                        <p:cTn id="12" fill="hold"/>
+                                        <p:cTn id="20" fill="hold"/>
                                         <p:tgtEl>
-                                          <p:spTgt spid="387"/>
-                                        </p:tgtEl>
-                                        <p:attrNameLst>
-                                          <p:attrName>style.visibility</p:attrName>
-                                        </p:attrNameLst>
-                                      </p:cBhvr>
-                                      <p:to>
-                                        <p:strVal val="visible"/>
-                                      </p:to>
-                                    </p:set>
-                                  </p:childTnLst>
-                                </p:cTn>
-                              </p:par>
-                            </p:childTnLst>
-                          </p:cTn>
-                        </p:par>
-                        <p:par>
-                          <p:cTn id="13" fill="hold">
-                            <p:stCondLst>
-                              <p:cond delay="0"/>
-                            </p:stCondLst>
-                            <p:childTnLst>
-                              <p:par>
-                                <p:cTn id="14" presetClass="entr" nodeType="afterEffect" presetSubtype="0" presetID="1" grpId="4" fill="hold">
-                                  <p:stCondLst>
-                                    <p:cond delay="0"/>
-                                  </p:stCondLst>
-                                  <p:iterate type="el" backwards="0">
-                                    <p:tmAbs val="0"/>
-                                  </p:iterate>
-                                  <p:childTnLst>
-                                    <p:set>
-                                      <p:cBhvr>
-                                        <p:cTn id="15" fill="hold"/>
-                                        <p:tgtEl>
-                                          <p:spTgt spid="386"/>
-                                        </p:tgtEl>
-                                        <p:attrNameLst>
-                                          <p:attrName>style.visibility</p:attrName>
-                                        </p:attrNameLst>
-                                      </p:cBhvr>
-                                      <p:to>
-                                        <p:strVal val="visible"/>
-                                      </p:to>
-                                    </p:set>
-                                  </p:childTnLst>
-                                </p:cTn>
-                              </p:par>
-                            </p:childTnLst>
-                          </p:cTn>
-                        </p:par>
-                        <p:par>
-                          <p:cTn id="16" fill="hold">
-                            <p:stCondLst>
-                              <p:cond delay="0"/>
-                            </p:stCondLst>
-                            <p:childTnLst>
-                              <p:par>
-                                <p:cTn id="17" presetClass="entr" nodeType="afterEffect" presetSubtype="0" presetID="1" grpId="5" fill="hold">
-                                  <p:stCondLst>
-                                    <p:cond delay="0"/>
-                                  </p:stCondLst>
-                                  <p:iterate type="el" backwards="0">
-                                    <p:tmAbs val="0"/>
-                                  </p:iterate>
-                                  <p:childTnLst>
-                                    <p:set>
-                                      <p:cBhvr>
-                                        <p:cTn id="18" fill="hold"/>
-                                        <p:tgtEl>
-                                          <p:spTgt spid="385"/>
+                                          <p:spTgt spid="395"/>
                                         </p:tgtEl>
                                         <p:attrNameLst>
                                           <p:attrName>style.visibility</p:attrName>
@@ -15645,193 +16685,13 @@
       </p:par>
     </p:tnLst>
     <p:bldLst>
-      <p:bldP build="whole" bldLvl="1" animBg="1" rev="0" advAuto="0" spid="388" grpId="2"/>
-      <p:bldP build="whole" bldLvl="1" animBg="1" rev="0" advAuto="0" spid="385" grpId="5"/>
-      <p:bldP build="whole" bldLvl="1" animBg="1" rev="0" advAuto="0" spid="387" grpId="3"/>
-      <p:bldP build="whole" bldLvl="1" animBg="1" rev="0" advAuto="0" spid="386" grpId="4"/>
-      <p:bldP build="whole" bldLvl="1" animBg="1" rev="0" advAuto="0" spid="384" grpId="1"/>
+      <p:bldP build="whole" bldLvl="1" animBg="1" rev="0" advAuto="0" spid="392" grpId="2"/>
+      <p:bldP build="whole" bldLvl="1" animBg="1" rev="0" advAuto="0" spid="390" grpId="3"/>
+      <p:bldP build="whole" bldLvl="1" animBg="1" rev="0" advAuto="0" spid="393" grpId="1"/>
+      <p:bldP build="whole" bldLvl="1" animBg="1" rev="0" advAuto="0" spid="395" grpId="5"/>
+      <p:bldP build="whole" bldLvl="1" animBg="1" rev="0" advAuto="0" spid="394" grpId="4"/>
     </p:bldLst>
   </p:timing>
-</p:sld>
-</file>
-
-<file path=ppt/slides/slide9.xml><?xml version="1.0" encoding="utf-8"?>
-<p:sld xmlns:a="http://schemas.openxmlformats.org/drawingml/2006/main" xmlns:r="http://schemas.openxmlformats.org/officeDocument/2006/relationships" xmlns:p="http://schemas.openxmlformats.org/presentationml/2006/main" xmlns:m="http://schemas.openxmlformats.org/officeDocument/2006/math" xmlns:a14="http://schemas.microsoft.com/office/drawing/2010/main" showMasterSp="1" showMasterPhAnim="1">
-  <p:cSld>
-    <p:spTree>
-      <p:nvGrpSpPr>
-        <p:cNvPr id="1" name=""/>
-        <p:cNvGrpSpPr/>
-        <p:nvPr/>
-      </p:nvGrpSpPr>
-      <p:grpSpPr>
-        <a:xfrm>
-          <a:off x="0" y="0"/>
-          <a:ext cx="0" cy="0"/>
-          <a:chOff x="0" y="0"/>
-          <a:chExt cx="0" cy="0"/>
-        </a:xfrm>
-      </p:grpSpPr>
-      <p:sp>
-        <p:nvSpPr>
-          <p:cNvPr id="390" name="Slide Number Placeholder 3"/>
-          <p:cNvSpPr txBox="1"/>
-          <p:nvPr>
-            <p:ph type="sldNum" sz="quarter" idx="2"/>
-          </p:nvPr>
-        </p:nvSpPr>
-        <p:spPr>
-          <a:xfrm>
-            <a:off x="8864600" y="4787109"/>
-            <a:ext cx="127000" cy="139701"/>
-          </a:xfrm>
-          <a:prstGeom prst="rect">
-            <a:avLst/>
-          </a:prstGeom>
-          <a:extLst>
-            <a:ext uri="{C572A759-6A51-4108-AA02-DFA0A04FC94B}">
-              <ma14:wrappingTextBoxFlag xmlns:ma14="http://schemas.microsoft.com/office/mac/drawingml/2011/main" val="1"/>
-            </a:ext>
-          </a:extLst>
-        </p:spPr>
-        <p:txBody>
-          <a:bodyPr/>
-          <a:lstStyle/>
-          <a:p>
-            <a:pPr/>
-            <a:fld id="{86CB4B4D-7CA3-9044-876B-883B54F8677D}" type="slidenum"/>
-          </a:p>
-        </p:txBody>
-      </p:sp>
-      <p:sp>
-        <p:nvSpPr>
-          <p:cNvPr id="391" name="Extra Features for Breakout"/>
-          <p:cNvSpPr txBox="1"/>
-          <p:nvPr/>
-        </p:nvSpPr>
-        <p:spPr>
-          <a:xfrm>
-            <a:off x="2257979" y="160656"/>
-            <a:ext cx="4628042" cy="535939"/>
-          </a:xfrm>
-          <a:prstGeom prst="rect">
-            <a:avLst/>
-          </a:prstGeom>
-          <a:ln w="12700">
-            <a:miter lim="400000"/>
-          </a:ln>
-          <a:extLst>
-            <a:ext uri="{C572A759-6A51-4108-AA02-DFA0A04FC94B}">
-              <ma14:wrappingTextBoxFlag xmlns:ma14="http://schemas.microsoft.com/office/mac/drawingml/2011/main" val="1"/>
-            </a:ext>
-          </a:extLst>
-        </p:spPr>
-        <p:txBody>
-          <a:bodyPr wrap="none" lIns="45718" tIns="45718" rIns="45718" bIns="45718">
-            <a:spAutoFit/>
-          </a:bodyPr>
-          <a:lstStyle>
-            <a:lvl1pPr>
-              <a:defRPr sz="2900">
-                <a:solidFill>
-                  <a:srgbClr val="FFFFFF"/>
-                </a:solidFill>
-              </a:defRPr>
-            </a:lvl1pPr>
-          </a:lstStyle>
-          <a:p>
-            <a:pPr/>
-            <a:r>
-              <a:t>Extra Features for Breakout</a:t>
-            </a:r>
-          </a:p>
-        </p:txBody>
-      </p:sp>
-      <p:pic>
-        <p:nvPicPr>
-          <p:cNvPr id="392" name="Screenshot 2021-08-11 at 23.01.28.png" descr="Screenshot 2021-08-11 at 23.01.28.png"/>
-          <p:cNvPicPr>
-            <a:picLocks noChangeAspect="1"/>
-          </p:cNvPicPr>
-          <p:nvPr/>
-        </p:nvPicPr>
-        <p:blipFill>
-          <a:blip r:embed="rId2">
-            <a:extLst/>
-          </a:blip>
-          <a:stretch>
-            <a:fillRect/>
-          </a:stretch>
-        </p:blipFill>
-        <p:spPr>
-          <a:xfrm>
-            <a:off x="2422250" y="866611"/>
-            <a:ext cx="4299500" cy="3927051"/>
-          </a:xfrm>
-          <a:prstGeom prst="rect">
-            <a:avLst/>
-          </a:prstGeom>
-          <a:ln w="12700">
-            <a:miter lim="400000"/>
-          </a:ln>
-        </p:spPr>
-      </p:pic>
-      <p:sp>
-        <p:nvSpPr>
-          <p:cNvPr id="393" name="https://www.mobygames.com/game-group/breakout-variants"/>
-          <p:cNvSpPr txBox="1"/>
-          <p:nvPr/>
-        </p:nvSpPr>
-        <p:spPr>
-          <a:xfrm>
-            <a:off x="2148193" y="4815841"/>
-            <a:ext cx="4897012" cy="307338"/>
-          </a:xfrm>
-          <a:prstGeom prst="rect">
-            <a:avLst/>
-          </a:prstGeom>
-          <a:ln w="12700">
-            <a:miter lim="400000"/>
-          </a:ln>
-          <a:extLst>
-            <a:ext uri="{C572A759-6A51-4108-AA02-DFA0A04FC94B}">
-              <ma14:wrappingTextBoxFlag xmlns:ma14="http://schemas.microsoft.com/office/mac/drawingml/2011/main" val="1"/>
-            </a:ext>
-          </a:extLst>
-        </p:spPr>
-        <p:txBody>
-          <a:bodyPr wrap="none" lIns="45718" tIns="45718" rIns="45718" bIns="45718">
-            <a:spAutoFit/>
-          </a:bodyPr>
-          <a:lstStyle/>
-          <a:p>
-            <a:pPr/>
-            <a:r>
-              <a:rPr u="sng">
-                <a:solidFill>
-                  <a:srgbClr val="0000FF"/>
-                </a:solidFill>
-                <a:uFill>
-                  <a:solidFill>
-                    <a:srgbClr val="0000FF"/>
-                  </a:solidFill>
-                </a:uFill>
-                <a:hlinkClick r:id="rId3" invalidUrl="" action="" tgtFrame="" tooltip="" history="1" highlightClick="0" endSnd="0"/>
-              </a:rPr>
-              <a:t>https://www.mobygames.com/game-group/breakout-variants</a:t>
-            </a:r>
-            <a:r>
-              <a:t> </a:t>
-            </a:r>
-          </a:p>
-        </p:txBody>
-      </p:sp>
-    </p:spTree>
-  </p:cSld>
-  <p:clrMapOvr>
-    <a:masterClrMapping/>
-  </p:clrMapOvr>
-  <p:transition xmlns:p14="http://schemas.microsoft.com/office/powerpoint/2010/main" spd="med" advClick="1"/>
 </p:sld>
 </file>
 
